--- a/2024-Q4/2024-11-03/2024-11-03-Psalms.pptx
+++ b/2024-Q4/2024-11-03/2024-11-03-Psalms.pptx
@@ -11,12 +11,12 @@
   <p:sldIdLst>
     <p:sldId id="395" r:id="rId3"/>
     <p:sldId id="501" r:id="rId4"/>
-    <p:sldId id="504" r:id="rId5"/>
-    <p:sldId id="336" r:id="rId6"/>
-    <p:sldId id="502" r:id="rId7"/>
-    <p:sldId id="507" r:id="rId8"/>
-    <p:sldId id="510" r:id="rId9"/>
-    <p:sldId id="505" r:id="rId10"/>
+    <p:sldId id="336" r:id="rId5"/>
+    <p:sldId id="507" r:id="rId6"/>
+    <p:sldId id="511" r:id="rId7"/>
+    <p:sldId id="513" r:id="rId8"/>
+    <p:sldId id="505" r:id="rId9"/>
+    <p:sldId id="512" r:id="rId10"/>
     <p:sldId id="506" r:id="rId11"/>
     <p:sldId id="509" r:id="rId12"/>
   </p:sldIdLst>
@@ -4551,7 +4551,7 @@
         <a:p>
           <a:r>
             <a:rPr lang="en-US" dirty="0"/>
-            <a:t>Compassion</a:t>
+            <a:t>Truth</a:t>
           </a:r>
         </a:p>
       </dgm:t>
@@ -4587,7 +4587,7 @@
         <a:p>
           <a:r>
             <a:rPr lang="en-US" dirty="0"/>
-            <a:t>Discipline</a:t>
+            <a:t>Lie</a:t>
           </a:r>
         </a:p>
       </dgm:t>
@@ -5921,12 +5921,12 @@
         <a:fontRef idx="minor"/>
       </dsp:style>
       <dsp:txBody>
-        <a:bodyPr spcFirstLastPara="0" vert="horz" wrap="square" lIns="284480" tIns="284480" rIns="284480" bIns="284480" numCol="1" spcCol="1270" anchor="ctr" anchorCtr="0">
+        <a:bodyPr spcFirstLastPara="0" vert="horz" wrap="square" lIns="341376" tIns="341376" rIns="341376" bIns="341376" numCol="1" spcCol="1270" anchor="ctr" anchorCtr="0">
           <a:noAutofit/>
         </a:bodyPr>
         <a:lstStyle/>
         <a:p>
-          <a:pPr marL="0" lvl="0" indent="0" algn="ctr" defTabSz="1778000">
+          <a:pPr marL="0" lvl="0" indent="0" algn="ctr" defTabSz="2133600">
             <a:lnSpc>
               <a:spcPct val="90000"/>
             </a:lnSpc>
@@ -5939,8 +5939,8 @@
             <a:buNone/>
           </a:pPr>
           <a:r>
-            <a:rPr lang="en-US" sz="4000" kern="1200" dirty="0"/>
-            <a:t>Compassion</a:t>
+            <a:rPr lang="en-US" sz="4800" kern="1200" dirty="0"/>
+            <a:t>Truth</a:t>
           </a:r>
         </a:p>
       </dsp:txBody>
@@ -6027,12 +6027,12 @@
         <a:fontRef idx="minor"/>
       </dsp:style>
       <dsp:txBody>
-        <a:bodyPr spcFirstLastPara="0" vert="horz" wrap="square" lIns="277368" tIns="277368" rIns="277368" bIns="277368" numCol="1" spcCol="1270" anchor="ctr" anchorCtr="0">
+        <a:bodyPr spcFirstLastPara="0" vert="horz" wrap="square" lIns="341376" tIns="341376" rIns="341376" bIns="341376" numCol="1" spcCol="1270" anchor="ctr" anchorCtr="0">
           <a:noAutofit/>
         </a:bodyPr>
         <a:lstStyle/>
         <a:p>
-          <a:pPr marL="0" lvl="0" indent="0" algn="ctr" defTabSz="1733550">
+          <a:pPr marL="0" lvl="0" indent="0" algn="ctr" defTabSz="2133600">
             <a:lnSpc>
               <a:spcPct val="90000"/>
             </a:lnSpc>
@@ -6045,8 +6045,8 @@
             <a:buNone/>
           </a:pPr>
           <a:r>
-            <a:rPr lang="en-US" sz="3900" kern="1200" dirty="0"/>
-            <a:t>Discipline</a:t>
+            <a:rPr lang="en-US" sz="4800" kern="1200" dirty="0"/>
+            <a:t>Lie</a:t>
           </a:r>
         </a:p>
       </dsp:txBody>
@@ -12574,7 +12574,7 @@
               <a:pPr>
                 <a:defRPr/>
               </a:pPr>
-              <a:t>11/2/24</a:t>
+              <a:t>11/3/2024</a:t>
             </a:fld>
             <a:endParaRPr lang="en-US"/>
           </a:p>
@@ -13288,864 +13288,6 @@
   <p:cSld>
     <p:spTree>
       <p:nvGrpSpPr>
-        <p:cNvPr id="1" name="">
-          <a:extLst>
-            <a:ext uri="{FF2B5EF4-FFF2-40B4-BE49-F238E27FC236}">
-              <a16:creationId xmlns:a16="http://schemas.microsoft.com/office/drawing/2014/main" id="{66E9CF45-67EF-75D2-D5DF-5F34EB214BAD}"/>
-            </a:ext>
-          </a:extLst>
-        </p:cNvPr>
-        <p:cNvGrpSpPr/>
-        <p:nvPr/>
-      </p:nvGrpSpPr>
-      <p:grpSpPr>
-        <a:xfrm>
-          <a:off x="0" y="0"/>
-          <a:ext cx="0" cy="0"/>
-          <a:chOff x="0" y="0"/>
-          <a:chExt cx="0" cy="0"/>
-        </a:xfrm>
-      </p:grpSpPr>
-      <p:sp>
-        <p:nvSpPr>
-          <p:cNvPr id="2" name="Slide Image Placeholder 1">
-            <a:extLst>
-              <a:ext uri="{FF2B5EF4-FFF2-40B4-BE49-F238E27FC236}">
-                <a16:creationId xmlns:a16="http://schemas.microsoft.com/office/drawing/2014/main" id="{77F31611-FDBB-54C9-31AD-4985BFB6AD40}"/>
-              </a:ext>
-            </a:extLst>
-          </p:cNvPr>
-          <p:cNvSpPr>
-            <a:spLocks noGrp="1" noRot="1" noChangeAspect="1"/>
-          </p:cNvSpPr>
-          <p:nvPr>
-            <p:ph type="sldImg"/>
-          </p:nvPr>
-        </p:nvSpPr>
-        <p:spPr/>
-      </p:sp>
-      <p:sp>
-        <p:nvSpPr>
-          <p:cNvPr id="3" name="Notes Placeholder 2">
-            <a:extLst>
-              <a:ext uri="{FF2B5EF4-FFF2-40B4-BE49-F238E27FC236}">
-                <a16:creationId xmlns:a16="http://schemas.microsoft.com/office/drawing/2014/main" id="{7A72160A-FB39-151A-C036-7EADDF79936E}"/>
-              </a:ext>
-            </a:extLst>
-          </p:cNvPr>
-          <p:cNvSpPr>
-            <a:spLocks noGrp="1"/>
-          </p:cNvSpPr>
-          <p:nvPr>
-            <p:ph type="body" idx="1"/>
-          </p:nvPr>
-        </p:nvSpPr>
-        <p:spPr/>
-        <p:txBody>
-          <a:bodyPr>
-            <a:normAutofit fontScale="40000" lnSpcReduction="20000"/>
-          </a:bodyPr>
-          <a:lstStyle/>
-          <a:p>
-            <a:endParaRPr lang="en-US" dirty="0"/>
-          </a:p>
-          <a:p>
-            <a:pPr marL="228600" lvl="0" indent="-228600">
-              <a:buAutoNum type="arabicPeriod"/>
-            </a:pPr>
-            <a:r>
-              <a:rPr lang="en-US" dirty="0"/>
-              <a:t>Who are the Righteous?</a:t>
-            </a:r>
-          </a:p>
-          <a:p>
-            <a:pPr marL="685800" lvl="1" indent="-228600">
-              <a:buAutoNum type="arabicPeriod"/>
-            </a:pPr>
-            <a:r>
-              <a:rPr lang="en-US" dirty="0"/>
-              <a:t>How is it that there are a “congregation” thereof?</a:t>
-            </a:r>
-          </a:p>
-          <a:p>
-            <a:pPr marL="685800" lvl="1" indent="-228600">
-              <a:buAutoNum type="arabicPeriod"/>
-            </a:pPr>
-            <a:r>
-              <a:rPr lang="en-US" dirty="0"/>
-              <a:t>How does that happen?</a:t>
-            </a:r>
-          </a:p>
-          <a:p>
-            <a:pPr marL="228600" lvl="0" indent="-228600">
-              <a:buAutoNum type="arabicPeriod"/>
-            </a:pPr>
-            <a:r>
-              <a:rPr lang="en-US" dirty="0"/>
-              <a:t>What does Paul perceive via Habakkuk 2:4?</a:t>
-            </a:r>
-          </a:p>
-          <a:p>
-            <a:pPr marL="228600" lvl="0" indent="-228600">
-              <a:buAutoNum type="arabicPeriod"/>
-            </a:pPr>
-            <a:endParaRPr lang="en-US" dirty="0"/>
-          </a:p>
-          <a:p>
-            <a:pPr marL="0" marR="0">
-              <a:lnSpc>
-                <a:spcPct val="107000"/>
-              </a:lnSpc>
-              <a:spcBef>
-                <a:spcPts val="0"/>
-              </a:spcBef>
-              <a:spcAft>
-                <a:spcPts val="800"/>
-              </a:spcAft>
-            </a:pPr>
-            <a:r>
-              <a:rPr lang="en-US" sz="1800" dirty="0">
-                <a:effectLst/>
-                <a:latin typeface="Calibri" panose="020F0502020204030204" pitchFamily="34" charset="0"/>
-                <a:ea typeface="Calibri" panose="020F0502020204030204" pitchFamily="34" charset="0"/>
-                <a:cs typeface="Segoe UI" panose="020B0502040204020203" pitchFamily="34" charset="0"/>
-              </a:rPr>
-              <a:t>What is the meaning of the phrase, “the just shall live by faith” (</a:t>
-            </a:r>
-            <a:r>
-              <a:rPr lang="en-US" sz="1800" dirty="0" err="1">
-                <a:effectLst/>
-                <a:latin typeface="Calibri" panose="020F0502020204030204" pitchFamily="34" charset="0"/>
-                <a:ea typeface="Calibri" panose="020F0502020204030204" pitchFamily="34" charset="0"/>
-                <a:cs typeface="Segoe UI" panose="020B0502040204020203" pitchFamily="34" charset="0"/>
-              </a:rPr>
-              <a:t>Hab</a:t>
-            </a:r>
-            <a:r>
-              <a:rPr lang="en-US" sz="1800" dirty="0">
-                <a:effectLst/>
-                <a:latin typeface="Calibri" panose="020F0502020204030204" pitchFamily="34" charset="0"/>
-                <a:ea typeface="Calibri" panose="020F0502020204030204" pitchFamily="34" charset="0"/>
-                <a:cs typeface="Segoe UI" panose="020B0502040204020203" pitchFamily="34" charset="0"/>
-              </a:rPr>
-              <a:t> 2:4), relative to the Patriarchal, the Mosaic, and the Christian eras?   </a:t>
-            </a:r>
-            <a:endParaRPr lang="en-US" sz="1800" dirty="0">
-              <a:effectLst/>
-              <a:latin typeface="Calibri" panose="020F0502020204030204" pitchFamily="34" charset="0"/>
-              <a:ea typeface="Calibri" panose="020F0502020204030204" pitchFamily="34" charset="0"/>
-              <a:cs typeface="Times New Roman" panose="02020603050405020304" pitchFamily="18" charset="0"/>
-            </a:endParaRPr>
-          </a:p>
-          <a:p>
-            <a:pPr marL="342900" marR="0" lvl="0" indent="-342900">
-              <a:lnSpc>
-                <a:spcPct val="107000"/>
-              </a:lnSpc>
-              <a:spcBef>
-                <a:spcPts val="0"/>
-              </a:spcBef>
-              <a:spcAft>
-                <a:spcPts val="800"/>
-              </a:spcAft>
-              <a:buFont typeface="Arial" panose="020B0604020202020204" pitchFamily="34" charset="0"/>
-              <a:buChar char="•"/>
-              <a:tabLst>
-                <a:tab pos="457200" algn="l"/>
-              </a:tabLst>
-            </a:pPr>
-            <a:r>
-              <a:rPr lang="en-US" sz="1800" dirty="0">
-                <a:effectLst/>
-                <a:latin typeface="Calibri" panose="020F0502020204030204" pitchFamily="34" charset="0"/>
-                <a:ea typeface="Calibri" panose="020F0502020204030204" pitchFamily="34" charset="0"/>
-                <a:cs typeface="Segoe UI" panose="020B0502040204020203" pitchFamily="34" charset="0"/>
-              </a:rPr>
-              <a:t>Within each era, </a:t>
-            </a:r>
-            <a:r>
-              <a:rPr lang="en-US" sz="1800" b="1" dirty="0">
-                <a:effectLst/>
-                <a:latin typeface="Calibri" panose="020F0502020204030204" pitchFamily="34" charset="0"/>
-                <a:ea typeface="Calibri" panose="020F0502020204030204" pitchFamily="34" charset="0"/>
-                <a:cs typeface="Segoe UI" panose="020B0502040204020203" pitchFamily="34" charset="0"/>
-              </a:rPr>
-              <a:t>the believer’s relationship to God is </a:t>
-            </a:r>
-            <a:r>
-              <a:rPr lang="en-US" sz="1800" b="1" i="1" dirty="0">
-                <a:effectLst/>
-                <a:latin typeface="Calibri" panose="020F0502020204030204" pitchFamily="34" charset="0"/>
-                <a:ea typeface="Calibri" panose="020F0502020204030204" pitchFamily="34" charset="0"/>
-                <a:cs typeface="Segoe UI" panose="020B0502040204020203" pitchFamily="34" charset="0"/>
-              </a:rPr>
-              <a:t>based upon God’s promises</a:t>
-            </a:r>
-            <a:r>
-              <a:rPr lang="en-US" sz="1800" b="1" dirty="0">
-                <a:effectLst/>
-                <a:latin typeface="Calibri" panose="020F0502020204030204" pitchFamily="34" charset="0"/>
-                <a:ea typeface="Calibri" panose="020F0502020204030204" pitchFamily="34" charset="0"/>
-                <a:cs typeface="Segoe UI" panose="020B0502040204020203" pitchFamily="34" charset="0"/>
-              </a:rPr>
-              <a:t> </a:t>
-            </a:r>
-            <a:r>
-              <a:rPr lang="en-US" sz="1800" dirty="0">
-                <a:effectLst/>
-                <a:latin typeface="Calibri" panose="020F0502020204030204" pitchFamily="34" charset="0"/>
-                <a:ea typeface="Calibri" panose="020F0502020204030204" pitchFamily="34" charset="0"/>
-                <a:cs typeface="Segoe UI" panose="020B0502040204020203" pitchFamily="34" charset="0"/>
-              </a:rPr>
-              <a:t>and not upon anything that the person (or nation) has done or could do.</a:t>
-            </a:r>
-            <a:endParaRPr lang="en-US" sz="1800" dirty="0">
-              <a:effectLst/>
-              <a:latin typeface="Calibri" panose="020F0502020204030204" pitchFamily="34" charset="0"/>
-              <a:ea typeface="Calibri" panose="020F0502020204030204" pitchFamily="34" charset="0"/>
-              <a:cs typeface="Times New Roman" panose="02020603050405020304" pitchFamily="18" charset="0"/>
-            </a:endParaRPr>
-          </a:p>
-          <a:p>
-            <a:pPr marL="342900" marR="0" lvl="0" indent="-342900">
-              <a:lnSpc>
-                <a:spcPct val="107000"/>
-              </a:lnSpc>
-              <a:spcBef>
-                <a:spcPts val="0"/>
-              </a:spcBef>
-              <a:spcAft>
-                <a:spcPts val="800"/>
-              </a:spcAft>
-              <a:buFont typeface="Arial" panose="020B0604020202020204" pitchFamily="34" charset="0"/>
-              <a:buChar char="•"/>
-              <a:tabLst>
-                <a:tab pos="457200" algn="l"/>
-              </a:tabLst>
-            </a:pPr>
-            <a:r>
-              <a:rPr lang="en-US" sz="1800" dirty="0">
-                <a:effectLst/>
-                <a:latin typeface="Calibri" panose="020F0502020204030204" pitchFamily="34" charset="0"/>
-                <a:ea typeface="Calibri" panose="020F0502020204030204" pitchFamily="34" charset="0"/>
-                <a:cs typeface="Segoe UI" panose="020B0502040204020203" pitchFamily="34" charset="0"/>
-              </a:rPr>
-              <a:t>Within each era, sin is dealt with in accordance with God’s instruction, the believer simply obeys and accepts by faith that their sin is forgiven.  </a:t>
-            </a:r>
-          </a:p>
-          <a:p>
-            <a:pPr marL="342900" marR="0" lvl="0" indent="-342900">
-              <a:lnSpc>
-                <a:spcPct val="107000"/>
-              </a:lnSpc>
-              <a:spcBef>
-                <a:spcPts val="0"/>
-              </a:spcBef>
-              <a:spcAft>
-                <a:spcPts val="800"/>
-              </a:spcAft>
-              <a:buFont typeface="Arial" panose="020B0604020202020204" pitchFamily="34" charset="0"/>
-              <a:buChar char="•"/>
-              <a:tabLst>
-                <a:tab pos="457200" algn="l"/>
-              </a:tabLst>
-            </a:pPr>
-            <a:r>
-              <a:rPr lang="en-US" sz="1800" dirty="0">
-                <a:effectLst/>
-                <a:latin typeface="Calibri" panose="020F0502020204030204" pitchFamily="34" charset="0"/>
-                <a:ea typeface="Calibri" panose="020F0502020204030204" pitchFamily="34" charset="0"/>
-                <a:cs typeface="Segoe UI" panose="020B0502040204020203" pitchFamily="34" charset="0"/>
-              </a:rPr>
-              <a:t>Even the animal sacrifices of the Mosaic Law were based upon God’s </a:t>
-            </a:r>
-            <a:r>
-              <a:rPr lang="en-US" sz="1800" b="1" dirty="0">
-                <a:effectLst/>
-                <a:latin typeface="Calibri" panose="020F0502020204030204" pitchFamily="34" charset="0"/>
-                <a:ea typeface="Calibri" panose="020F0502020204030204" pitchFamily="34" charset="0"/>
-                <a:cs typeface="Segoe UI" panose="020B0502040204020203" pitchFamily="34" charset="0"/>
-              </a:rPr>
-              <a:t>promise</a:t>
-            </a:r>
-            <a:r>
-              <a:rPr lang="en-US" sz="1800" dirty="0">
-                <a:effectLst/>
-                <a:latin typeface="Calibri" panose="020F0502020204030204" pitchFamily="34" charset="0"/>
-                <a:ea typeface="Calibri" panose="020F0502020204030204" pitchFamily="34" charset="0"/>
-                <a:cs typeface="Segoe UI" panose="020B0502040204020203" pitchFamily="34" charset="0"/>
-              </a:rPr>
-              <a:t> that the sin condition would be relieved.     </a:t>
-            </a:r>
-            <a:r>
-              <a:rPr lang="en-US" sz="1800" dirty="0" err="1">
-                <a:effectLst/>
-                <a:latin typeface="Calibri" panose="020F0502020204030204" pitchFamily="34" charset="0"/>
-                <a:ea typeface="Calibri" panose="020F0502020204030204" pitchFamily="34" charset="0"/>
-                <a:cs typeface="Segoe UI" panose="020B0502040204020203" pitchFamily="34" charset="0"/>
-              </a:rPr>
-              <a:t>Galations</a:t>
-            </a:r>
-            <a:r>
-              <a:rPr lang="en-US" sz="1800" dirty="0">
-                <a:effectLst/>
-                <a:latin typeface="Calibri" panose="020F0502020204030204" pitchFamily="34" charset="0"/>
-                <a:ea typeface="Calibri" panose="020F0502020204030204" pitchFamily="34" charset="0"/>
-                <a:cs typeface="Segoe UI" panose="020B0502040204020203" pitchFamily="34" charset="0"/>
-              </a:rPr>
-              <a:t> 3:19-29</a:t>
-            </a:r>
-            <a:endParaRPr lang="en-US" sz="1800" dirty="0">
-              <a:effectLst/>
-              <a:latin typeface="Calibri" panose="020F0502020204030204" pitchFamily="34" charset="0"/>
-              <a:ea typeface="Calibri" panose="020F0502020204030204" pitchFamily="34" charset="0"/>
-              <a:cs typeface="Times New Roman" panose="02020603050405020304" pitchFamily="18" charset="0"/>
-            </a:endParaRPr>
-          </a:p>
-          <a:p>
-            <a:pPr marL="0" lvl="0" indent="0">
-              <a:buNone/>
-            </a:pPr>
-            <a:endParaRPr lang="en-US" dirty="0"/>
-          </a:p>
-          <a:p>
-            <a:pPr marL="228600" lvl="0" indent="-228600">
-              <a:buAutoNum type="arabicPeriod"/>
-            </a:pPr>
-            <a:endParaRPr lang="en-US" dirty="0"/>
-          </a:p>
-          <a:p>
-            <a:endParaRPr lang="en-US" dirty="0"/>
-          </a:p>
-          <a:p>
-            <a:pPr marL="0" marR="0">
-              <a:lnSpc>
-                <a:spcPct val="107000"/>
-              </a:lnSpc>
-              <a:spcBef>
-                <a:spcPts val="0"/>
-              </a:spcBef>
-              <a:spcAft>
-                <a:spcPts val="800"/>
-              </a:spcAft>
-            </a:pPr>
-            <a:r>
-              <a:rPr lang="en-US" sz="1200" dirty="0">
-                <a:effectLst/>
-                <a:latin typeface="Calibri" panose="020F0502020204030204" pitchFamily="34" charset="0"/>
-                <a:ea typeface="Calibri" panose="020F0502020204030204" pitchFamily="34" charset="0"/>
-                <a:cs typeface="Segoe UI" panose="020B0502040204020203" pitchFamily="34" charset="0"/>
-              </a:rPr>
-              <a:t>Romans 1, Verses 16-17</a:t>
-            </a:r>
-            <a:endParaRPr lang="en-US" sz="1100" dirty="0">
-              <a:effectLst/>
-              <a:latin typeface="Calibri" panose="020F0502020204030204" pitchFamily="34" charset="0"/>
-              <a:ea typeface="Calibri" panose="020F0502020204030204" pitchFamily="34" charset="0"/>
-              <a:cs typeface="Times New Roman" panose="02020603050405020304" pitchFamily="18" charset="0"/>
-            </a:endParaRPr>
-          </a:p>
-          <a:p>
-            <a:pPr marL="342900" marR="0" lvl="0" indent="-342900">
-              <a:lnSpc>
-                <a:spcPct val="107000"/>
-              </a:lnSpc>
-              <a:spcBef>
-                <a:spcPts val="0"/>
-              </a:spcBef>
-              <a:spcAft>
-                <a:spcPts val="800"/>
-              </a:spcAft>
-              <a:buFont typeface="Arial" panose="020B0604020202020204" pitchFamily="34" charset="0"/>
-              <a:buChar char="•"/>
-              <a:tabLst>
-                <a:tab pos="457200" algn="l"/>
-              </a:tabLst>
-            </a:pPr>
-            <a:r>
-              <a:rPr lang="en-US" sz="1200" b="1" dirty="0">
-                <a:effectLst/>
-                <a:latin typeface="Calibri" panose="020F0502020204030204" pitchFamily="34" charset="0"/>
-                <a:ea typeface="Calibri" panose="020F0502020204030204" pitchFamily="34" charset="0"/>
-                <a:cs typeface="Segoe UI" panose="020B0502040204020203" pitchFamily="34" charset="0"/>
-              </a:rPr>
-              <a:t>Not ashamed of the Gospel</a:t>
-            </a:r>
-            <a:r>
-              <a:rPr lang="en-US" sz="1200" dirty="0">
-                <a:effectLst/>
-                <a:latin typeface="Calibri" panose="020F0502020204030204" pitchFamily="34" charset="0"/>
-                <a:ea typeface="Calibri" panose="020F0502020204030204" pitchFamily="34" charset="0"/>
-                <a:cs typeface="Segoe UI" panose="020B0502040204020203" pitchFamily="34" charset="0"/>
-              </a:rPr>
-              <a:t>; Paul will stand-up this Gospel against any Religion (e.g. Jewish, pagan), it will stand the test.  Paul will answer those Jewish critics who say “the righteousness of this Gospel doesn’t compare to the righteousness demanded by the Law”.   See Heb. 8:12-13, righteous).</a:t>
-            </a:r>
-            <a:endParaRPr lang="en-US" sz="1100" dirty="0">
-              <a:effectLst/>
-              <a:latin typeface="Calibri" panose="020F0502020204030204" pitchFamily="34" charset="0"/>
-              <a:ea typeface="Calibri" panose="020F0502020204030204" pitchFamily="34" charset="0"/>
-              <a:cs typeface="Times New Roman" panose="02020603050405020304" pitchFamily="18" charset="0"/>
-            </a:endParaRPr>
-          </a:p>
-          <a:p>
-            <a:pPr marL="342900" marR="0" lvl="0" indent="-342900">
-              <a:lnSpc>
-                <a:spcPct val="107000"/>
-              </a:lnSpc>
-              <a:spcBef>
-                <a:spcPts val="0"/>
-              </a:spcBef>
-              <a:spcAft>
-                <a:spcPts val="800"/>
-              </a:spcAft>
-              <a:buFont typeface="Arial" panose="020B0604020202020204" pitchFamily="34" charset="0"/>
-              <a:buChar char="•"/>
-              <a:tabLst>
-                <a:tab pos="457200" algn="l"/>
-              </a:tabLst>
-            </a:pPr>
-            <a:r>
-              <a:rPr lang="en-US" sz="1200" b="1" dirty="0">
-                <a:effectLst/>
-                <a:latin typeface="Calibri" panose="020F0502020204030204" pitchFamily="34" charset="0"/>
-                <a:ea typeface="Calibri" panose="020F0502020204030204" pitchFamily="34" charset="0"/>
-                <a:cs typeface="Segoe UI" panose="020B0502040204020203" pitchFamily="34" charset="0"/>
-              </a:rPr>
-              <a:t>Power of God </a:t>
-            </a:r>
-            <a:r>
-              <a:rPr lang="en-US" sz="1200" dirty="0">
-                <a:effectLst/>
-                <a:latin typeface="Calibri" panose="020F0502020204030204" pitchFamily="34" charset="0"/>
-                <a:ea typeface="Calibri" panose="020F0502020204030204" pitchFamily="34" charset="0"/>
-                <a:cs typeface="Segoe UI" panose="020B0502040204020203" pitchFamily="34" charset="0"/>
-              </a:rPr>
-              <a:t>for everyone who believes; Speaks to God’s strategy, or plan, of </a:t>
-            </a:r>
-            <a:r>
-              <a:rPr lang="en-US" sz="1200" b="1" dirty="0">
-                <a:effectLst/>
-                <a:latin typeface="Calibri" panose="020F0502020204030204" pitchFamily="34" charset="0"/>
-                <a:ea typeface="Calibri" panose="020F0502020204030204" pitchFamily="34" charset="0"/>
-                <a:cs typeface="Segoe UI" panose="020B0502040204020203" pitchFamily="34" charset="0"/>
-              </a:rPr>
-              <a:t>redemption for all of mankind</a:t>
-            </a:r>
-            <a:endParaRPr lang="en-US" sz="1100" dirty="0">
-              <a:effectLst/>
-              <a:latin typeface="Calibri" panose="020F0502020204030204" pitchFamily="34" charset="0"/>
-              <a:ea typeface="Calibri" panose="020F0502020204030204" pitchFamily="34" charset="0"/>
-              <a:cs typeface="Times New Roman" panose="02020603050405020304" pitchFamily="18" charset="0"/>
-            </a:endParaRPr>
-          </a:p>
-          <a:p>
-            <a:pPr marL="342900" marR="0" lvl="0" indent="-342900">
-              <a:lnSpc>
-                <a:spcPct val="107000"/>
-              </a:lnSpc>
-              <a:spcBef>
-                <a:spcPts val="0"/>
-              </a:spcBef>
-              <a:spcAft>
-                <a:spcPts val="800"/>
-              </a:spcAft>
-              <a:buFont typeface="Arial" panose="020B0604020202020204" pitchFamily="34" charset="0"/>
-              <a:buChar char="•"/>
-              <a:tabLst>
-                <a:tab pos="457200" algn="l"/>
-              </a:tabLst>
-            </a:pPr>
-            <a:r>
-              <a:rPr lang="en-US" sz="1200" dirty="0">
-                <a:effectLst/>
-                <a:latin typeface="Calibri" panose="020F0502020204030204" pitchFamily="34" charset="0"/>
-                <a:ea typeface="Calibri" panose="020F0502020204030204" pitchFamily="34" charset="0"/>
-                <a:cs typeface="Segoe UI" panose="020B0502040204020203" pitchFamily="34" charset="0"/>
-              </a:rPr>
-              <a:t>It reveals the </a:t>
-            </a:r>
-            <a:r>
-              <a:rPr lang="en-US" sz="1200" b="1" dirty="0">
-                <a:effectLst/>
-                <a:latin typeface="Calibri" panose="020F0502020204030204" pitchFamily="34" charset="0"/>
-                <a:ea typeface="Calibri" panose="020F0502020204030204" pitchFamily="34" charset="0"/>
-                <a:cs typeface="Segoe UI" panose="020B0502040204020203" pitchFamily="34" charset="0"/>
-              </a:rPr>
-              <a:t>righteousness of God</a:t>
-            </a:r>
-            <a:r>
-              <a:rPr lang="en-US" sz="1200" dirty="0">
-                <a:effectLst/>
-                <a:latin typeface="Calibri" panose="020F0502020204030204" pitchFamily="34" charset="0"/>
-                <a:ea typeface="Calibri" panose="020F0502020204030204" pitchFamily="34" charset="0"/>
-                <a:cs typeface="Segoe UI" panose="020B0502040204020203" pitchFamily="34" charset="0"/>
-              </a:rPr>
-              <a:t>; see </a:t>
-            </a:r>
-            <a:r>
-              <a:rPr lang="en-US" sz="1200" b="1" dirty="0">
-                <a:effectLst/>
-                <a:latin typeface="Calibri" panose="020F0502020204030204" pitchFamily="34" charset="0"/>
-                <a:ea typeface="Calibri" panose="020F0502020204030204" pitchFamily="34" charset="0"/>
-                <a:cs typeface="Segoe UI" panose="020B0502040204020203" pitchFamily="34" charset="0"/>
-              </a:rPr>
-              <a:t>1 Cor. 2:7-10</a:t>
-            </a:r>
-            <a:endParaRPr lang="en-US" sz="1100" dirty="0">
-              <a:effectLst/>
-              <a:latin typeface="Calibri" panose="020F0502020204030204" pitchFamily="34" charset="0"/>
-              <a:ea typeface="Calibri" panose="020F0502020204030204" pitchFamily="34" charset="0"/>
-              <a:cs typeface="Times New Roman" panose="02020603050405020304" pitchFamily="18" charset="0"/>
-            </a:endParaRPr>
-          </a:p>
-          <a:p>
-            <a:pPr marL="342900" marR="0" lvl="0" indent="-342900">
-              <a:lnSpc>
-                <a:spcPct val="107000"/>
-              </a:lnSpc>
-              <a:spcBef>
-                <a:spcPts val="0"/>
-              </a:spcBef>
-              <a:spcAft>
-                <a:spcPts val="800"/>
-              </a:spcAft>
-              <a:buFont typeface="Arial" panose="020B0604020202020204" pitchFamily="34" charset="0"/>
-              <a:buChar char="•"/>
-              <a:tabLst>
-                <a:tab pos="457200" algn="l"/>
-              </a:tabLst>
-            </a:pPr>
-            <a:r>
-              <a:rPr lang="en-US" sz="1200" dirty="0">
-                <a:effectLst/>
-                <a:latin typeface="Calibri" panose="020F0502020204030204" pitchFamily="34" charset="0"/>
-                <a:ea typeface="Calibri" panose="020F0502020204030204" pitchFamily="34" charset="0"/>
-                <a:cs typeface="Segoe UI" panose="020B0502040204020203" pitchFamily="34" charset="0"/>
-              </a:rPr>
-              <a:t>What is meant by “</a:t>
-            </a:r>
-            <a:r>
-              <a:rPr lang="en-US" sz="1200" b="1" dirty="0">
-                <a:effectLst/>
-                <a:latin typeface="Calibri" panose="020F0502020204030204" pitchFamily="34" charset="0"/>
-                <a:ea typeface="Calibri" panose="020F0502020204030204" pitchFamily="34" charset="0"/>
-                <a:cs typeface="Segoe UI" panose="020B0502040204020203" pitchFamily="34" charset="0"/>
-              </a:rPr>
-              <a:t>From Faith to Faith</a:t>
-            </a:r>
-            <a:r>
-              <a:rPr lang="en-US" sz="1200" dirty="0">
-                <a:effectLst/>
-                <a:latin typeface="Calibri" panose="020F0502020204030204" pitchFamily="34" charset="0"/>
-                <a:ea typeface="Calibri" panose="020F0502020204030204" pitchFamily="34" charset="0"/>
-                <a:cs typeface="Segoe UI" panose="020B0502040204020203" pitchFamily="34" charset="0"/>
-              </a:rPr>
-              <a:t>…”? </a:t>
-            </a:r>
-            <a:endParaRPr lang="en-US" sz="1100" dirty="0">
-              <a:effectLst/>
-              <a:latin typeface="Calibri" panose="020F0502020204030204" pitchFamily="34" charset="0"/>
-              <a:ea typeface="Calibri" panose="020F0502020204030204" pitchFamily="34" charset="0"/>
-              <a:cs typeface="Times New Roman" panose="02020603050405020304" pitchFamily="18" charset="0"/>
-            </a:endParaRPr>
-          </a:p>
-          <a:p>
-            <a:pPr marL="742950" marR="0" lvl="1" indent="-285750">
-              <a:lnSpc>
-                <a:spcPct val="107000"/>
-              </a:lnSpc>
-              <a:spcBef>
-                <a:spcPts val="0"/>
-              </a:spcBef>
-              <a:spcAft>
-                <a:spcPts val="800"/>
-              </a:spcAft>
-              <a:buFont typeface="Arial" panose="020B0604020202020204" pitchFamily="34" charset="0"/>
-              <a:buChar char="•"/>
-              <a:tabLst>
-                <a:tab pos="914400" algn="l"/>
-              </a:tabLst>
-            </a:pPr>
-            <a:r>
-              <a:rPr lang="en-US" sz="1200" dirty="0">
-                <a:effectLst/>
-                <a:latin typeface="Calibri" panose="020F0502020204030204" pitchFamily="34" charset="0"/>
-                <a:ea typeface="Calibri" panose="020F0502020204030204" pitchFamily="34" charset="0"/>
-                <a:cs typeface="Segoe UI" panose="020B0502040204020203" pitchFamily="34" charset="0"/>
-              </a:rPr>
-              <a:t>The Faith of those from the previous Covenants to the Faith of those within the New Covenant.</a:t>
-            </a:r>
-            <a:endParaRPr lang="en-US" sz="1100" dirty="0">
-              <a:effectLst/>
-              <a:latin typeface="Calibri" panose="020F0502020204030204" pitchFamily="34" charset="0"/>
-              <a:ea typeface="Calibri" panose="020F0502020204030204" pitchFamily="34" charset="0"/>
-              <a:cs typeface="Times New Roman" panose="02020603050405020304" pitchFamily="18" charset="0"/>
-            </a:endParaRPr>
-          </a:p>
-          <a:p>
-            <a:pPr marL="742950" marR="0" lvl="1" indent="-285750">
-              <a:lnSpc>
-                <a:spcPct val="107000"/>
-              </a:lnSpc>
-              <a:spcBef>
-                <a:spcPts val="0"/>
-              </a:spcBef>
-              <a:spcAft>
-                <a:spcPts val="800"/>
-              </a:spcAft>
-              <a:buFont typeface="Arial" panose="020B0604020202020204" pitchFamily="34" charset="0"/>
-              <a:buChar char="•"/>
-              <a:tabLst>
-                <a:tab pos="914400" algn="l"/>
-              </a:tabLst>
-            </a:pPr>
-            <a:r>
-              <a:rPr lang="en-US" sz="1200" dirty="0">
-                <a:effectLst/>
-                <a:latin typeface="Calibri" panose="020F0502020204030204" pitchFamily="34" charset="0"/>
-                <a:ea typeface="Calibri" panose="020F0502020204030204" pitchFamily="34" charset="0"/>
-                <a:cs typeface="Segoe UI" panose="020B0502040204020203" pitchFamily="34" charset="0"/>
-              </a:rPr>
-              <a:t>From a Faith that appropriated righteousness (i.e. to those that did what was right) to a Faith that receives the Gift of righteousness (i.e. to those that are declared </a:t>
-            </a:r>
-            <a:endParaRPr lang="en-US" sz="1100" dirty="0">
-              <a:effectLst/>
-              <a:latin typeface="Calibri" panose="020F0502020204030204" pitchFamily="34" charset="0"/>
-              <a:ea typeface="Calibri" panose="020F0502020204030204" pitchFamily="34" charset="0"/>
-              <a:cs typeface="Times New Roman" panose="02020603050405020304" pitchFamily="18" charset="0"/>
-            </a:endParaRPr>
-          </a:p>
-          <a:p>
-            <a:pPr marL="742950" marR="0" lvl="1" indent="-285750">
-              <a:lnSpc>
-                <a:spcPct val="107000"/>
-              </a:lnSpc>
-              <a:spcBef>
-                <a:spcPts val="0"/>
-              </a:spcBef>
-              <a:spcAft>
-                <a:spcPts val="800"/>
-              </a:spcAft>
-              <a:buFont typeface="Arial" panose="020B0604020202020204" pitchFamily="34" charset="0"/>
-              <a:buChar char="•"/>
-              <a:tabLst>
-                <a:tab pos="914400" algn="l"/>
-              </a:tabLst>
-            </a:pPr>
-            <a:r>
-              <a:rPr lang="en-US" sz="1200" dirty="0">
-                <a:effectLst/>
-                <a:latin typeface="Calibri" panose="020F0502020204030204" pitchFamily="34" charset="0"/>
-                <a:ea typeface="Calibri" panose="020F0502020204030204" pitchFamily="34" charset="0"/>
-                <a:cs typeface="Segoe UI" panose="020B0502040204020203" pitchFamily="34" charset="0"/>
-              </a:rPr>
-              <a:t>From a Faith that made people walk like Saints to a Faith that calls them Saints before they’ve even walked like one.</a:t>
-            </a:r>
-            <a:endParaRPr lang="en-US" sz="1100" dirty="0">
-              <a:effectLst/>
-              <a:latin typeface="Calibri" panose="020F0502020204030204" pitchFamily="34" charset="0"/>
-              <a:ea typeface="Calibri" panose="020F0502020204030204" pitchFamily="34" charset="0"/>
-              <a:cs typeface="Times New Roman" panose="02020603050405020304" pitchFamily="18" charset="0"/>
-            </a:endParaRPr>
-          </a:p>
-          <a:p>
-            <a:pPr marL="742950" marR="0" lvl="1" indent="-285750">
-              <a:lnSpc>
-                <a:spcPct val="107000"/>
-              </a:lnSpc>
-              <a:spcBef>
-                <a:spcPts val="0"/>
-              </a:spcBef>
-              <a:spcAft>
-                <a:spcPts val="800"/>
-              </a:spcAft>
-              <a:buFont typeface="Arial" panose="020B0604020202020204" pitchFamily="34" charset="0"/>
-              <a:buChar char="•"/>
-              <a:tabLst>
-                <a:tab pos="914400" algn="l"/>
-              </a:tabLst>
-            </a:pPr>
-            <a:r>
-              <a:rPr lang="en-US" sz="1200" dirty="0">
-                <a:effectLst/>
-                <a:latin typeface="Calibri" panose="020F0502020204030204" pitchFamily="34" charset="0"/>
-                <a:ea typeface="Calibri" panose="020F0502020204030204" pitchFamily="34" charset="0"/>
-                <a:cs typeface="Segoe UI" panose="020B0502040204020203" pitchFamily="34" charset="0"/>
-              </a:rPr>
-              <a:t>Others?</a:t>
-            </a:r>
-            <a:endParaRPr lang="en-US" sz="1100" dirty="0">
-              <a:effectLst/>
-              <a:latin typeface="Calibri" panose="020F0502020204030204" pitchFamily="34" charset="0"/>
-              <a:ea typeface="Calibri" panose="020F0502020204030204" pitchFamily="34" charset="0"/>
-              <a:cs typeface="Times New Roman" panose="02020603050405020304" pitchFamily="18" charset="0"/>
-            </a:endParaRPr>
-          </a:p>
-          <a:p>
-            <a:pPr marL="342900" marR="0" lvl="0" indent="-342900">
-              <a:lnSpc>
-                <a:spcPct val="107000"/>
-              </a:lnSpc>
-              <a:spcBef>
-                <a:spcPts val="0"/>
-              </a:spcBef>
-              <a:spcAft>
-                <a:spcPts val="800"/>
-              </a:spcAft>
-              <a:buFont typeface="Arial" panose="020B0604020202020204" pitchFamily="34" charset="0"/>
-              <a:buChar char="•"/>
-              <a:tabLst>
-                <a:tab pos="457200" algn="l"/>
-              </a:tabLst>
-            </a:pPr>
-            <a:r>
-              <a:rPr lang="en-US" sz="1200" dirty="0">
-                <a:effectLst/>
-                <a:latin typeface="Calibri" panose="020F0502020204030204" pitchFamily="34" charset="0"/>
-                <a:ea typeface="Calibri" panose="020F0502020204030204" pitchFamily="34" charset="0"/>
-                <a:cs typeface="Segoe UI" panose="020B0502040204020203" pitchFamily="34" charset="0"/>
-              </a:rPr>
-              <a:t>There is a righteousness preached in the Old Law, but the righteousness preached via the Gospel is greater.</a:t>
-            </a:r>
-            <a:endParaRPr lang="en-US" sz="1100" dirty="0">
-              <a:effectLst/>
-              <a:latin typeface="Calibri" panose="020F0502020204030204" pitchFamily="34" charset="0"/>
-              <a:ea typeface="Calibri" panose="020F0502020204030204" pitchFamily="34" charset="0"/>
-              <a:cs typeface="Times New Roman" panose="02020603050405020304" pitchFamily="18" charset="0"/>
-            </a:endParaRPr>
-          </a:p>
-          <a:p>
-            <a:pPr marL="0" marR="0">
-              <a:lnSpc>
-                <a:spcPct val="107000"/>
-              </a:lnSpc>
-              <a:spcBef>
-                <a:spcPts val="0"/>
-              </a:spcBef>
-              <a:spcAft>
-                <a:spcPts val="800"/>
-              </a:spcAft>
-            </a:pPr>
-            <a:r>
-              <a:rPr lang="en-US" sz="1200" dirty="0">
-                <a:effectLst/>
-                <a:latin typeface="Calibri" panose="020F0502020204030204" pitchFamily="34" charset="0"/>
-                <a:ea typeface="Calibri" panose="020F0502020204030204" pitchFamily="34" charset="0"/>
-                <a:cs typeface="Segoe UI" panose="020B0502040204020203" pitchFamily="34" charset="0"/>
-              </a:rPr>
-              <a:t>In Paul’s day, the Judaizers sought to diminish the Gospel by claiming the Gospel to be less righteous than the Law.   In a similar way today, the post-modern culture seeks to diminish the Gospel by relegating it to the realm of non-rational, unscientific, personal preference.  </a:t>
-            </a:r>
-            <a:r>
-              <a:rPr lang="en-US" sz="1200" b="1" dirty="0">
-                <a:effectLst/>
-                <a:latin typeface="Calibri" panose="020F0502020204030204" pitchFamily="34" charset="0"/>
-                <a:ea typeface="Calibri" panose="020F0502020204030204" pitchFamily="34" charset="0"/>
-                <a:cs typeface="Segoe UI" panose="020B0502040204020203" pitchFamily="34" charset="0"/>
-              </a:rPr>
-              <a:t>Discuss the modern dilemma of the sacred versus secular dichotomy.</a:t>
-            </a:r>
-            <a:endParaRPr lang="en-US" sz="1100" dirty="0">
-              <a:effectLst/>
-              <a:latin typeface="Calibri" panose="020F0502020204030204" pitchFamily="34" charset="0"/>
-              <a:ea typeface="Calibri" panose="020F0502020204030204" pitchFamily="34" charset="0"/>
-              <a:cs typeface="Times New Roman" panose="02020603050405020304" pitchFamily="18" charset="0"/>
-            </a:endParaRPr>
-          </a:p>
-          <a:p>
-            <a:pPr marL="0" marR="0">
-              <a:lnSpc>
-                <a:spcPct val="107000"/>
-              </a:lnSpc>
-              <a:spcBef>
-                <a:spcPts val="0"/>
-              </a:spcBef>
-              <a:spcAft>
-                <a:spcPts val="800"/>
-              </a:spcAft>
-            </a:pPr>
-            <a:r>
-              <a:rPr lang="en-US" sz="1200" dirty="0">
-                <a:effectLst/>
-                <a:latin typeface="Calibri" panose="020F0502020204030204" pitchFamily="34" charset="0"/>
-                <a:ea typeface="Calibri" panose="020F0502020204030204" pitchFamily="34" charset="0"/>
-                <a:cs typeface="Segoe UI" panose="020B0502040204020203" pitchFamily="34" charset="0"/>
-              </a:rPr>
-              <a:t>Why is the sacred/secular dichotomy so pervasive?   What is needed?    </a:t>
-            </a:r>
-            <a:r>
-              <a:rPr lang="en-US" sz="1200" b="1" dirty="0">
-                <a:effectLst/>
-                <a:latin typeface="Calibri" panose="020F0502020204030204" pitchFamily="34" charset="0"/>
-                <a:ea typeface="Calibri" panose="020F0502020204030204" pitchFamily="34" charset="0"/>
-                <a:cs typeface="Segoe UI" panose="020B0502040204020203" pitchFamily="34" charset="0"/>
-              </a:rPr>
-              <a:t>Luke 10:42</a:t>
-            </a:r>
-            <a:endParaRPr lang="en-US" sz="1100" dirty="0">
-              <a:effectLst/>
-              <a:latin typeface="Calibri" panose="020F0502020204030204" pitchFamily="34" charset="0"/>
-              <a:ea typeface="Calibri" panose="020F0502020204030204" pitchFamily="34" charset="0"/>
-              <a:cs typeface="Times New Roman" panose="02020603050405020304" pitchFamily="18" charset="0"/>
-            </a:endParaRPr>
-          </a:p>
-          <a:p>
-            <a:endParaRPr lang="en-US" dirty="0"/>
-          </a:p>
-        </p:txBody>
-      </p:sp>
-      <p:sp>
-        <p:nvSpPr>
-          <p:cNvPr id="4" name="Slide Number Placeholder 3">
-            <a:extLst>
-              <a:ext uri="{FF2B5EF4-FFF2-40B4-BE49-F238E27FC236}">
-                <a16:creationId xmlns:a16="http://schemas.microsoft.com/office/drawing/2014/main" id="{B15E149D-C9E7-F1A0-8113-C1A978C42E5A}"/>
-              </a:ext>
-            </a:extLst>
-          </p:cNvPr>
-          <p:cNvSpPr>
-            <a:spLocks noGrp="1"/>
-          </p:cNvSpPr>
-          <p:nvPr>
-            <p:ph type="sldNum" sz="quarter" idx="10"/>
-          </p:nvPr>
-        </p:nvSpPr>
-        <p:spPr/>
-        <p:txBody>
-          <a:bodyPr/>
-          <a:lstStyle/>
-          <a:p>
-            <a:pPr>
-              <a:defRPr/>
-            </a:pPr>
-            <a:fld id="{07776858-791E-4C8D-8FA3-473B3AFECFAC}" type="slidenum">
-              <a:rPr lang="en-US" smtClean="0"/>
-              <a:pPr>
-                <a:defRPr/>
-              </a:pPr>
-              <a:t>3</a:t>
-            </a:fld>
-            <a:endParaRPr lang="en-US"/>
-          </a:p>
-        </p:txBody>
-      </p:sp>
-    </p:spTree>
-    <p:extLst>
-      <p:ext uri="{BB962C8B-B14F-4D97-AF65-F5344CB8AC3E}">
-        <p14:creationId xmlns:p14="http://schemas.microsoft.com/office/powerpoint/2010/main" val="716756766"/>
-      </p:ext>
-    </p:extLst>
-  </p:cSld>
-  <p:clrMapOvr>
-    <a:masterClrMapping/>
-  </p:clrMapOvr>
-</p:notes>
-</file>
-
-<file path=ppt/notesSlides/notesSlide4.xml><?xml version="1.0" encoding="utf-8"?>
-<p:notes xmlns:a="http://schemas.openxmlformats.org/drawingml/2006/main" xmlns:r="http://schemas.openxmlformats.org/officeDocument/2006/relationships" xmlns:p="http://schemas.openxmlformats.org/presentationml/2006/main">
-  <p:cSld>
-    <p:spTree>
-      <p:nvGrpSpPr>
         <p:cNvPr id="1" name=""/>
         <p:cNvGrpSpPr/>
         <p:nvPr/>
@@ -14583,7 +13725,7 @@
               <a:pPr>
                 <a:defRPr/>
               </a:pPr>
-              <a:t>4</a:t>
+              <a:t>3</a:t>
             </a:fld>
             <a:endParaRPr lang="en-US"/>
           </a:p>
@@ -14602,327 +13744,7 @@
 </p:notes>
 </file>
 
-<file path=ppt/notesSlides/notesSlide5.xml><?xml version="1.0" encoding="utf-8"?>
-<p:notes xmlns:a="http://schemas.openxmlformats.org/drawingml/2006/main" xmlns:r="http://schemas.openxmlformats.org/officeDocument/2006/relationships" xmlns:p="http://schemas.openxmlformats.org/presentationml/2006/main">
-  <p:cSld>
-    <p:spTree>
-      <p:nvGrpSpPr>
-        <p:cNvPr id="1" name="">
-          <a:extLst>
-            <a:ext uri="{FF2B5EF4-FFF2-40B4-BE49-F238E27FC236}">
-              <a16:creationId xmlns:a16="http://schemas.microsoft.com/office/drawing/2014/main" id="{3DD6311A-C4E2-DFD2-D258-D55B1267A1A6}"/>
-            </a:ext>
-          </a:extLst>
-        </p:cNvPr>
-        <p:cNvGrpSpPr/>
-        <p:nvPr/>
-      </p:nvGrpSpPr>
-      <p:grpSpPr>
-        <a:xfrm>
-          <a:off x="0" y="0"/>
-          <a:ext cx="0" cy="0"/>
-          <a:chOff x="0" y="0"/>
-          <a:chExt cx="0" cy="0"/>
-        </a:xfrm>
-      </p:grpSpPr>
-      <p:sp>
-        <p:nvSpPr>
-          <p:cNvPr id="2" name="Slide Image Placeholder 1">
-            <a:extLst>
-              <a:ext uri="{FF2B5EF4-FFF2-40B4-BE49-F238E27FC236}">
-                <a16:creationId xmlns:a16="http://schemas.microsoft.com/office/drawing/2014/main" id="{189213BC-A3D1-1CB8-7F41-A37FF3362B3F}"/>
-              </a:ext>
-            </a:extLst>
-          </p:cNvPr>
-          <p:cNvSpPr>
-            <a:spLocks noGrp="1" noRot="1" noChangeAspect="1"/>
-          </p:cNvSpPr>
-          <p:nvPr>
-            <p:ph type="sldImg"/>
-          </p:nvPr>
-        </p:nvSpPr>
-        <p:spPr/>
-      </p:sp>
-      <p:sp>
-        <p:nvSpPr>
-          <p:cNvPr id="3" name="Notes Placeholder 2">
-            <a:extLst>
-              <a:ext uri="{FF2B5EF4-FFF2-40B4-BE49-F238E27FC236}">
-                <a16:creationId xmlns:a16="http://schemas.microsoft.com/office/drawing/2014/main" id="{D5DEABDD-913F-D23A-5ED1-A122BD1DFF1C}"/>
-              </a:ext>
-            </a:extLst>
-          </p:cNvPr>
-          <p:cNvSpPr>
-            <a:spLocks noGrp="1"/>
-          </p:cNvSpPr>
-          <p:nvPr>
-            <p:ph type="body" idx="1"/>
-          </p:nvPr>
-        </p:nvSpPr>
-        <p:spPr/>
-        <p:txBody>
-          <a:bodyPr>
-            <a:normAutofit fontScale="85000" lnSpcReduction="20000"/>
-          </a:bodyPr>
-          <a:lstStyle/>
-          <a:p>
-            <a:endParaRPr lang="en-US" dirty="0"/>
-          </a:p>
-          <a:p>
-            <a:pPr marL="228600" lvl="0" indent="-228600">
-              <a:buAutoNum type="arabicPeriod"/>
-            </a:pPr>
-            <a:r>
-              <a:rPr lang="en-US" b="1" dirty="0"/>
-              <a:t>Acts 4:27-28 – Peter applies 1-3 to the crucifixion</a:t>
-            </a:r>
-          </a:p>
-          <a:p>
-            <a:pPr marL="685800" lvl="1" indent="-228600">
-              <a:buAutoNum type="arabicPeriod"/>
-            </a:pPr>
-            <a:r>
-              <a:rPr lang="en-US" dirty="0"/>
-              <a:t>Coalition of Power against God and His Christ</a:t>
-            </a:r>
-          </a:p>
-          <a:p>
-            <a:pPr marL="1143000" lvl="2" indent="-228600">
-              <a:buAutoNum type="arabicPeriod"/>
-            </a:pPr>
-            <a:r>
-              <a:rPr lang="en-US" dirty="0"/>
-              <a:t>United Nations</a:t>
-            </a:r>
-          </a:p>
-          <a:p>
-            <a:pPr marL="1143000" lvl="2" indent="-228600">
-              <a:buAutoNum type="arabicPeriod"/>
-            </a:pPr>
-            <a:r>
-              <a:rPr lang="en-US" dirty="0"/>
-              <a:t>The People, the nation of Israel</a:t>
-            </a:r>
-          </a:p>
-          <a:p>
-            <a:pPr marL="1143000" lvl="2" indent="-228600">
-              <a:buAutoNum type="arabicPeriod"/>
-            </a:pPr>
-            <a:r>
-              <a:rPr lang="en-US" dirty="0"/>
-              <a:t>Organized government represented by Herod</a:t>
-            </a:r>
-          </a:p>
-          <a:p>
-            <a:pPr marL="1143000" lvl="2" indent="-228600">
-              <a:buAutoNum type="arabicPeriod"/>
-            </a:pPr>
-            <a:r>
-              <a:rPr lang="en-US" dirty="0"/>
-              <a:t>Judicial power represented by Pontius Pilate</a:t>
-            </a:r>
-          </a:p>
-          <a:p>
-            <a:pPr marL="685800" lvl="1" indent="-228600">
-              <a:buAutoNum type="arabicPeriod"/>
-            </a:pPr>
-            <a:r>
-              <a:rPr lang="en-US" dirty="0"/>
-              <a:t>They imagine a ‘vain thing’.</a:t>
-            </a:r>
-          </a:p>
-          <a:p>
-            <a:pPr marL="1143000" lvl="2" indent="-228600">
-              <a:buAutoNum type="arabicPeriod"/>
-            </a:pPr>
-            <a:r>
-              <a:rPr lang="en-US" dirty="0"/>
-              <a:t>That they can overthrow God</a:t>
-            </a:r>
-          </a:p>
-          <a:p>
-            <a:pPr marL="1143000" lvl="2" indent="-228600">
-              <a:buAutoNum type="arabicPeriod"/>
-            </a:pPr>
-            <a:r>
-              <a:rPr lang="en-US" dirty="0"/>
-              <a:t>“Take counsel”, “set themselves” -&gt; deliberate adoption of a policy, resolution</a:t>
-            </a:r>
-          </a:p>
-          <a:p>
-            <a:pPr marL="1143000" lvl="2" indent="-228600">
-              <a:buAutoNum type="arabicPeriod"/>
-            </a:pPr>
-            <a:r>
-              <a:rPr lang="en-US" dirty="0"/>
-              <a:t>“God is Dead” is their slogan</a:t>
-            </a:r>
-          </a:p>
-          <a:p>
-            <a:pPr marL="228600" lvl="0" indent="-228600">
-              <a:buAutoNum type="arabicPeriod"/>
-            </a:pPr>
-            <a:r>
-              <a:rPr lang="en-US" dirty="0"/>
-              <a:t>Acts 13:16-52</a:t>
-            </a:r>
-          </a:p>
-          <a:p>
-            <a:pPr marL="685800" lvl="1" indent="-228600">
-              <a:buAutoNum type="arabicPeriod"/>
-            </a:pPr>
-            <a:r>
-              <a:rPr lang="en-US" dirty="0"/>
-              <a:t>Paul at Antioch, before the Gentiles</a:t>
-            </a:r>
-          </a:p>
-          <a:p>
-            <a:pPr marL="228600" lvl="0" indent="-228600">
-              <a:buAutoNum type="arabicPeriod"/>
-            </a:pPr>
-            <a:r>
-              <a:rPr lang="en-US" b="1" dirty="0"/>
-              <a:t>Psalm 2:7 – You are My Son, Today I have begotten You</a:t>
-            </a:r>
-          </a:p>
-          <a:p>
-            <a:pPr marL="685800" lvl="1" indent="-228600">
-              <a:buAutoNum type="arabicPeriod"/>
-            </a:pPr>
-            <a:r>
-              <a:rPr lang="en-US" dirty="0"/>
-              <a:t>Birth (Luke 1:35), Baptism (Luke 3:22), Transfiguration (Luke 9:35) </a:t>
-            </a:r>
-          </a:p>
-          <a:p>
-            <a:pPr marL="685800" lvl="1" indent="-228600">
-              <a:buAutoNum type="arabicPeriod"/>
-            </a:pPr>
-            <a:r>
-              <a:rPr lang="en-US" dirty="0"/>
-              <a:t>Acts 13:32-34 – Linked with His incarnation and His resurrection</a:t>
-            </a:r>
-          </a:p>
-          <a:p>
-            <a:pPr marL="685800" lvl="1" indent="-228600">
-              <a:buAutoNum type="arabicPeriod"/>
-            </a:pPr>
-            <a:r>
-              <a:rPr lang="en-US" dirty="0"/>
-              <a:t>Hebrews 5:5 – In connection with His exaltation as our High Priest</a:t>
-            </a:r>
-          </a:p>
-          <a:p>
-            <a:pPr marL="228600" lvl="0" indent="-228600">
-              <a:buAutoNum type="arabicPeriod"/>
-            </a:pPr>
-            <a:r>
-              <a:rPr lang="en-US" b="1" dirty="0"/>
-              <a:t>Heir – Your inheritance</a:t>
-            </a:r>
-          </a:p>
-          <a:p>
-            <a:pPr marL="685800" lvl="1" indent="-228600">
-              <a:buAutoNum type="arabicPeriod"/>
-            </a:pPr>
-            <a:r>
-              <a:rPr lang="en-US" dirty="0"/>
-              <a:t>The shepherd’s rod representing authority</a:t>
-            </a:r>
-          </a:p>
-          <a:p>
-            <a:pPr marL="685800" lvl="1" indent="-228600">
-              <a:buAutoNum type="arabicPeriod"/>
-            </a:pPr>
-            <a:r>
-              <a:rPr lang="en-US" dirty="0"/>
-              <a:t>But a rod of iron to use on the rebel nations (Rev 2:27; 12:5; 19:15; Ps 110:2)</a:t>
-            </a:r>
-          </a:p>
-          <a:p>
-            <a:pPr marL="228600" lvl="0" indent="-228600">
-              <a:buAutoNum type="arabicPeriod"/>
-            </a:pPr>
-            <a:r>
-              <a:rPr lang="en-US" b="1" dirty="0"/>
-              <a:t>Reconciliation – the Spirit’s call – “with trembling kiss His feet”</a:t>
-            </a:r>
-          </a:p>
-          <a:p>
-            <a:pPr marL="685800" lvl="1" indent="-228600">
-              <a:buAutoNum type="arabicPeriod"/>
-            </a:pPr>
-            <a:r>
-              <a:rPr lang="en-US" dirty="0"/>
-              <a:t>Kiss the Son – to the kings and judges – true wisdom is reconciliation while there is time and before judgement falls</a:t>
-            </a:r>
-          </a:p>
-          <a:p>
-            <a:pPr marL="685800" lvl="1" indent="-228600">
-              <a:buAutoNum type="arabicPeriod"/>
-            </a:pPr>
-            <a:r>
-              <a:rPr lang="en-US" dirty="0"/>
-              <a:t>Kiss – a token of repentance (Luke 7:38).  A token of forgiveness (Luke 15:11-24).  A token of homage and loyalty (Gen 41:40; 1 Sam 10:1)</a:t>
-            </a:r>
-          </a:p>
-          <a:p>
-            <a:pPr marL="1143000" lvl="2" indent="-228600">
-              <a:buAutoNum type="arabicPeriod"/>
-            </a:pPr>
-            <a:endParaRPr lang="en-US" dirty="0"/>
-          </a:p>
-        </p:txBody>
-      </p:sp>
-      <p:sp>
-        <p:nvSpPr>
-          <p:cNvPr id="4" name="Slide Number Placeholder 3">
-            <a:extLst>
-              <a:ext uri="{FF2B5EF4-FFF2-40B4-BE49-F238E27FC236}">
-                <a16:creationId xmlns:a16="http://schemas.microsoft.com/office/drawing/2014/main" id="{AC0513BB-78E6-D557-200F-9F767FD9570E}"/>
-              </a:ext>
-            </a:extLst>
-          </p:cNvPr>
-          <p:cNvSpPr>
-            <a:spLocks noGrp="1"/>
-          </p:cNvSpPr>
-          <p:nvPr>
-            <p:ph type="sldNum" sz="quarter" idx="10"/>
-          </p:nvPr>
-        </p:nvSpPr>
-        <p:spPr/>
-        <p:txBody>
-          <a:bodyPr/>
-          <a:lstStyle/>
-          <a:p>
-            <a:pPr>
-              <a:defRPr/>
-            </a:pPr>
-            <a:fld id="{07776858-791E-4C8D-8FA3-473B3AFECFAC}" type="slidenum">
-              <a:rPr lang="en-US" smtClean="0"/>
-              <a:pPr>
-                <a:defRPr/>
-              </a:pPr>
-              <a:t>5</a:t>
-            </a:fld>
-            <a:endParaRPr lang="en-US"/>
-          </a:p>
-        </p:txBody>
-      </p:sp>
-    </p:spTree>
-    <p:extLst>
-      <p:ext uri="{BB962C8B-B14F-4D97-AF65-F5344CB8AC3E}">
-        <p14:creationId xmlns:p14="http://schemas.microsoft.com/office/powerpoint/2010/main" val="108423690"/>
-      </p:ext>
-    </p:extLst>
-  </p:cSld>
-  <p:clrMapOvr>
-    <a:masterClrMapping/>
-  </p:clrMapOvr>
-</p:notes>
-</file>
-
-<file path=ppt/notesSlides/notesSlide6.xml><?xml version="1.0" encoding="utf-8"?>
+<file path=ppt/notesSlides/notesSlide4.xml><?xml version="1.0" encoding="utf-8"?>
 <p:notes xmlns:a="http://schemas.openxmlformats.org/drawingml/2006/main" xmlns:r="http://schemas.openxmlformats.org/officeDocument/2006/relationships" xmlns:p="http://schemas.openxmlformats.org/presentationml/2006/main">
   <p:cSld>
     <p:spTree>
@@ -15022,7 +13844,7 @@
               <a:pPr>
                 <a:defRPr/>
               </a:pPr>
-              <a:t>6</a:t>
+              <a:t>4</a:t>
             </a:fld>
             <a:endParaRPr lang="en-US"/>
           </a:p>
@@ -15041,18 +13863,12 @@
 </p:notes>
 </file>
 
-<file path=ppt/notesSlides/notesSlide7.xml><?xml version="1.0" encoding="utf-8"?>
+<file path=ppt/notesSlides/notesSlide5.xml><?xml version="1.0" encoding="utf-8"?>
 <p:notes xmlns:a="http://schemas.openxmlformats.org/drawingml/2006/main" xmlns:r="http://schemas.openxmlformats.org/officeDocument/2006/relationships" xmlns:p="http://schemas.openxmlformats.org/presentationml/2006/main">
   <p:cSld>
     <p:spTree>
       <p:nvGrpSpPr>
-        <p:cNvPr id="1" name="">
-          <a:extLst>
-            <a:ext uri="{FF2B5EF4-FFF2-40B4-BE49-F238E27FC236}">
-              <a16:creationId xmlns:a16="http://schemas.microsoft.com/office/drawing/2014/main" id="{0CCCD684-BB0B-705B-129C-2019BD435AFF}"/>
-            </a:ext>
-          </a:extLst>
-        </p:cNvPr>
+        <p:cNvPr id="1" name=""/>
         <p:cNvGrpSpPr/>
         <p:nvPr/>
       </p:nvGrpSpPr>
@@ -15066,13 +13882,7 @@
       </p:grpSpPr>
       <p:sp>
         <p:nvSpPr>
-          <p:cNvPr id="2" name="Slide Image Placeholder 1">
-            <a:extLst>
-              <a:ext uri="{FF2B5EF4-FFF2-40B4-BE49-F238E27FC236}">
-                <a16:creationId xmlns:a16="http://schemas.microsoft.com/office/drawing/2014/main" id="{9491AE28-5DA5-DA69-4813-F243A4E22C69}"/>
-              </a:ext>
-            </a:extLst>
-          </p:cNvPr>
+          <p:cNvPr id="2" name="Slide Image Placeholder 1"/>
           <p:cNvSpPr>
             <a:spLocks noGrp="1" noRot="1" noChangeAspect="1"/>
           </p:cNvSpPr>
@@ -15084,13 +13894,7 @@
       </p:sp>
       <p:sp>
         <p:nvSpPr>
-          <p:cNvPr id="3" name="Notes Placeholder 2">
-            <a:extLst>
-              <a:ext uri="{FF2B5EF4-FFF2-40B4-BE49-F238E27FC236}">
-                <a16:creationId xmlns:a16="http://schemas.microsoft.com/office/drawing/2014/main" id="{5D5B0CFF-1D5D-60B1-0058-A255B325AED3}"/>
-              </a:ext>
-            </a:extLst>
-          </p:cNvPr>
+          <p:cNvPr id="3" name="Notes Placeholder 2"/>
           <p:cNvSpPr>
             <a:spLocks noGrp="1"/>
           </p:cNvSpPr>
@@ -15100,74 +13904,21 @@
         </p:nvSpPr>
         <p:spPr/>
         <p:txBody>
-          <a:bodyPr>
-            <a:normAutofit/>
-          </a:bodyPr>
+          <a:bodyPr/>
           <a:lstStyle/>
           <a:p>
-            <a:endParaRPr lang="en-US" dirty="0"/>
-          </a:p>
-          <a:p>
-            <a:r>
-              <a:rPr lang="en-US" dirty="0"/>
-              <a:t>God’s Problem and Man’s Need</a:t>
-            </a:r>
-          </a:p>
-          <a:p>
-            <a:pPr marL="228600" indent="-228600">
-              <a:buAutoNum type="arabicPeriod"/>
-            </a:pPr>
-            <a:r>
-              <a:rPr lang="en-US" dirty="0"/>
-              <a:t>Situation</a:t>
-            </a:r>
-          </a:p>
-          <a:p>
-            <a:pPr marL="228600" indent="-228600">
-              <a:buAutoNum type="arabicPeriod"/>
-            </a:pPr>
-            <a:r>
-              <a:rPr lang="en-US" dirty="0"/>
-              <a:t>Problems</a:t>
-            </a:r>
-          </a:p>
-          <a:p>
-            <a:pPr marL="228600" indent="-228600">
-              <a:buAutoNum type="arabicPeriod"/>
-            </a:pPr>
-            <a:r>
-              <a:rPr lang="en-US" dirty="0"/>
-              <a:t>Implications</a:t>
-            </a:r>
-          </a:p>
-          <a:p>
-            <a:pPr marL="228600" indent="-228600">
-              <a:buAutoNum type="arabicPeriod"/>
-            </a:pPr>
-            <a:r>
-              <a:rPr lang="en-US" dirty="0"/>
-              <a:t>Needs Analysis</a:t>
-            </a:r>
-          </a:p>
-          <a:p>
-            <a:endParaRPr lang="en-US" dirty="0"/>
+            <a:endParaRPr lang="en-US"/>
           </a:p>
         </p:txBody>
       </p:sp>
       <p:sp>
         <p:nvSpPr>
-          <p:cNvPr id="4" name="Slide Number Placeholder 3">
-            <a:extLst>
-              <a:ext uri="{FF2B5EF4-FFF2-40B4-BE49-F238E27FC236}">
-                <a16:creationId xmlns:a16="http://schemas.microsoft.com/office/drawing/2014/main" id="{82E0707B-4E14-D50F-2A32-12B1CE05ACD7}"/>
-              </a:ext>
-            </a:extLst>
-          </p:cNvPr>
+          <p:cNvPr id="4" name="Slide Number Placeholder 3"/>
           <p:cNvSpPr>
             <a:spLocks noGrp="1"/>
           </p:cNvSpPr>
           <p:nvPr>
-            <p:ph type="sldNum" sz="quarter" idx="10"/>
+            <p:ph type="sldNum" sz="quarter" idx="5"/>
           </p:nvPr>
         </p:nvSpPr>
         <p:spPr/>
@@ -15183,7 +13934,7 @@
               <a:pPr>
                 <a:defRPr/>
               </a:pPr>
-              <a:t>7</a:t>
+              <a:t>5</a:t>
             </a:fld>
             <a:endParaRPr lang="en-US"/>
           </a:p>
@@ -15192,7 +13943,7 @@
     </p:spTree>
     <p:extLst>
       <p:ext uri="{BB962C8B-B14F-4D97-AF65-F5344CB8AC3E}">
-        <p14:creationId xmlns:p14="http://schemas.microsoft.com/office/powerpoint/2010/main" val="2338719695"/>
+        <p14:creationId xmlns:p14="http://schemas.microsoft.com/office/powerpoint/2010/main" val="1207674147"/>
       </p:ext>
     </p:extLst>
   </p:cSld>
@@ -15202,7 +13953,300 @@
 </p:notes>
 </file>
 
-<file path=ppt/notesSlides/notesSlide8.xml><?xml version="1.0" encoding="utf-8"?>
+<file path=ppt/notesSlides/notesSlide6.xml><?xml version="1.0" encoding="utf-8"?>
+<p:notes xmlns:a="http://schemas.openxmlformats.org/drawingml/2006/main" xmlns:r="http://schemas.openxmlformats.org/officeDocument/2006/relationships" xmlns:p="http://schemas.openxmlformats.org/presentationml/2006/main">
+  <p:cSld>
+    <p:spTree>
+      <p:nvGrpSpPr>
+        <p:cNvPr id="1" name=""/>
+        <p:cNvGrpSpPr/>
+        <p:nvPr/>
+      </p:nvGrpSpPr>
+      <p:grpSpPr>
+        <a:xfrm>
+          <a:off x="0" y="0"/>
+          <a:ext cx="0" cy="0"/>
+          <a:chOff x="0" y="0"/>
+          <a:chExt cx="0" cy="0"/>
+        </a:xfrm>
+      </p:grpSpPr>
+      <p:sp>
+        <p:nvSpPr>
+          <p:cNvPr id="2" name="Slide Image Placeholder 1"/>
+          <p:cNvSpPr>
+            <a:spLocks noGrp="1" noRot="1" noChangeAspect="1"/>
+          </p:cNvSpPr>
+          <p:nvPr>
+            <p:ph type="sldImg"/>
+          </p:nvPr>
+        </p:nvSpPr>
+        <p:spPr/>
+      </p:sp>
+      <p:sp>
+        <p:nvSpPr>
+          <p:cNvPr id="3" name="Notes Placeholder 2"/>
+          <p:cNvSpPr>
+            <a:spLocks noGrp="1"/>
+          </p:cNvSpPr>
+          <p:nvPr>
+            <p:ph type="body" idx="1"/>
+          </p:nvPr>
+        </p:nvSpPr>
+        <p:spPr/>
+        <p:txBody>
+          <a:bodyPr>
+            <a:normAutofit fontScale="40000" lnSpcReduction="20000"/>
+          </a:bodyPr>
+          <a:lstStyle/>
+          <a:p>
+            <a:r>
+              <a:rPr lang="en-US" dirty="0"/>
+              <a:t>The book of Psalms addresses the challenges of living righteously in a world where unrighteousness often seems to prevail. Various psalms reflect on the apparent success of the wicked and the struggle of the righteous in such a society, offering insights on how to respond.</a:t>
+            </a:r>
+          </a:p>
+          <a:p>
+            <a:endParaRPr lang="en-US" dirty="0"/>
+          </a:p>
+          <a:p>
+            <a:r>
+              <a:rPr lang="en-US" dirty="0"/>
+              <a:t>### Psalms Addressing Society's Preference for Unrighteousness</a:t>
+            </a:r>
+          </a:p>
+          <a:p>
+            <a:endParaRPr lang="en-US" dirty="0"/>
+          </a:p>
+          <a:p>
+            <a:r>
+              <a:rPr lang="en-US" dirty="0"/>
+              <a:t>1. **Psalm 10:** This psalm expresses the frustration of seeing wicked people prosper and act as though God doesn’t notice their actions.</a:t>
+            </a:r>
+          </a:p>
+          <a:p>
+            <a:r>
+              <a:rPr lang="en-US" dirty="0"/>
+              <a:t>   &gt; "In his pride the wicked man does not seek him; in all his thoughts there is no room for God. His ways are always prosperous; your laws are rejected by him." (Psalm 10:4-5)</a:t>
+            </a:r>
+          </a:p>
+          <a:p>
+            <a:endParaRPr lang="en-US" dirty="0"/>
+          </a:p>
+          <a:p>
+            <a:r>
+              <a:rPr lang="en-US" dirty="0"/>
+              <a:t>2. **Psalm 12:** This psalm laments the deceit and corruption in society, where people prefer lies over truth and flatter with selfish motives.</a:t>
+            </a:r>
+          </a:p>
+          <a:p>
+            <a:r>
+              <a:rPr lang="en-US" dirty="0"/>
+              <a:t>   &gt; "Everyone lies to their neighbor; they flatter with their lips but harbor deception in their hearts." (Psalm 12:2)</a:t>
+            </a:r>
+          </a:p>
+          <a:p>
+            <a:endParaRPr lang="en-US" dirty="0"/>
+          </a:p>
+          <a:p>
+            <a:r>
+              <a:rPr lang="en-US" dirty="0"/>
+              <a:t>3. **Psalm 14:** Here, David speaks about humanity’s tendency toward corruption and their preference for evil over good, concluding that no one is truly righteous.</a:t>
+            </a:r>
+          </a:p>
+          <a:p>
+            <a:r>
+              <a:rPr lang="en-US" dirty="0"/>
+              <a:t>   &gt; "The LORD looks down from heaven on all mankind to see if there are any who understand, any who seek God. All have turned away, all have become corrupt; there is no one who does good, not even one." (Psalm 14:2-3)</a:t>
+            </a:r>
+          </a:p>
+          <a:p>
+            <a:endParaRPr lang="en-US" dirty="0"/>
+          </a:p>
+          <a:p>
+            <a:r>
+              <a:rPr lang="en-US" dirty="0"/>
+              <a:t>4. **Psalm 36:** This psalm contrasts the wicked, who "have no fear of God," with God's steadfast love. It depicts the unrighteous as self-deceived and full of iniquity.</a:t>
+            </a:r>
+          </a:p>
+          <a:p>
+            <a:r>
+              <a:rPr lang="en-US" dirty="0"/>
+              <a:t>   &gt; "In their own eyes they flatter themselves too much to detect or hate their sin. The words of their mouths are wicked and deceitful; they fail to act wisely or do good." (Psalm 36:2-3)</a:t>
+            </a:r>
+          </a:p>
+          <a:p>
+            <a:endParaRPr lang="en-US" dirty="0"/>
+          </a:p>
+          <a:p>
+            <a:r>
+              <a:rPr lang="en-US" dirty="0"/>
+              <a:t>5. **Psalm 73:** A powerful reflection by Asaph on the apparent prosperity of the wicked, this psalm explores the frustration of seeing the unrighteous thrive while the righteous suffer.</a:t>
+            </a:r>
+          </a:p>
+          <a:p>
+            <a:r>
+              <a:rPr lang="en-US" dirty="0"/>
+              <a:t>   &gt; "For I envied the arrogant when I saw the prosperity of the wicked. They have no struggles; their bodies are healthy and strong." (Psalm 73:3-4)</a:t>
+            </a:r>
+          </a:p>
+          <a:p>
+            <a:endParaRPr lang="en-US" dirty="0"/>
+          </a:p>
+          <a:p>
+            <a:r>
+              <a:rPr lang="en-US" dirty="0"/>
+              <a:t>### Psalms on How to Respond to the Preference for Unrighteousness</a:t>
+            </a:r>
+          </a:p>
+          <a:p>
+            <a:endParaRPr lang="en-US" dirty="0"/>
+          </a:p>
+          <a:p>
+            <a:r>
+              <a:rPr lang="en-US" dirty="0"/>
+              <a:t>1. **Psalm 37:** This psalm offers wisdom for responding to the success of the wicked by encouraging patience, trust in God, and commitment to righteousness.</a:t>
+            </a:r>
+          </a:p>
+          <a:p>
+            <a:r>
+              <a:rPr lang="en-US" dirty="0"/>
+              <a:t>   &gt; "Do not fret because of those who are evil or be envious of those who do wrong; for like the grass they will soon wither, like green plants they will soon die away. Trust in the LORD and do good; dwell in the land and enjoy safe pasture." (Psalm 37:1-3)</a:t>
+            </a:r>
+          </a:p>
+          <a:p>
+            <a:endParaRPr lang="en-US" dirty="0"/>
+          </a:p>
+          <a:p>
+            <a:r>
+              <a:rPr lang="en-US" dirty="0"/>
+              <a:t>2. **Psalm 1:** While Psalm 1 doesn’t directly mention societal wickedness, it provides a blueprint for living righteously in a sinful world by meditating on God’s law and avoiding the path of sinners.</a:t>
+            </a:r>
+          </a:p>
+          <a:p>
+            <a:r>
+              <a:rPr lang="en-US" dirty="0"/>
+              <a:t>   &gt; "Blessed is the one who does not walk in step with the wicked or stand in the way that sinners take or sit in the company of mockers, but whose delight is in the law of the LORD, and who meditates on his law day and night." (Psalm 1:1-2)</a:t>
+            </a:r>
+          </a:p>
+          <a:p>
+            <a:endParaRPr lang="en-US" dirty="0"/>
+          </a:p>
+          <a:p>
+            <a:r>
+              <a:rPr lang="en-US" dirty="0"/>
+              <a:t>3. **Psalm 34:** This psalm encourages turning away from evil and seeking peace, providing reassurance that God watches over the righteous and hears their cries.</a:t>
+            </a:r>
+          </a:p>
+          <a:p>
+            <a:r>
+              <a:rPr lang="en-US" dirty="0"/>
+              <a:t>   &gt; "Turn from evil and do good; seek peace and pursue it. The eyes of the LORD are on the righteous, and his ears are attentive to their cry." (Psalm 34:14-15)</a:t>
+            </a:r>
+          </a:p>
+          <a:p>
+            <a:endParaRPr lang="en-US" dirty="0"/>
+          </a:p>
+          <a:p>
+            <a:r>
+              <a:rPr lang="en-US" dirty="0"/>
+              <a:t>4. **Psalm 52:** A psalm about the downfall of those who love evil, it assures that those who trust in God’s steadfast love will prevail, contrasting the ultimate fates of the wicked and the righteous.</a:t>
+            </a:r>
+          </a:p>
+          <a:p>
+            <a:r>
+              <a:rPr lang="en-US" dirty="0"/>
+              <a:t>   &gt; "Why do you boast of evil, you mighty hero? Why do you boast all day long, you who are a disgrace in the eyes of God?… But I am like an olive tree flourishing in the house of God; I trust in God’s unfailing love for ever and ever." (Psalm 52:1, 8)</a:t>
+            </a:r>
+          </a:p>
+          <a:p>
+            <a:endParaRPr lang="en-US" dirty="0"/>
+          </a:p>
+          <a:p>
+            <a:r>
+              <a:rPr lang="en-US" dirty="0"/>
+              <a:t>5. **Psalm 94:** This psalm appeals to God for justice and warns the wicked of the consequences of their actions. It encourages the righteous to persevere, trusting that God will eventually punish wickedness.</a:t>
+            </a:r>
+          </a:p>
+          <a:p>
+            <a:r>
+              <a:rPr lang="en-US" dirty="0"/>
+              <a:t>   &gt; "Who will rise up for me against the wicked? Who will take a stand for me against evildoers?" (Psalm 94:16)</a:t>
+            </a:r>
+          </a:p>
+          <a:p>
+            <a:endParaRPr lang="en-US" dirty="0"/>
+          </a:p>
+          <a:p>
+            <a:r>
+              <a:rPr lang="en-US" dirty="0"/>
+              <a:t>6. **Psalm 119:** This lengthy psalm emphasizes the importance of following God’s laws despite the wickedness surrounding the psalmist. It highlights the blessings of loving God's word and living by it.</a:t>
+            </a:r>
+          </a:p>
+          <a:p>
+            <a:r>
+              <a:rPr lang="en-US" dirty="0"/>
+              <a:t>   &gt; "The wicked have set a snare for me, but I have not strayed from your precepts." (Psalm 119:110)</a:t>
+            </a:r>
+          </a:p>
+          <a:p>
+            <a:endParaRPr lang="en-US" dirty="0"/>
+          </a:p>
+          <a:p>
+            <a:r>
+              <a:rPr lang="en-US" dirty="0"/>
+              <a:t>### Key Takeaways from These Psalms</a:t>
+            </a:r>
+          </a:p>
+          <a:p>
+            <a:r>
+              <a:rPr lang="en-US" dirty="0"/>
+              <a:t>These psalms advise patience, trust, and commitment to God’s ways as responses to societal wickedness. They reassure believers that, despite the temporary success of the unrighteous, God ultimately brings justice. Through these passages, believers are encouraged to maintain their focus on God’s word, avoid the path of the wicked, and find hope in God’s steadfast love and justice.</a:t>
+            </a:r>
+          </a:p>
+        </p:txBody>
+      </p:sp>
+      <p:sp>
+        <p:nvSpPr>
+          <p:cNvPr id="4" name="Slide Number Placeholder 3"/>
+          <p:cNvSpPr>
+            <a:spLocks noGrp="1"/>
+          </p:cNvSpPr>
+          <p:nvPr>
+            <p:ph type="sldNum" sz="quarter" idx="5"/>
+          </p:nvPr>
+        </p:nvSpPr>
+        <p:spPr/>
+        <p:txBody>
+          <a:bodyPr/>
+          <a:lstStyle/>
+          <a:p>
+            <a:pPr>
+              <a:defRPr/>
+            </a:pPr>
+            <a:fld id="{07776858-791E-4C8D-8FA3-473B3AFECFAC}" type="slidenum">
+              <a:rPr lang="en-US" smtClean="0"/>
+              <a:pPr>
+                <a:defRPr/>
+              </a:pPr>
+              <a:t>6</a:t>
+            </a:fld>
+            <a:endParaRPr lang="en-US"/>
+          </a:p>
+        </p:txBody>
+      </p:sp>
+    </p:spTree>
+    <p:extLst>
+      <p:ext uri="{BB962C8B-B14F-4D97-AF65-F5344CB8AC3E}">
+        <p14:creationId xmlns:p14="http://schemas.microsoft.com/office/powerpoint/2010/main" val="597533645"/>
+      </p:ext>
+    </p:extLst>
+  </p:cSld>
+  <p:clrMapOvr>
+    <a:masterClrMapping/>
+  </p:clrMapOvr>
+</p:notes>
+</file>
+
+<file path=ppt/notesSlides/notesSlide7.xml><?xml version="1.0" encoding="utf-8"?>
 <p:notes xmlns:a="http://schemas.openxmlformats.org/drawingml/2006/main" xmlns:r="http://schemas.openxmlformats.org/officeDocument/2006/relationships" xmlns:p="http://schemas.openxmlformats.org/presentationml/2006/main">
   <p:cSld>
     <p:spTree>
@@ -15302,6 +14346,116 @@
               <a:pPr>
                 <a:defRPr/>
               </a:pPr>
+              <a:t>7</a:t>
+            </a:fld>
+            <a:endParaRPr lang="en-US"/>
+          </a:p>
+        </p:txBody>
+      </p:sp>
+    </p:spTree>
+    <p:extLst>
+      <p:ext uri="{BB962C8B-B14F-4D97-AF65-F5344CB8AC3E}">
+        <p14:creationId xmlns:p14="http://schemas.microsoft.com/office/powerpoint/2010/main" val="544903171"/>
+      </p:ext>
+    </p:extLst>
+  </p:cSld>
+  <p:clrMapOvr>
+    <a:masterClrMapping/>
+  </p:clrMapOvr>
+</p:notes>
+</file>
+
+<file path=ppt/notesSlides/notesSlide8.xml><?xml version="1.0" encoding="utf-8"?>
+<p:notes xmlns:a="http://schemas.openxmlformats.org/drawingml/2006/main" xmlns:r="http://schemas.openxmlformats.org/officeDocument/2006/relationships" xmlns:p="http://schemas.openxmlformats.org/presentationml/2006/main">
+  <p:cSld>
+    <p:spTree>
+      <p:nvGrpSpPr>
+        <p:cNvPr id="1" name=""/>
+        <p:cNvGrpSpPr/>
+        <p:nvPr/>
+      </p:nvGrpSpPr>
+      <p:grpSpPr>
+        <a:xfrm>
+          <a:off x="0" y="0"/>
+          <a:ext cx="0" cy="0"/>
+          <a:chOff x="0" y="0"/>
+          <a:chExt cx="0" cy="0"/>
+        </a:xfrm>
+      </p:grpSpPr>
+      <p:sp>
+        <p:nvSpPr>
+          <p:cNvPr id="2" name="Slide Image Placeholder 1"/>
+          <p:cNvSpPr>
+            <a:spLocks noGrp="1" noRot="1" noChangeAspect="1"/>
+          </p:cNvSpPr>
+          <p:nvPr>
+            <p:ph type="sldImg"/>
+          </p:nvPr>
+        </p:nvSpPr>
+        <p:spPr/>
+      </p:sp>
+      <p:sp>
+        <p:nvSpPr>
+          <p:cNvPr id="3" name="Notes Placeholder 2"/>
+          <p:cNvSpPr>
+            <a:spLocks noGrp="1"/>
+          </p:cNvSpPr>
+          <p:nvPr>
+            <p:ph type="body" idx="1"/>
+          </p:nvPr>
+        </p:nvSpPr>
+        <p:spPr/>
+        <p:txBody>
+          <a:bodyPr/>
+          <a:lstStyle/>
+          <a:p>
+            <a:endParaRPr lang="en-US" dirty="0"/>
+          </a:p>
+          <a:p>
+            <a:r>
+              <a:rPr lang="en-US" dirty="0"/>
+              <a:t>Isaiah 44 – Idol </a:t>
+            </a:r>
+            <a:r>
+              <a:rPr lang="en-US" dirty="0">
+                <a:sym typeface="Wingdings" panose="05000000000000000000" pitchFamily="2" charset="2"/>
+              </a:rPr>
+              <a:t> Lie</a:t>
+            </a:r>
+          </a:p>
+          <a:p>
+            <a:endParaRPr lang="en-US" dirty="0">
+              <a:sym typeface="Wingdings" panose="05000000000000000000" pitchFamily="2" charset="2"/>
+            </a:endParaRPr>
+          </a:p>
+          <a:p>
+            <a:endParaRPr lang="en-US" dirty="0"/>
+          </a:p>
+        </p:txBody>
+      </p:sp>
+      <p:sp>
+        <p:nvSpPr>
+          <p:cNvPr id="4" name="Slide Number Placeholder 3"/>
+          <p:cNvSpPr>
+            <a:spLocks noGrp="1"/>
+          </p:cNvSpPr>
+          <p:nvPr>
+            <p:ph type="sldNum" sz="quarter" idx="5"/>
+          </p:nvPr>
+        </p:nvSpPr>
+        <p:spPr/>
+        <p:txBody>
+          <a:bodyPr/>
+          <a:lstStyle/>
+          <a:p>
+            <a:pPr>
+              <a:defRPr/>
+            </a:pPr>
+            <a:fld id="{07776858-791E-4C8D-8FA3-473B3AFECFAC}" type="slidenum">
+              <a:rPr lang="en-US" smtClean="0"/>
+              <a:pPr>
+                <a:defRPr/>
+              </a:pPr>
               <a:t>8</a:t>
             </a:fld>
             <a:endParaRPr lang="en-US"/>
@@ -15311,7 +14465,7 @@
     </p:spTree>
     <p:extLst>
       <p:ext uri="{BB962C8B-B14F-4D97-AF65-F5344CB8AC3E}">
-        <p14:creationId xmlns:p14="http://schemas.microsoft.com/office/powerpoint/2010/main" val="544903171"/>
+        <p14:creationId xmlns:p14="http://schemas.microsoft.com/office/powerpoint/2010/main" val="412934930"/>
       </p:ext>
     </p:extLst>
   </p:cSld>
@@ -17027,8 +16181,8 @@
         </p:nvSpPr>
         <p:spPr bwMode="auto">
           <a:xfrm>
-            <a:off x="457200" y="1981200"/>
-            <a:ext cx="8229600" cy="2590800"/>
+            <a:off x="457200" y="1371600"/>
+            <a:ext cx="8229600" cy="3200400"/>
           </a:xfrm>
           <a:prstGeom prst="rect">
             <a:avLst/>
@@ -17062,7 +16216,7 @@
             <a:prstTxWarp prst="textNoShape">
               <a:avLst/>
             </a:prstTxWarp>
-            <a:normAutofit lnSpcReduction="10000"/>
+            <a:normAutofit/>
           </a:bodyPr>
           <a:lstStyle>
             <a:lvl1pPr algn="ctr" rtl="0" eaLnBrk="1" fontAlgn="base" hangingPunct="1">
@@ -17205,19 +16359,6 @@
             </a:r>
           </a:p>
           <a:p>
-            <a:r>
-              <a:rPr lang="en-US" sz="2800" dirty="0">
-                <a:solidFill>
-                  <a:schemeClr val="tx2">
-                    <a:lumMod val="60000"/>
-                    <a:lumOff val="40000"/>
-                  </a:schemeClr>
-                </a:solidFill>
-              </a:rPr>
-              <a:t>Messianic Prophecies Fulfilled</a:t>
-            </a:r>
-          </a:p>
-          <a:p>
             <a:endParaRPr lang="en-US" sz="2800" dirty="0">
               <a:solidFill>
                 <a:schemeClr val="tx2">
@@ -17238,16 +16379,21 @@
                 </a:solidFill>
                 <a:sym typeface="Wingdings" panose="05000000000000000000" pitchFamily="2" charset="2"/>
               </a:rPr>
-              <a:t>What does God want?</a:t>
-            </a:r>
-            <a:endParaRPr lang="en-US" sz="2800" dirty="0">
-              <a:solidFill>
-                <a:schemeClr val="tx2">
-                  <a:lumMod val="60000"/>
-                  <a:lumOff val="40000"/>
-                </a:schemeClr>
-              </a:solidFill>
-            </a:endParaRPr>
+              <a:t>The Righteousness of God vs. </a:t>
+            </a:r>
+          </a:p>
+          <a:p>
+            <a:r>
+              <a:rPr lang="en-US" sz="2800" dirty="0">
+                <a:solidFill>
+                  <a:schemeClr val="tx2">
+                    <a:lumMod val="60000"/>
+                    <a:lumOff val="40000"/>
+                  </a:schemeClr>
+                </a:solidFill>
+              </a:rPr>
+              <a:t>The Righteousness of Man</a:t>
+            </a:r>
           </a:p>
           <a:p>
             <a:endParaRPr lang="en-US" sz="2400" dirty="0">
@@ -19083,931 +18229,6 @@
   <p:cSld>
     <p:spTree>
       <p:nvGrpSpPr>
-        <p:cNvPr id="1" name="">
-          <a:extLst>
-            <a:ext uri="{FF2B5EF4-FFF2-40B4-BE49-F238E27FC236}">
-              <a16:creationId xmlns:a16="http://schemas.microsoft.com/office/drawing/2014/main" id="{333A7BEA-D7AB-AC59-3447-76D438FC3DDF}"/>
-            </a:ext>
-          </a:extLst>
-        </p:cNvPr>
-        <p:cNvGrpSpPr/>
-        <p:nvPr/>
-      </p:nvGrpSpPr>
-      <p:grpSpPr>
-        <a:xfrm>
-          <a:off x="0" y="0"/>
-          <a:ext cx="0" cy="0"/>
-          <a:chOff x="0" y="0"/>
-          <a:chExt cx="0" cy="0"/>
-        </a:xfrm>
-      </p:grpSpPr>
-      <p:sp>
-        <p:nvSpPr>
-          <p:cNvPr id="2" name="Title 1">
-            <a:extLst>
-              <a:ext uri="{FF2B5EF4-FFF2-40B4-BE49-F238E27FC236}">
-                <a16:creationId xmlns:a16="http://schemas.microsoft.com/office/drawing/2014/main" id="{2B707755-6F91-DCCB-3514-621E4605278B}"/>
-              </a:ext>
-            </a:extLst>
-          </p:cNvPr>
-          <p:cNvSpPr>
-            <a:spLocks noGrp="1"/>
-          </p:cNvSpPr>
-          <p:nvPr>
-            <p:ph type="title"/>
-          </p:nvPr>
-        </p:nvSpPr>
-        <p:spPr>
-          <a:xfrm>
-            <a:off x="58723" y="7434"/>
-            <a:ext cx="8229600" cy="914400"/>
-          </a:xfrm>
-        </p:spPr>
-        <p:txBody>
-          <a:bodyPr>
-            <a:normAutofit fontScale="90000"/>
-          </a:bodyPr>
-          <a:lstStyle/>
-          <a:p>
-            <a:pPr algn="l"/>
-            <a:r>
-              <a:rPr lang="en-US" sz="3600" dirty="0"/>
-              <a:t>The Just Man, and the Righteous…</a:t>
-            </a:r>
-            <a:br>
-              <a:rPr lang="en-US" dirty="0"/>
-            </a:br>
-            <a:r>
-              <a:rPr lang="en-US" sz="2400" dirty="0">
-                <a:solidFill>
-                  <a:schemeClr val="tx2">
-                    <a:lumMod val="60000"/>
-                    <a:lumOff val="40000"/>
-                  </a:schemeClr>
-                </a:solidFill>
-              </a:rPr>
-              <a:t>Psalms 1</a:t>
-            </a:r>
-          </a:p>
-        </p:txBody>
-      </p:sp>
-      <p:sp>
-        <p:nvSpPr>
-          <p:cNvPr id="5" name="Scroll: Horizontal 3">
-            <a:extLst>
-              <a:ext uri="{FF2B5EF4-FFF2-40B4-BE49-F238E27FC236}">
-                <a16:creationId xmlns:a16="http://schemas.microsoft.com/office/drawing/2014/main" id="{8D5902BF-C5EC-C390-D0CA-A459399A5703}"/>
-              </a:ext>
-            </a:extLst>
-          </p:cNvPr>
-          <p:cNvSpPr/>
-          <p:nvPr/>
-        </p:nvSpPr>
-        <p:spPr>
-          <a:xfrm>
-            <a:off x="111408" y="297366"/>
-            <a:ext cx="6248231" cy="6445825"/>
-          </a:xfrm>
-          <a:prstGeom prst="horizontalScroll">
-            <a:avLst/>
-          </a:prstGeom>
-          <a:solidFill>
-            <a:schemeClr val="accent6">
-              <a:lumMod val="75000"/>
-            </a:schemeClr>
-          </a:solidFill>
-        </p:spPr>
-        <p:style>
-          <a:lnRef idx="2">
-            <a:schemeClr val="accent1">
-              <a:shade val="50000"/>
-            </a:schemeClr>
-          </a:lnRef>
-          <a:fillRef idx="1">
-            <a:schemeClr val="accent1"/>
-          </a:fillRef>
-          <a:effectRef idx="0">
-            <a:schemeClr val="accent1"/>
-          </a:effectRef>
-          <a:fontRef idx="minor">
-            <a:schemeClr val="lt1"/>
-          </a:fontRef>
-        </p:style>
-        <p:txBody>
-          <a:bodyPr rtlCol="0" anchor="ctr"/>
-          <a:lstStyle/>
-          <a:p>
-            <a:r>
-              <a:rPr lang="en-US" sz="1200" dirty="0">
-                <a:solidFill>
-                  <a:schemeClr val="tx1">
-                    <a:lumMod val="95000"/>
-                    <a:lumOff val="5000"/>
-                  </a:schemeClr>
-                </a:solidFill>
-              </a:rPr>
-              <a:t>(1)</a:t>
-            </a:r>
-            <a:r>
-              <a:rPr lang="en-US" dirty="0"/>
-              <a:t> Blessed </a:t>
-            </a:r>
-            <a:r>
-              <a:rPr lang="en-US" i="1" dirty="0"/>
-              <a:t>is</a:t>
-            </a:r>
-            <a:r>
-              <a:rPr lang="en-US" dirty="0"/>
-              <a:t> </a:t>
-            </a:r>
-            <a:r>
-              <a:rPr lang="en-US" u="sng" dirty="0"/>
-              <a:t>the man </a:t>
-            </a:r>
-            <a:r>
-              <a:rPr lang="en-US" dirty="0"/>
-              <a:t>Who </a:t>
-            </a:r>
-            <a:r>
-              <a:rPr lang="en-US" i="1" dirty="0"/>
-              <a:t>walks</a:t>
-            </a:r>
-            <a:r>
-              <a:rPr lang="en-US" dirty="0"/>
-              <a:t> not in the counsel of the ungodly, Nor </a:t>
-            </a:r>
-            <a:r>
-              <a:rPr lang="en-US" i="1" dirty="0"/>
-              <a:t>stands</a:t>
-            </a:r>
-            <a:r>
-              <a:rPr lang="en-US" dirty="0"/>
-              <a:t> in the path of sinners, Nor </a:t>
-            </a:r>
-            <a:r>
-              <a:rPr lang="en-US" i="1" dirty="0"/>
-              <a:t>sits</a:t>
-            </a:r>
-            <a:r>
-              <a:rPr lang="en-US" dirty="0"/>
-              <a:t> in the seat of the scornful; </a:t>
-            </a:r>
-          </a:p>
-          <a:p>
-            <a:r>
-              <a:rPr lang="en-US" sz="1200" dirty="0">
-                <a:solidFill>
-                  <a:schemeClr val="tx1">
-                    <a:lumMod val="95000"/>
-                    <a:lumOff val="5000"/>
-                  </a:schemeClr>
-                </a:solidFill>
-              </a:rPr>
-              <a:t>(2)</a:t>
-            </a:r>
-            <a:r>
-              <a:rPr lang="en-US" dirty="0"/>
-              <a:t>  But his </a:t>
-            </a:r>
-            <a:r>
-              <a:rPr lang="en-US" i="1" dirty="0"/>
-              <a:t>delight</a:t>
-            </a:r>
-            <a:r>
-              <a:rPr lang="en-US" dirty="0"/>
-              <a:t> </a:t>
-            </a:r>
-            <a:r>
-              <a:rPr lang="en-US" i="1" dirty="0"/>
-              <a:t>is</a:t>
-            </a:r>
-            <a:r>
-              <a:rPr lang="en-US" dirty="0"/>
-              <a:t> in the law of the LORD, And in His law he </a:t>
-            </a:r>
-            <a:r>
-              <a:rPr lang="en-US" i="1" dirty="0"/>
-              <a:t>meditates</a:t>
-            </a:r>
-            <a:r>
-              <a:rPr lang="en-US" dirty="0"/>
-              <a:t> day and night. </a:t>
-            </a:r>
-          </a:p>
-          <a:p>
-            <a:r>
-              <a:rPr lang="en-US" sz="1200" dirty="0">
-                <a:solidFill>
-                  <a:schemeClr val="tx1">
-                    <a:lumMod val="95000"/>
-                    <a:lumOff val="5000"/>
-                  </a:schemeClr>
-                </a:solidFill>
-              </a:rPr>
-              <a:t>(3)</a:t>
-            </a:r>
-            <a:r>
-              <a:rPr lang="en-US" dirty="0"/>
-              <a:t>  He shall be like a tree Planted by the rivers of water, That </a:t>
-            </a:r>
-            <a:r>
-              <a:rPr lang="en-US" i="1" dirty="0"/>
-              <a:t>brings forth its fruit in its season</a:t>
-            </a:r>
-            <a:r>
-              <a:rPr lang="en-US" dirty="0"/>
-              <a:t>, Whose leaf also shall not wither; And whatever he does shall prosper. </a:t>
-            </a:r>
-          </a:p>
-          <a:p>
-            <a:r>
-              <a:rPr lang="en-US" sz="1200" dirty="0">
-                <a:solidFill>
-                  <a:schemeClr val="tx1">
-                    <a:lumMod val="95000"/>
-                    <a:lumOff val="5000"/>
-                  </a:schemeClr>
-                </a:solidFill>
-              </a:rPr>
-              <a:t>(4)</a:t>
-            </a:r>
-            <a:r>
-              <a:rPr lang="en-US" dirty="0"/>
-              <a:t>  The ungodly </a:t>
-            </a:r>
-            <a:r>
-              <a:rPr lang="en-US" i="1" dirty="0"/>
-              <a:t>are</a:t>
-            </a:r>
-            <a:r>
-              <a:rPr lang="en-US" dirty="0"/>
-              <a:t> not so, But </a:t>
-            </a:r>
-            <a:r>
-              <a:rPr lang="en-US" i="1" dirty="0"/>
-              <a:t>are</a:t>
-            </a:r>
-            <a:r>
-              <a:rPr lang="en-US" dirty="0"/>
-              <a:t> like the chaff which the wind drives away. </a:t>
-            </a:r>
-          </a:p>
-          <a:p>
-            <a:r>
-              <a:rPr lang="en-US" sz="1200" dirty="0">
-                <a:solidFill>
-                  <a:schemeClr val="tx1">
-                    <a:lumMod val="95000"/>
-                    <a:lumOff val="5000"/>
-                  </a:schemeClr>
-                </a:solidFill>
-              </a:rPr>
-              <a:t>(5)</a:t>
-            </a:r>
-            <a:r>
-              <a:rPr lang="en-US" dirty="0"/>
-              <a:t>  Therefore the ungodly shall </a:t>
-            </a:r>
-            <a:r>
-              <a:rPr lang="en-US" i="1" dirty="0"/>
-              <a:t>not stand </a:t>
-            </a:r>
-            <a:r>
-              <a:rPr lang="en-US" dirty="0"/>
-              <a:t>in the judgment, Nor sinners </a:t>
-            </a:r>
-            <a:r>
-              <a:rPr lang="en-US" i="1" u="sng" dirty="0"/>
-              <a:t>in the congregation of the righteous</a:t>
-            </a:r>
-            <a:r>
-              <a:rPr lang="en-US" dirty="0"/>
-              <a:t>. </a:t>
-            </a:r>
-          </a:p>
-          <a:p>
-            <a:r>
-              <a:rPr lang="en-US" sz="1200" dirty="0">
-                <a:solidFill>
-                  <a:schemeClr val="tx1">
-                    <a:lumMod val="95000"/>
-                    <a:lumOff val="5000"/>
-                  </a:schemeClr>
-                </a:solidFill>
-              </a:rPr>
-              <a:t>(6)</a:t>
-            </a:r>
-            <a:r>
-              <a:rPr lang="en-US" dirty="0"/>
-              <a:t>  For the LORD knows the way of </a:t>
-            </a:r>
-            <a:r>
-              <a:rPr lang="en-US" u="sng" dirty="0"/>
-              <a:t>the righteous</a:t>
-            </a:r>
-            <a:r>
-              <a:rPr lang="en-US" dirty="0"/>
-              <a:t>, But the way of the ungodly shall perish. </a:t>
-            </a:r>
-          </a:p>
-        </p:txBody>
-      </p:sp>
-      <p:sp>
-        <p:nvSpPr>
-          <p:cNvPr id="4" name="Scroll: Horizontal 3">
-            <a:extLst>
-              <a:ext uri="{FF2B5EF4-FFF2-40B4-BE49-F238E27FC236}">
-                <a16:creationId xmlns:a16="http://schemas.microsoft.com/office/drawing/2014/main" id="{B5E7D4D5-FE60-F7CC-DCEF-6743DA3FB93C}"/>
-              </a:ext>
-            </a:extLst>
-          </p:cNvPr>
-          <p:cNvSpPr/>
-          <p:nvPr/>
-        </p:nvSpPr>
-        <p:spPr>
-          <a:xfrm>
-            <a:off x="6412324" y="297366"/>
-            <a:ext cx="2620268" cy="6445825"/>
-          </a:xfrm>
-          <a:prstGeom prst="horizontalScroll">
-            <a:avLst/>
-          </a:prstGeom>
-          <a:solidFill>
-            <a:schemeClr val="accent1">
-              <a:lumMod val="75000"/>
-            </a:schemeClr>
-          </a:solidFill>
-          <a:ln>
-            <a:solidFill>
-              <a:schemeClr val="accent6">
-                <a:lumMod val="75000"/>
-              </a:schemeClr>
-            </a:solidFill>
-          </a:ln>
-        </p:spPr>
-        <p:style>
-          <a:lnRef idx="2">
-            <a:schemeClr val="accent1">
-              <a:shade val="50000"/>
-            </a:schemeClr>
-          </a:lnRef>
-          <a:fillRef idx="1">
-            <a:schemeClr val="accent1"/>
-          </a:fillRef>
-          <a:effectRef idx="0">
-            <a:schemeClr val="accent1"/>
-          </a:effectRef>
-          <a:fontRef idx="minor">
-            <a:schemeClr val="lt1"/>
-          </a:fontRef>
-        </p:style>
-        <p:txBody>
-          <a:bodyPr rtlCol="0" anchor="ctr"/>
-          <a:lstStyle/>
-          <a:p>
-            <a:r>
-              <a:rPr lang="en-US" dirty="0"/>
-              <a:t>Who is the Just Man? (Ps 1:1)</a:t>
-            </a:r>
-          </a:p>
-          <a:p>
-            <a:endParaRPr lang="en-US" dirty="0"/>
-          </a:p>
-          <a:p>
-            <a:r>
-              <a:rPr lang="en-US" dirty="0"/>
-              <a:t>Who are the righteous?  (Rom 4:7-8; Ps 32:1-2)</a:t>
-            </a:r>
-          </a:p>
-          <a:p>
-            <a:endParaRPr lang="en-US" dirty="0"/>
-          </a:p>
-          <a:p>
-            <a:endParaRPr lang="en-US" dirty="0"/>
-          </a:p>
-          <a:p>
-            <a:endParaRPr lang="en-US" dirty="0"/>
-          </a:p>
-          <a:p>
-            <a:endParaRPr lang="en-US" dirty="0"/>
-          </a:p>
-        </p:txBody>
-      </p:sp>
-      <p:sp>
-        <p:nvSpPr>
-          <p:cNvPr id="3" name="TextBox 2">
-            <a:extLst>
-              <a:ext uri="{FF2B5EF4-FFF2-40B4-BE49-F238E27FC236}">
-                <a16:creationId xmlns:a16="http://schemas.microsoft.com/office/drawing/2014/main" id="{8F71CD92-9698-1CFD-4CE6-AEA1E7331436}"/>
-              </a:ext>
-            </a:extLst>
-          </p:cNvPr>
-          <p:cNvSpPr txBox="1"/>
-          <p:nvPr/>
-        </p:nvSpPr>
-        <p:spPr>
-          <a:xfrm>
-            <a:off x="8251152" y="6496970"/>
-            <a:ext cx="511679" cy="246221"/>
-          </a:xfrm>
-          <a:prstGeom prst="rect">
-            <a:avLst/>
-          </a:prstGeom>
-          <a:noFill/>
-        </p:spPr>
-        <p:txBody>
-          <a:bodyPr wrap="none" rtlCol="0">
-            <a:spAutoFit/>
-          </a:bodyPr>
-          <a:lstStyle/>
-          <a:p>
-            <a:r>
-              <a:rPr lang="en-US" sz="1000" dirty="0"/>
-              <a:t>NKJV</a:t>
-            </a:r>
-          </a:p>
-        </p:txBody>
-      </p:sp>
-    </p:spTree>
-    <p:extLst>
-      <p:ext uri="{BB962C8B-B14F-4D97-AF65-F5344CB8AC3E}">
-        <p14:creationId xmlns:p14="http://schemas.microsoft.com/office/powerpoint/2010/main" val="3145076992"/>
-      </p:ext>
-    </p:extLst>
-  </p:cSld>
-  <p:clrMapOvr>
-    <a:masterClrMapping/>
-  </p:clrMapOvr>
-  <p:timing>
-    <p:tnLst>
-      <p:par>
-        <p:cTn id="1" dur="indefinite" restart="never" nodeType="tmRoot">
-          <p:childTnLst>
-            <p:seq concurrent="1" nextAc="seek">
-              <p:cTn id="2" dur="indefinite" nodeType="mainSeq">
-                <p:childTnLst>
-                  <p:par>
-                    <p:cTn id="3" fill="hold">
-                      <p:stCondLst>
-                        <p:cond delay="indefinite"/>
-                      </p:stCondLst>
-                      <p:childTnLst>
-                        <p:par>
-                          <p:cTn id="4" fill="hold">
-                            <p:stCondLst>
-                              <p:cond delay="0"/>
-                            </p:stCondLst>
-                            <p:childTnLst>
-                              <p:par>
-                                <p:cTn id="5" presetID="42" presetClass="entr" presetSubtype="0" fill="hold" grpId="0" nodeType="clickEffect">
-                                  <p:stCondLst>
-                                    <p:cond delay="0"/>
-                                  </p:stCondLst>
-                                  <p:childTnLst>
-                                    <p:set>
-                                      <p:cBhvr>
-                                        <p:cTn id="6" dur="1" fill="hold">
-                                          <p:stCondLst>
-                                            <p:cond delay="0"/>
-                                          </p:stCondLst>
-                                        </p:cTn>
-                                        <p:tgtEl>
-                                          <p:spTgt spid="5"/>
-                                        </p:tgtEl>
-                                        <p:attrNameLst>
-                                          <p:attrName>style.visibility</p:attrName>
-                                        </p:attrNameLst>
-                                      </p:cBhvr>
-                                      <p:to>
-                                        <p:strVal val="visible"/>
-                                      </p:to>
-                                    </p:set>
-                                    <p:animEffect transition="in" filter="fade">
-                                      <p:cBhvr>
-                                        <p:cTn id="7" dur="1000"/>
-                                        <p:tgtEl>
-                                          <p:spTgt spid="5"/>
-                                        </p:tgtEl>
-                                      </p:cBhvr>
-                                    </p:animEffect>
-                                    <p:anim calcmode="lin" valueType="num">
-                                      <p:cBhvr>
-                                        <p:cTn id="8" dur="1000" fill="hold"/>
-                                        <p:tgtEl>
-                                          <p:spTgt spid="5"/>
-                                        </p:tgtEl>
-                                        <p:attrNameLst>
-                                          <p:attrName>ppt_x</p:attrName>
-                                        </p:attrNameLst>
-                                      </p:cBhvr>
-                                      <p:tavLst>
-                                        <p:tav tm="0">
-                                          <p:val>
-                                            <p:strVal val="#ppt_x"/>
-                                          </p:val>
-                                        </p:tav>
-                                        <p:tav tm="100000">
-                                          <p:val>
-                                            <p:strVal val="#ppt_x"/>
-                                          </p:val>
-                                        </p:tav>
-                                      </p:tavLst>
-                                    </p:anim>
-                                    <p:anim calcmode="lin" valueType="num">
-                                      <p:cBhvr>
-                                        <p:cTn id="9" dur="1000" fill="hold"/>
-                                        <p:tgtEl>
-                                          <p:spTgt spid="5"/>
-                                        </p:tgtEl>
-                                        <p:attrNameLst>
-                                          <p:attrName>ppt_y</p:attrName>
-                                        </p:attrNameLst>
-                                      </p:cBhvr>
-                                      <p:tavLst>
-                                        <p:tav tm="0">
-                                          <p:val>
-                                            <p:strVal val="#ppt_y+.1"/>
-                                          </p:val>
-                                        </p:tav>
-                                        <p:tav tm="100000">
-                                          <p:val>
-                                            <p:strVal val="#ppt_y"/>
-                                          </p:val>
-                                        </p:tav>
-                                      </p:tavLst>
-                                    </p:anim>
-                                  </p:childTnLst>
-                                </p:cTn>
-                              </p:par>
-                            </p:childTnLst>
-                          </p:cTn>
-                        </p:par>
-                      </p:childTnLst>
-                    </p:cTn>
-                  </p:par>
-                  <p:par>
-                    <p:cTn id="10" fill="hold">
-                      <p:stCondLst>
-                        <p:cond delay="indefinite"/>
-                      </p:stCondLst>
-                      <p:childTnLst>
-                        <p:par>
-                          <p:cTn id="11" fill="hold">
-                            <p:stCondLst>
-                              <p:cond delay="0"/>
-                            </p:stCondLst>
-                            <p:childTnLst>
-                              <p:par>
-                                <p:cTn id="12" presetID="42" presetClass="entr" presetSubtype="0" fill="hold" grpId="0" nodeType="clickEffect">
-                                  <p:stCondLst>
-                                    <p:cond delay="0"/>
-                                  </p:stCondLst>
-                                  <p:childTnLst>
-                                    <p:set>
-                                      <p:cBhvr>
-                                        <p:cTn id="13" dur="1" fill="hold">
-                                          <p:stCondLst>
-                                            <p:cond delay="0"/>
-                                          </p:stCondLst>
-                                        </p:cTn>
-                                        <p:tgtEl>
-                                          <p:spTgt spid="4"/>
-                                        </p:tgtEl>
-                                        <p:attrNameLst>
-                                          <p:attrName>style.visibility</p:attrName>
-                                        </p:attrNameLst>
-                                      </p:cBhvr>
-                                      <p:to>
-                                        <p:strVal val="visible"/>
-                                      </p:to>
-                                    </p:set>
-                                    <p:animEffect transition="in" filter="fade">
-                                      <p:cBhvr>
-                                        <p:cTn id="14" dur="1000"/>
-                                        <p:tgtEl>
-                                          <p:spTgt spid="4"/>
-                                        </p:tgtEl>
-                                      </p:cBhvr>
-                                    </p:animEffect>
-                                    <p:anim calcmode="lin" valueType="num">
-                                      <p:cBhvr>
-                                        <p:cTn id="15" dur="1000" fill="hold"/>
-                                        <p:tgtEl>
-                                          <p:spTgt spid="4"/>
-                                        </p:tgtEl>
-                                        <p:attrNameLst>
-                                          <p:attrName>ppt_x</p:attrName>
-                                        </p:attrNameLst>
-                                      </p:cBhvr>
-                                      <p:tavLst>
-                                        <p:tav tm="0">
-                                          <p:val>
-                                            <p:strVal val="#ppt_x"/>
-                                          </p:val>
-                                        </p:tav>
-                                        <p:tav tm="100000">
-                                          <p:val>
-                                            <p:strVal val="#ppt_x"/>
-                                          </p:val>
-                                        </p:tav>
-                                      </p:tavLst>
-                                    </p:anim>
-                                    <p:anim calcmode="lin" valueType="num">
-                                      <p:cBhvr>
-                                        <p:cTn id="16" dur="1000" fill="hold"/>
-                                        <p:tgtEl>
-                                          <p:spTgt spid="4"/>
-                                        </p:tgtEl>
-                                        <p:attrNameLst>
-                                          <p:attrName>ppt_y</p:attrName>
-                                        </p:attrNameLst>
-                                      </p:cBhvr>
-                                      <p:tavLst>
-                                        <p:tav tm="0">
-                                          <p:val>
-                                            <p:strVal val="#ppt_y+.1"/>
-                                          </p:val>
-                                        </p:tav>
-                                        <p:tav tm="100000">
-                                          <p:val>
-                                            <p:strVal val="#ppt_y"/>
-                                          </p:val>
-                                        </p:tav>
-                                      </p:tavLst>
-                                    </p:anim>
-                                  </p:childTnLst>
-                                </p:cTn>
-                              </p:par>
-                            </p:childTnLst>
-                          </p:cTn>
-                        </p:par>
-                      </p:childTnLst>
-                    </p:cTn>
-                  </p:par>
-                  <p:par>
-                    <p:cTn id="17" fill="hold">
-                      <p:stCondLst>
-                        <p:cond delay="indefinite"/>
-                      </p:stCondLst>
-                      <p:childTnLst>
-                        <p:par>
-                          <p:cTn id="18" fill="hold">
-                            <p:stCondLst>
-                              <p:cond delay="0"/>
-                            </p:stCondLst>
-                            <p:childTnLst>
-                              <p:par>
-                                <p:cTn id="19" presetID="42" presetClass="entr" presetSubtype="0" fill="hold" nodeType="clickEffect">
-                                  <p:stCondLst>
-                                    <p:cond delay="0"/>
-                                  </p:stCondLst>
-                                  <p:childTnLst>
-                                    <p:set>
-                                      <p:cBhvr>
-                                        <p:cTn id="20" dur="1" fill="hold">
-                                          <p:stCondLst>
-                                            <p:cond delay="0"/>
-                                          </p:stCondLst>
-                                        </p:cTn>
-                                        <p:tgtEl>
-                                          <p:spTgt spid="4">
-                                            <p:txEl>
-                                              <p:pRg st="0" end="0"/>
-                                            </p:txEl>
-                                          </p:spTgt>
-                                        </p:tgtEl>
-                                        <p:attrNameLst>
-                                          <p:attrName>style.visibility</p:attrName>
-                                        </p:attrNameLst>
-                                      </p:cBhvr>
-                                      <p:to>
-                                        <p:strVal val="visible"/>
-                                      </p:to>
-                                    </p:set>
-                                    <p:animEffect transition="in" filter="fade">
-                                      <p:cBhvr>
-                                        <p:cTn id="21" dur="1000"/>
-                                        <p:tgtEl>
-                                          <p:spTgt spid="4">
-                                            <p:txEl>
-                                              <p:pRg st="0" end="0"/>
-                                            </p:txEl>
-                                          </p:spTgt>
-                                        </p:tgtEl>
-                                      </p:cBhvr>
-                                    </p:animEffect>
-                                    <p:anim calcmode="lin" valueType="num">
-                                      <p:cBhvr>
-                                        <p:cTn id="22" dur="1000" fill="hold"/>
-                                        <p:tgtEl>
-                                          <p:spTgt spid="4">
-                                            <p:txEl>
-                                              <p:pRg st="0" end="0"/>
-                                            </p:txEl>
-                                          </p:spTgt>
-                                        </p:tgtEl>
-                                        <p:attrNameLst>
-                                          <p:attrName>ppt_x</p:attrName>
-                                        </p:attrNameLst>
-                                      </p:cBhvr>
-                                      <p:tavLst>
-                                        <p:tav tm="0">
-                                          <p:val>
-                                            <p:strVal val="#ppt_x"/>
-                                          </p:val>
-                                        </p:tav>
-                                        <p:tav tm="100000">
-                                          <p:val>
-                                            <p:strVal val="#ppt_x"/>
-                                          </p:val>
-                                        </p:tav>
-                                      </p:tavLst>
-                                    </p:anim>
-                                    <p:anim calcmode="lin" valueType="num">
-                                      <p:cBhvr>
-                                        <p:cTn id="23" dur="1000" fill="hold"/>
-                                        <p:tgtEl>
-                                          <p:spTgt spid="4">
-                                            <p:txEl>
-                                              <p:pRg st="0" end="0"/>
-                                            </p:txEl>
-                                          </p:spTgt>
-                                        </p:tgtEl>
-                                        <p:attrNameLst>
-                                          <p:attrName>ppt_y</p:attrName>
-                                        </p:attrNameLst>
-                                      </p:cBhvr>
-                                      <p:tavLst>
-                                        <p:tav tm="0">
-                                          <p:val>
-                                            <p:strVal val="#ppt_y+.1"/>
-                                          </p:val>
-                                        </p:tav>
-                                        <p:tav tm="100000">
-                                          <p:val>
-                                            <p:strVal val="#ppt_y"/>
-                                          </p:val>
-                                        </p:tav>
-                                      </p:tavLst>
-                                    </p:anim>
-                                  </p:childTnLst>
-                                </p:cTn>
-                              </p:par>
-                            </p:childTnLst>
-                          </p:cTn>
-                        </p:par>
-                      </p:childTnLst>
-                    </p:cTn>
-                  </p:par>
-                  <p:par>
-                    <p:cTn id="24" fill="hold">
-                      <p:stCondLst>
-                        <p:cond delay="indefinite"/>
-                      </p:stCondLst>
-                      <p:childTnLst>
-                        <p:par>
-                          <p:cTn id="25" fill="hold">
-                            <p:stCondLst>
-                              <p:cond delay="0"/>
-                            </p:stCondLst>
-                            <p:childTnLst>
-                              <p:par>
-                                <p:cTn id="26" presetID="42" presetClass="entr" presetSubtype="0" fill="hold" nodeType="clickEffect">
-                                  <p:stCondLst>
-                                    <p:cond delay="0"/>
-                                  </p:stCondLst>
-                                  <p:childTnLst>
-                                    <p:set>
-                                      <p:cBhvr>
-                                        <p:cTn id="27" dur="1" fill="hold">
-                                          <p:stCondLst>
-                                            <p:cond delay="0"/>
-                                          </p:stCondLst>
-                                        </p:cTn>
-                                        <p:tgtEl>
-                                          <p:spTgt spid="4">
-                                            <p:txEl>
-                                              <p:pRg st="2" end="2"/>
-                                            </p:txEl>
-                                          </p:spTgt>
-                                        </p:tgtEl>
-                                        <p:attrNameLst>
-                                          <p:attrName>style.visibility</p:attrName>
-                                        </p:attrNameLst>
-                                      </p:cBhvr>
-                                      <p:to>
-                                        <p:strVal val="visible"/>
-                                      </p:to>
-                                    </p:set>
-                                    <p:animEffect transition="in" filter="fade">
-                                      <p:cBhvr>
-                                        <p:cTn id="28" dur="1000"/>
-                                        <p:tgtEl>
-                                          <p:spTgt spid="4">
-                                            <p:txEl>
-                                              <p:pRg st="2" end="2"/>
-                                            </p:txEl>
-                                          </p:spTgt>
-                                        </p:tgtEl>
-                                      </p:cBhvr>
-                                    </p:animEffect>
-                                    <p:anim calcmode="lin" valueType="num">
-                                      <p:cBhvr>
-                                        <p:cTn id="29" dur="1000" fill="hold"/>
-                                        <p:tgtEl>
-                                          <p:spTgt spid="4">
-                                            <p:txEl>
-                                              <p:pRg st="2" end="2"/>
-                                            </p:txEl>
-                                          </p:spTgt>
-                                        </p:tgtEl>
-                                        <p:attrNameLst>
-                                          <p:attrName>ppt_x</p:attrName>
-                                        </p:attrNameLst>
-                                      </p:cBhvr>
-                                      <p:tavLst>
-                                        <p:tav tm="0">
-                                          <p:val>
-                                            <p:strVal val="#ppt_x"/>
-                                          </p:val>
-                                        </p:tav>
-                                        <p:tav tm="100000">
-                                          <p:val>
-                                            <p:strVal val="#ppt_x"/>
-                                          </p:val>
-                                        </p:tav>
-                                      </p:tavLst>
-                                    </p:anim>
-                                    <p:anim calcmode="lin" valueType="num">
-                                      <p:cBhvr>
-                                        <p:cTn id="30" dur="1000" fill="hold"/>
-                                        <p:tgtEl>
-                                          <p:spTgt spid="4">
-                                            <p:txEl>
-                                              <p:pRg st="2" end="2"/>
-                                            </p:txEl>
-                                          </p:spTgt>
-                                        </p:tgtEl>
-                                        <p:attrNameLst>
-                                          <p:attrName>ppt_y</p:attrName>
-                                        </p:attrNameLst>
-                                      </p:cBhvr>
-                                      <p:tavLst>
-                                        <p:tav tm="0">
-                                          <p:val>
-                                            <p:strVal val="#ppt_y+.1"/>
-                                          </p:val>
-                                        </p:tav>
-                                        <p:tav tm="100000">
-                                          <p:val>
-                                            <p:strVal val="#ppt_y"/>
-                                          </p:val>
-                                        </p:tav>
-                                      </p:tavLst>
-                                    </p:anim>
-                                  </p:childTnLst>
-                                </p:cTn>
-                              </p:par>
-                            </p:childTnLst>
-                          </p:cTn>
-                        </p:par>
-                      </p:childTnLst>
-                    </p:cTn>
-                  </p:par>
-                </p:childTnLst>
-              </p:cTn>
-              <p:prevCondLst>
-                <p:cond evt="onPrev" delay="0">
-                  <p:tgtEl>
-                    <p:sldTgt/>
-                  </p:tgtEl>
-                </p:cond>
-              </p:prevCondLst>
-              <p:nextCondLst>
-                <p:cond evt="onNext" delay="0">
-                  <p:tgtEl>
-                    <p:sldTgt/>
-                  </p:tgtEl>
-                </p:cond>
-              </p:nextCondLst>
-            </p:seq>
-          </p:childTnLst>
-        </p:cTn>
-      </p:par>
-    </p:tnLst>
-    <p:bldLst>
-      <p:bldP spid="5" grpId="0" animBg="1"/>
-      <p:bldP spid="4" grpId="0" animBg="1"/>
-    </p:bldLst>
-  </p:timing>
-</p:sld>
-</file>
-
-<file path=ppt/slides/slide4.xml><?xml version="1.0" encoding="utf-8"?>
-<p:sld xmlns:a="http://schemas.openxmlformats.org/drawingml/2006/main" xmlns:r="http://schemas.openxmlformats.org/officeDocument/2006/relationships" xmlns:p="http://schemas.openxmlformats.org/presentationml/2006/main" show="0">
-  <p:cSld>
-    <p:spTree>
-      <p:nvGrpSpPr>
         <p:cNvPr id="1" name=""/>
         <p:cNvGrpSpPr/>
         <p:nvPr/>
@@ -20747,811 +18968,7 @@
 </p:sld>
 </file>
 
-<file path=ppt/slides/slide5.xml><?xml version="1.0" encoding="utf-8"?>
-<p:sld xmlns:a="http://schemas.openxmlformats.org/drawingml/2006/main" xmlns:r="http://schemas.openxmlformats.org/officeDocument/2006/relationships" xmlns:p="http://schemas.openxmlformats.org/presentationml/2006/main" show="0">
-  <p:cSld>
-    <p:spTree>
-      <p:nvGrpSpPr>
-        <p:cNvPr id="1" name="">
-          <a:extLst>
-            <a:ext uri="{FF2B5EF4-FFF2-40B4-BE49-F238E27FC236}">
-              <a16:creationId xmlns:a16="http://schemas.microsoft.com/office/drawing/2014/main" id="{763A8BA5-7C2C-6A7C-3E24-E0345D3C2844}"/>
-            </a:ext>
-          </a:extLst>
-        </p:cNvPr>
-        <p:cNvGrpSpPr/>
-        <p:nvPr/>
-      </p:nvGrpSpPr>
-      <p:grpSpPr>
-        <a:xfrm>
-          <a:off x="0" y="0"/>
-          <a:ext cx="0" cy="0"/>
-          <a:chOff x="0" y="0"/>
-          <a:chExt cx="0" cy="0"/>
-        </a:xfrm>
-      </p:grpSpPr>
-      <p:sp>
-        <p:nvSpPr>
-          <p:cNvPr id="2" name="Title 1">
-            <a:extLst>
-              <a:ext uri="{FF2B5EF4-FFF2-40B4-BE49-F238E27FC236}">
-                <a16:creationId xmlns:a16="http://schemas.microsoft.com/office/drawing/2014/main" id="{BCEA8BB8-129B-D4B9-B268-8C5F70B4065D}"/>
-              </a:ext>
-            </a:extLst>
-          </p:cNvPr>
-          <p:cNvSpPr>
-            <a:spLocks noGrp="1"/>
-          </p:cNvSpPr>
-          <p:nvPr>
-            <p:ph type="title"/>
-          </p:nvPr>
-        </p:nvSpPr>
-        <p:spPr>
-          <a:xfrm>
-            <a:off x="58722" y="7434"/>
-            <a:ext cx="8973869" cy="914400"/>
-          </a:xfrm>
-        </p:spPr>
-        <p:txBody>
-          <a:bodyPr>
-            <a:normAutofit fontScale="90000"/>
-          </a:bodyPr>
-          <a:lstStyle/>
-          <a:p>
-            <a:pPr algn="l"/>
-            <a:r>
-              <a:rPr lang="en-US" sz="3600" dirty="0"/>
-              <a:t>How the World responds to the Just Man…</a:t>
-            </a:r>
-            <a:br>
-              <a:rPr lang="en-US" dirty="0"/>
-            </a:br>
-            <a:r>
-              <a:rPr lang="en-US" sz="2400" dirty="0">
-                <a:solidFill>
-                  <a:schemeClr val="tx2">
-                    <a:lumMod val="60000"/>
-                    <a:lumOff val="40000"/>
-                  </a:schemeClr>
-                </a:solidFill>
-              </a:rPr>
-              <a:t>Psalms 2</a:t>
-            </a:r>
-          </a:p>
-        </p:txBody>
-      </p:sp>
-      <p:sp>
-        <p:nvSpPr>
-          <p:cNvPr id="5" name="Scroll: Horizontal 3">
-            <a:extLst>
-              <a:ext uri="{FF2B5EF4-FFF2-40B4-BE49-F238E27FC236}">
-                <a16:creationId xmlns:a16="http://schemas.microsoft.com/office/drawing/2014/main" id="{F971542A-68F4-392E-8069-E52221AA804C}"/>
-              </a:ext>
-            </a:extLst>
-          </p:cNvPr>
-          <p:cNvSpPr/>
-          <p:nvPr/>
-        </p:nvSpPr>
-        <p:spPr>
-          <a:xfrm>
-            <a:off x="111408" y="297366"/>
-            <a:ext cx="6248231" cy="7017834"/>
-          </a:xfrm>
-          <a:prstGeom prst="horizontalScroll">
-            <a:avLst/>
-          </a:prstGeom>
-          <a:solidFill>
-            <a:schemeClr val="accent6">
-              <a:lumMod val="75000"/>
-            </a:schemeClr>
-          </a:solidFill>
-        </p:spPr>
-        <p:style>
-          <a:lnRef idx="2">
-            <a:schemeClr val="accent1">
-              <a:shade val="50000"/>
-            </a:schemeClr>
-          </a:lnRef>
-          <a:fillRef idx="1">
-            <a:schemeClr val="accent1"/>
-          </a:fillRef>
-          <a:effectRef idx="0">
-            <a:schemeClr val="accent1"/>
-          </a:effectRef>
-          <a:fontRef idx="minor">
-            <a:schemeClr val="lt1"/>
-          </a:fontRef>
-        </p:style>
-        <p:txBody>
-          <a:bodyPr rtlCol="0" anchor="ctr"/>
-          <a:lstStyle/>
-          <a:p>
-            <a:r>
-              <a:rPr lang="en-US" sz="1200" dirty="0">
-                <a:solidFill>
-                  <a:schemeClr val="tx1">
-                    <a:lumMod val="95000"/>
-                    <a:lumOff val="5000"/>
-                  </a:schemeClr>
-                </a:solidFill>
-              </a:rPr>
-              <a:t>(1) </a:t>
-            </a:r>
-            <a:r>
-              <a:rPr lang="en-US" sz="1600" i="1" dirty="0"/>
-              <a:t>Why do the nations rage, And the people plot a vain thing?</a:t>
-            </a:r>
-            <a:r>
-              <a:rPr lang="en-US" sz="1600" dirty="0"/>
-              <a:t> </a:t>
-            </a:r>
-            <a:r>
-              <a:rPr lang="en-US" sz="1200" dirty="0">
-                <a:solidFill>
-                  <a:schemeClr val="tx1">
-                    <a:lumMod val="95000"/>
-                    <a:lumOff val="5000"/>
-                  </a:schemeClr>
-                </a:solidFill>
-              </a:rPr>
-              <a:t>(2)</a:t>
-            </a:r>
-            <a:r>
-              <a:rPr lang="en-US" sz="1600" dirty="0"/>
-              <a:t> </a:t>
-            </a:r>
-            <a:r>
-              <a:rPr lang="en-US" sz="1600" i="1" dirty="0"/>
-              <a:t>The kings of the earth set themselves, And the rulers take counsel together, Against the LORD and against His Anointed, saying, </a:t>
-            </a:r>
-            <a:r>
-              <a:rPr lang="en-US" sz="1200" dirty="0">
-                <a:solidFill>
-                  <a:schemeClr val="tx1">
-                    <a:lumMod val="95000"/>
-                    <a:lumOff val="5000"/>
-                  </a:schemeClr>
-                </a:solidFill>
-              </a:rPr>
-              <a:t>(3)</a:t>
-            </a:r>
-            <a:r>
-              <a:rPr lang="en-US" sz="1600" dirty="0"/>
-              <a:t> "</a:t>
-            </a:r>
-            <a:r>
-              <a:rPr lang="en-US" sz="1600" i="1" dirty="0"/>
-              <a:t>Let us break Their bonds in pieces And cast away Their cords from us.</a:t>
-            </a:r>
-            <a:r>
-              <a:rPr lang="en-US" sz="1600" dirty="0"/>
-              <a:t>" </a:t>
-            </a:r>
-            <a:r>
-              <a:rPr lang="en-US" sz="1200" dirty="0">
-                <a:solidFill>
-                  <a:schemeClr val="tx1">
-                    <a:lumMod val="95000"/>
-                    <a:lumOff val="5000"/>
-                  </a:schemeClr>
-                </a:solidFill>
-              </a:rPr>
-              <a:t>(4)</a:t>
-            </a:r>
-            <a:r>
-              <a:rPr lang="en-US" sz="1600" dirty="0"/>
-              <a:t> He who sits in the heavens shall laugh; The LORD shall hold them in derision. </a:t>
-            </a:r>
-            <a:r>
-              <a:rPr lang="en-US" sz="1200" dirty="0">
-                <a:solidFill>
-                  <a:schemeClr val="tx1">
-                    <a:lumMod val="95000"/>
-                    <a:lumOff val="5000"/>
-                  </a:schemeClr>
-                </a:solidFill>
-              </a:rPr>
-              <a:t>(5)</a:t>
-            </a:r>
-            <a:r>
-              <a:rPr lang="en-US" sz="1600" dirty="0"/>
-              <a:t> Then He shall speak to them in His wrath, And distress them in His deep displeasure:  </a:t>
-            </a:r>
-            <a:r>
-              <a:rPr lang="en-US" sz="1200" dirty="0">
-                <a:solidFill>
-                  <a:schemeClr val="tx1">
-                    <a:lumMod val="95000"/>
-                    <a:lumOff val="5000"/>
-                  </a:schemeClr>
-                </a:solidFill>
-              </a:rPr>
-              <a:t>(6)</a:t>
-            </a:r>
-            <a:r>
-              <a:rPr lang="en-US" sz="1600" dirty="0"/>
-              <a:t> "Yet I have set My King On My holy hill of Zion."  </a:t>
-            </a:r>
-            <a:r>
-              <a:rPr lang="en-US" sz="1200" dirty="0">
-                <a:solidFill>
-                  <a:schemeClr val="tx1">
-                    <a:lumMod val="95000"/>
-                    <a:lumOff val="5000"/>
-                  </a:schemeClr>
-                </a:solidFill>
-              </a:rPr>
-              <a:t>(7)</a:t>
-            </a:r>
-            <a:r>
-              <a:rPr lang="en-US" sz="1600" dirty="0"/>
-              <a:t> "</a:t>
-            </a:r>
-            <a:r>
-              <a:rPr lang="en-US" sz="1600" b="1" i="1" dirty="0"/>
-              <a:t>I will declare the decree: The LORD has said to Me, </a:t>
-            </a:r>
-            <a:r>
-              <a:rPr lang="en-US" sz="1600" b="1" i="1" u="sng" dirty="0"/>
-              <a:t>'You are My Son, Today I have begotten You</a:t>
-            </a:r>
-            <a:r>
-              <a:rPr lang="en-US" sz="1600" dirty="0"/>
-              <a:t>. </a:t>
-            </a:r>
-            <a:r>
-              <a:rPr lang="en-US" sz="1200" dirty="0">
-                <a:solidFill>
-                  <a:schemeClr val="tx1">
-                    <a:lumMod val="95000"/>
-                    <a:lumOff val="5000"/>
-                  </a:schemeClr>
-                </a:solidFill>
-              </a:rPr>
-              <a:t>(8)</a:t>
-            </a:r>
-            <a:r>
-              <a:rPr lang="en-US" sz="1600" dirty="0"/>
-              <a:t> </a:t>
-            </a:r>
-            <a:r>
-              <a:rPr lang="en-US" sz="1600" b="1" i="1" dirty="0"/>
-              <a:t>Ask of Me, and I will give You The nations for Your inheritance, And the ends of the earth for Your possession</a:t>
-            </a:r>
-            <a:r>
-              <a:rPr lang="en-US" sz="1600" dirty="0"/>
-              <a:t>. </a:t>
-            </a:r>
-            <a:r>
-              <a:rPr lang="en-US" sz="1200" dirty="0">
-                <a:solidFill>
-                  <a:schemeClr val="tx1">
-                    <a:lumMod val="95000"/>
-                    <a:lumOff val="5000"/>
-                  </a:schemeClr>
-                </a:solidFill>
-              </a:rPr>
-              <a:t>(9)</a:t>
-            </a:r>
-            <a:r>
-              <a:rPr lang="en-US" sz="1600" dirty="0"/>
-              <a:t> </a:t>
-            </a:r>
-            <a:r>
-              <a:rPr lang="en-US" sz="1600" b="1" i="1" dirty="0"/>
-              <a:t>You shall break them with a rod of iron</a:t>
-            </a:r>
-            <a:r>
-              <a:rPr lang="en-US" sz="1600" i="1" dirty="0"/>
-              <a:t>; </a:t>
-            </a:r>
-            <a:r>
-              <a:rPr lang="en-US" sz="1600" b="1" i="1" dirty="0"/>
-              <a:t>You shall dash them to pieces like a potter's vessel.'</a:t>
-            </a:r>
-            <a:r>
-              <a:rPr lang="en-US" sz="1600" b="1" dirty="0"/>
-              <a:t> </a:t>
-            </a:r>
-            <a:r>
-              <a:rPr lang="en-US" sz="1600" dirty="0"/>
-              <a:t>" </a:t>
-            </a:r>
-            <a:r>
-              <a:rPr lang="en-US" sz="1200" dirty="0">
-                <a:solidFill>
-                  <a:schemeClr val="tx1">
-                    <a:lumMod val="95000"/>
-                    <a:lumOff val="5000"/>
-                  </a:schemeClr>
-                </a:solidFill>
-              </a:rPr>
-              <a:t>(10) </a:t>
-            </a:r>
-            <a:r>
-              <a:rPr lang="en-US" sz="1600" i="1" dirty="0"/>
-              <a:t>Now therefore, be wise, O kings; Be instructed, you judges of the earth.</a:t>
-            </a:r>
-            <a:r>
-              <a:rPr lang="en-US" sz="1600" dirty="0"/>
-              <a:t> </a:t>
-            </a:r>
-            <a:r>
-              <a:rPr lang="en-US" sz="1200" dirty="0">
-                <a:solidFill>
-                  <a:schemeClr val="tx1">
-                    <a:lumMod val="95000"/>
-                    <a:lumOff val="5000"/>
-                  </a:schemeClr>
-                </a:solidFill>
-              </a:rPr>
-              <a:t>(11) </a:t>
-            </a:r>
-            <a:r>
-              <a:rPr lang="en-US" sz="1600" i="1" dirty="0"/>
-              <a:t>Serve the LORD with fear, And rejoice with trembling. </a:t>
-            </a:r>
-            <a:r>
-              <a:rPr lang="en-US" sz="1200" dirty="0">
-                <a:solidFill>
-                  <a:schemeClr val="tx1">
-                    <a:lumMod val="95000"/>
-                    <a:lumOff val="5000"/>
-                  </a:schemeClr>
-                </a:solidFill>
-              </a:rPr>
-              <a:t>(12) </a:t>
-            </a:r>
-            <a:r>
-              <a:rPr lang="en-US" sz="1600" i="1" dirty="0"/>
-              <a:t>Kiss the Son, lest He be angry, And you perish in the way, When His wrath is kindled but a little. Blessed are all those who put their trust in Him</a:t>
-            </a:r>
-            <a:r>
-              <a:rPr lang="en-US" sz="1600" dirty="0"/>
-              <a:t>.</a:t>
-            </a:r>
-          </a:p>
-        </p:txBody>
-      </p:sp>
-      <p:sp>
-        <p:nvSpPr>
-          <p:cNvPr id="4" name="Scroll: Horizontal 3">
-            <a:extLst>
-              <a:ext uri="{FF2B5EF4-FFF2-40B4-BE49-F238E27FC236}">
-                <a16:creationId xmlns:a16="http://schemas.microsoft.com/office/drawing/2014/main" id="{7E38A61F-52E0-9918-FDBF-3711584A7741}"/>
-              </a:ext>
-            </a:extLst>
-          </p:cNvPr>
-          <p:cNvSpPr/>
-          <p:nvPr/>
-        </p:nvSpPr>
-        <p:spPr>
-          <a:xfrm>
-            <a:off x="6412324" y="297366"/>
-            <a:ext cx="2620268" cy="6445825"/>
-          </a:xfrm>
-          <a:prstGeom prst="horizontalScroll">
-            <a:avLst/>
-          </a:prstGeom>
-          <a:solidFill>
-            <a:schemeClr val="accent1">
-              <a:lumMod val="75000"/>
-            </a:schemeClr>
-          </a:solidFill>
-          <a:ln>
-            <a:solidFill>
-              <a:schemeClr val="accent6">
-                <a:lumMod val="75000"/>
-              </a:schemeClr>
-            </a:solidFill>
-          </a:ln>
-        </p:spPr>
-        <p:style>
-          <a:lnRef idx="2">
-            <a:schemeClr val="accent1">
-              <a:shade val="50000"/>
-            </a:schemeClr>
-          </a:lnRef>
-          <a:fillRef idx="1">
-            <a:schemeClr val="accent1"/>
-          </a:fillRef>
-          <a:effectRef idx="0">
-            <a:schemeClr val="accent1"/>
-          </a:effectRef>
-          <a:fontRef idx="minor">
-            <a:schemeClr val="lt1"/>
-          </a:fontRef>
-        </p:style>
-        <p:txBody>
-          <a:bodyPr rtlCol="0" anchor="ctr"/>
-          <a:lstStyle/>
-          <a:p>
-            <a:r>
-              <a:rPr lang="en-US" sz="1600" dirty="0"/>
-              <a:t>How many speakers?</a:t>
-            </a:r>
-          </a:p>
-          <a:p>
-            <a:endParaRPr lang="en-US" dirty="0"/>
-          </a:p>
-          <a:p>
-            <a:r>
-              <a:rPr lang="en-US" sz="1200" dirty="0"/>
-              <a:t>(v1-3) </a:t>
-            </a:r>
-            <a:r>
-              <a:rPr lang="en-US" sz="1400" dirty="0"/>
-              <a:t>The voice of rebellion, man in </a:t>
-            </a:r>
-            <a:r>
-              <a:rPr lang="en-US" sz="1400" u="sng" dirty="0"/>
-              <a:t>revolt</a:t>
-            </a:r>
-          </a:p>
-          <a:p>
-            <a:r>
-              <a:rPr lang="en-US" sz="1400" dirty="0"/>
-              <a:t> </a:t>
-            </a:r>
-          </a:p>
-          <a:p>
-            <a:r>
-              <a:rPr lang="en-US" sz="1200" dirty="0"/>
-              <a:t>(v4-6) </a:t>
-            </a:r>
-            <a:r>
-              <a:rPr lang="en-US" sz="1400" dirty="0"/>
-              <a:t>God in His </a:t>
-            </a:r>
-            <a:r>
-              <a:rPr lang="en-US" sz="1400" u="sng" dirty="0"/>
-              <a:t>wrath</a:t>
-            </a:r>
-          </a:p>
-          <a:p>
-            <a:endParaRPr lang="en-US" sz="1400" u="sng" dirty="0"/>
-          </a:p>
-          <a:p>
-            <a:r>
-              <a:rPr lang="en-US" sz="1200" dirty="0"/>
-              <a:t>(v7-9) </a:t>
-            </a:r>
-            <a:r>
-              <a:rPr lang="en-US" sz="1400" u="sng" dirty="0"/>
-              <a:t>Revelation</a:t>
-            </a:r>
-            <a:r>
-              <a:rPr lang="en-US" sz="1400" dirty="0"/>
-              <a:t> of the Son</a:t>
-            </a:r>
-          </a:p>
-          <a:p>
-            <a:endParaRPr lang="en-US" sz="1400" dirty="0"/>
-          </a:p>
-          <a:p>
-            <a:r>
-              <a:rPr lang="en-US" sz="1200" dirty="0"/>
-              <a:t>(v10-12) </a:t>
-            </a:r>
-            <a:r>
-              <a:rPr lang="en-US" sz="1400" dirty="0"/>
-              <a:t>The Spirit calls to </a:t>
-            </a:r>
-            <a:r>
-              <a:rPr lang="en-US" sz="1400" u="sng" dirty="0"/>
-              <a:t>reconciliation</a:t>
-            </a:r>
-          </a:p>
-          <a:p>
-            <a:endParaRPr lang="en-US" sz="1400" u="sng" dirty="0"/>
-          </a:p>
-          <a:p>
-            <a:r>
-              <a:rPr lang="en-US" sz="1400" dirty="0"/>
-              <a:t>Foreshadowing of Events:</a:t>
-            </a:r>
-          </a:p>
-          <a:p>
-            <a:pPr marL="342900" indent="-342900">
-              <a:buAutoNum type="arabicPeriod"/>
-            </a:pPr>
-            <a:r>
-              <a:rPr lang="en-US" sz="1400" dirty="0"/>
-              <a:t>Acts 4:8-30</a:t>
-            </a:r>
-          </a:p>
-          <a:p>
-            <a:pPr marL="342900" indent="-342900">
-              <a:buAutoNum type="arabicPeriod"/>
-            </a:pPr>
-            <a:r>
-              <a:rPr lang="en-US" sz="1400" dirty="0"/>
-              <a:t>Acts 13:16-52</a:t>
-            </a:r>
-          </a:p>
-        </p:txBody>
-      </p:sp>
-      <p:sp>
-        <p:nvSpPr>
-          <p:cNvPr id="3" name="TextBox 2">
-            <a:extLst>
-              <a:ext uri="{FF2B5EF4-FFF2-40B4-BE49-F238E27FC236}">
-                <a16:creationId xmlns:a16="http://schemas.microsoft.com/office/drawing/2014/main" id="{4B1D0702-ED0C-9281-90FA-971EC99129C7}"/>
-              </a:ext>
-            </a:extLst>
-          </p:cNvPr>
-          <p:cNvSpPr txBox="1"/>
-          <p:nvPr/>
-        </p:nvSpPr>
-        <p:spPr>
-          <a:xfrm>
-            <a:off x="8251152" y="6496970"/>
-            <a:ext cx="511679" cy="246221"/>
-          </a:xfrm>
-          <a:prstGeom prst="rect">
-            <a:avLst/>
-          </a:prstGeom>
-          <a:noFill/>
-        </p:spPr>
-        <p:txBody>
-          <a:bodyPr wrap="none" rtlCol="0">
-            <a:spAutoFit/>
-          </a:bodyPr>
-          <a:lstStyle/>
-          <a:p>
-            <a:r>
-              <a:rPr lang="en-US" sz="1000" dirty="0"/>
-              <a:t>NKJV</a:t>
-            </a:r>
-          </a:p>
-        </p:txBody>
-      </p:sp>
-    </p:spTree>
-    <p:extLst>
-      <p:ext uri="{BB962C8B-B14F-4D97-AF65-F5344CB8AC3E}">
-        <p14:creationId xmlns:p14="http://schemas.microsoft.com/office/powerpoint/2010/main" val="3351446403"/>
-      </p:ext>
-    </p:extLst>
-  </p:cSld>
-  <p:clrMapOvr>
-    <a:masterClrMapping/>
-  </p:clrMapOvr>
-  <p:timing>
-    <p:tnLst>
-      <p:par>
-        <p:cTn id="1" dur="indefinite" restart="never" nodeType="tmRoot">
-          <p:childTnLst>
-            <p:seq concurrent="1" nextAc="seek">
-              <p:cTn id="2" dur="indefinite" nodeType="mainSeq">
-                <p:childTnLst>
-                  <p:par>
-                    <p:cTn id="3" fill="hold">
-                      <p:stCondLst>
-                        <p:cond delay="indefinite"/>
-                      </p:stCondLst>
-                      <p:childTnLst>
-                        <p:par>
-                          <p:cTn id="4" fill="hold">
-                            <p:stCondLst>
-                              <p:cond delay="0"/>
-                            </p:stCondLst>
-                            <p:childTnLst>
-                              <p:par>
-                                <p:cTn id="5" presetID="42" presetClass="entr" presetSubtype="0" fill="hold" grpId="0" nodeType="clickEffect">
-                                  <p:stCondLst>
-                                    <p:cond delay="0"/>
-                                  </p:stCondLst>
-                                  <p:childTnLst>
-                                    <p:set>
-                                      <p:cBhvr>
-                                        <p:cTn id="6" dur="1" fill="hold">
-                                          <p:stCondLst>
-                                            <p:cond delay="0"/>
-                                          </p:stCondLst>
-                                        </p:cTn>
-                                        <p:tgtEl>
-                                          <p:spTgt spid="5"/>
-                                        </p:tgtEl>
-                                        <p:attrNameLst>
-                                          <p:attrName>style.visibility</p:attrName>
-                                        </p:attrNameLst>
-                                      </p:cBhvr>
-                                      <p:to>
-                                        <p:strVal val="visible"/>
-                                      </p:to>
-                                    </p:set>
-                                    <p:animEffect transition="in" filter="fade">
-                                      <p:cBhvr>
-                                        <p:cTn id="7" dur="1000"/>
-                                        <p:tgtEl>
-                                          <p:spTgt spid="5"/>
-                                        </p:tgtEl>
-                                      </p:cBhvr>
-                                    </p:animEffect>
-                                    <p:anim calcmode="lin" valueType="num">
-                                      <p:cBhvr>
-                                        <p:cTn id="8" dur="1000" fill="hold"/>
-                                        <p:tgtEl>
-                                          <p:spTgt spid="5"/>
-                                        </p:tgtEl>
-                                        <p:attrNameLst>
-                                          <p:attrName>ppt_x</p:attrName>
-                                        </p:attrNameLst>
-                                      </p:cBhvr>
-                                      <p:tavLst>
-                                        <p:tav tm="0">
-                                          <p:val>
-                                            <p:strVal val="#ppt_x"/>
-                                          </p:val>
-                                        </p:tav>
-                                        <p:tav tm="100000">
-                                          <p:val>
-                                            <p:strVal val="#ppt_x"/>
-                                          </p:val>
-                                        </p:tav>
-                                      </p:tavLst>
-                                    </p:anim>
-                                    <p:anim calcmode="lin" valueType="num">
-                                      <p:cBhvr>
-                                        <p:cTn id="9" dur="1000" fill="hold"/>
-                                        <p:tgtEl>
-                                          <p:spTgt spid="5"/>
-                                        </p:tgtEl>
-                                        <p:attrNameLst>
-                                          <p:attrName>ppt_y</p:attrName>
-                                        </p:attrNameLst>
-                                      </p:cBhvr>
-                                      <p:tavLst>
-                                        <p:tav tm="0">
-                                          <p:val>
-                                            <p:strVal val="#ppt_y+.1"/>
-                                          </p:val>
-                                        </p:tav>
-                                        <p:tav tm="100000">
-                                          <p:val>
-                                            <p:strVal val="#ppt_y"/>
-                                          </p:val>
-                                        </p:tav>
-                                      </p:tavLst>
-                                    </p:anim>
-                                  </p:childTnLst>
-                                </p:cTn>
-                              </p:par>
-                            </p:childTnLst>
-                          </p:cTn>
-                        </p:par>
-                      </p:childTnLst>
-                    </p:cTn>
-                  </p:par>
-                  <p:par>
-                    <p:cTn id="10" fill="hold">
-                      <p:stCondLst>
-                        <p:cond delay="indefinite"/>
-                      </p:stCondLst>
-                      <p:childTnLst>
-                        <p:par>
-                          <p:cTn id="11" fill="hold">
-                            <p:stCondLst>
-                              <p:cond delay="0"/>
-                            </p:stCondLst>
-                            <p:childTnLst>
-                              <p:par>
-                                <p:cTn id="12" presetID="42" presetClass="entr" presetSubtype="0" fill="hold" grpId="0" nodeType="clickEffect">
-                                  <p:stCondLst>
-                                    <p:cond delay="0"/>
-                                  </p:stCondLst>
-                                  <p:childTnLst>
-                                    <p:set>
-                                      <p:cBhvr>
-                                        <p:cTn id="13" dur="1" fill="hold">
-                                          <p:stCondLst>
-                                            <p:cond delay="0"/>
-                                          </p:stCondLst>
-                                        </p:cTn>
-                                        <p:tgtEl>
-                                          <p:spTgt spid="4"/>
-                                        </p:tgtEl>
-                                        <p:attrNameLst>
-                                          <p:attrName>style.visibility</p:attrName>
-                                        </p:attrNameLst>
-                                      </p:cBhvr>
-                                      <p:to>
-                                        <p:strVal val="visible"/>
-                                      </p:to>
-                                    </p:set>
-                                    <p:animEffect transition="in" filter="fade">
-                                      <p:cBhvr>
-                                        <p:cTn id="14" dur="1000"/>
-                                        <p:tgtEl>
-                                          <p:spTgt spid="4"/>
-                                        </p:tgtEl>
-                                      </p:cBhvr>
-                                    </p:animEffect>
-                                    <p:anim calcmode="lin" valueType="num">
-                                      <p:cBhvr>
-                                        <p:cTn id="15" dur="1000" fill="hold"/>
-                                        <p:tgtEl>
-                                          <p:spTgt spid="4"/>
-                                        </p:tgtEl>
-                                        <p:attrNameLst>
-                                          <p:attrName>ppt_x</p:attrName>
-                                        </p:attrNameLst>
-                                      </p:cBhvr>
-                                      <p:tavLst>
-                                        <p:tav tm="0">
-                                          <p:val>
-                                            <p:strVal val="#ppt_x"/>
-                                          </p:val>
-                                        </p:tav>
-                                        <p:tav tm="100000">
-                                          <p:val>
-                                            <p:strVal val="#ppt_x"/>
-                                          </p:val>
-                                        </p:tav>
-                                      </p:tavLst>
-                                    </p:anim>
-                                    <p:anim calcmode="lin" valueType="num">
-                                      <p:cBhvr>
-                                        <p:cTn id="16" dur="1000" fill="hold"/>
-                                        <p:tgtEl>
-                                          <p:spTgt spid="4"/>
-                                        </p:tgtEl>
-                                        <p:attrNameLst>
-                                          <p:attrName>ppt_y</p:attrName>
-                                        </p:attrNameLst>
-                                      </p:cBhvr>
-                                      <p:tavLst>
-                                        <p:tav tm="0">
-                                          <p:val>
-                                            <p:strVal val="#ppt_y+.1"/>
-                                          </p:val>
-                                        </p:tav>
-                                        <p:tav tm="100000">
-                                          <p:val>
-                                            <p:strVal val="#ppt_y"/>
-                                          </p:val>
-                                        </p:tav>
-                                      </p:tavLst>
-                                    </p:anim>
-                                  </p:childTnLst>
-                                </p:cTn>
-                              </p:par>
-                            </p:childTnLst>
-                          </p:cTn>
-                        </p:par>
-                      </p:childTnLst>
-                    </p:cTn>
-                  </p:par>
-                </p:childTnLst>
-              </p:cTn>
-              <p:prevCondLst>
-                <p:cond evt="onPrev" delay="0">
-                  <p:tgtEl>
-                    <p:sldTgt/>
-                  </p:tgtEl>
-                </p:cond>
-              </p:prevCondLst>
-              <p:nextCondLst>
-                <p:cond evt="onNext" delay="0">
-                  <p:tgtEl>
-                    <p:sldTgt/>
-                  </p:tgtEl>
-                </p:cond>
-              </p:nextCondLst>
-            </p:seq>
-          </p:childTnLst>
-        </p:cTn>
-      </p:par>
-    </p:tnLst>
-    <p:bldLst>
-      <p:bldP spid="5" grpId="0" animBg="1"/>
-      <p:bldP spid="4" grpId="0" animBg="1"/>
-    </p:bldLst>
-  </p:timing>
-</p:sld>
-</file>
-
-<file path=ppt/slides/slide6.xml><?xml version="1.0" encoding="utf-8"?>
+<file path=ppt/slides/slide4.xml><?xml version="1.0" encoding="utf-8"?>
 <p:sld xmlns:a="http://schemas.openxmlformats.org/drawingml/2006/main" xmlns:r="http://schemas.openxmlformats.org/officeDocument/2006/relationships" xmlns:p="http://schemas.openxmlformats.org/presentationml/2006/main">
   <p:cSld>
     <p:spTree>
@@ -21894,7 +19311,7 @@
           <a:p>
             <a:r>
               <a:rPr lang="en-US" dirty="0"/>
-              <a:t>“What is man...?” (Why? Meaning)</a:t>
+              <a:t>“What is man...?” (Why? Origins, Meaning)</a:t>
             </a:r>
           </a:p>
           <a:p>
@@ -21903,26 +19320,26 @@
           <a:p>
             <a:r>
               <a:rPr lang="en-US" dirty="0"/>
-              <a:t>Hebrews 2 (Destiny)</a:t>
+              <a:t>“And the son of Man…” (Why the one Just Man?)</a:t>
             </a:r>
           </a:p>
           <a:p>
             <a:endParaRPr lang="en-US" dirty="0"/>
           </a:p>
           <a:p>
-            <a:endParaRPr lang="en-US" dirty="0"/>
+            <a:r>
+              <a:rPr lang="en-US" dirty="0"/>
+              <a:t>Why the “high view” of Man?</a:t>
+            </a:r>
           </a:p>
           <a:p>
             <a:endParaRPr lang="en-US" dirty="0"/>
           </a:p>
           <a:p>
-            <a:endParaRPr lang="en-US" dirty="0"/>
-          </a:p>
-          <a:p>
-            <a:endParaRPr lang="en-US" dirty="0"/>
-          </a:p>
-          <a:p>
-            <a:endParaRPr lang="en-US" dirty="0"/>
+            <a:r>
+              <a:rPr lang="en-US" dirty="0"/>
+              <a:t>Hebrews 2 (Destiny)</a:t>
+            </a:r>
           </a:p>
         </p:txBody>
       </p:sp>
@@ -22522,6 +19939,236 @@
                       </p:childTnLst>
                     </p:cTn>
                   </p:par>
+                  <p:par>
+                    <p:cTn id="38" fill="hold">
+                      <p:stCondLst>
+                        <p:cond delay="indefinite"/>
+                      </p:stCondLst>
+                      <p:childTnLst>
+                        <p:par>
+                          <p:cTn id="39" fill="hold">
+                            <p:stCondLst>
+                              <p:cond delay="0"/>
+                            </p:stCondLst>
+                            <p:childTnLst>
+                              <p:par>
+                                <p:cTn id="40" presetID="42" presetClass="entr" presetSubtype="0" fill="hold" nodeType="clickEffect">
+                                  <p:stCondLst>
+                                    <p:cond delay="0"/>
+                                  </p:stCondLst>
+                                  <p:childTnLst>
+                                    <p:set>
+                                      <p:cBhvr>
+                                        <p:cTn id="41" dur="1" fill="hold">
+                                          <p:stCondLst>
+                                            <p:cond delay="0"/>
+                                          </p:stCondLst>
+                                        </p:cTn>
+                                        <p:tgtEl>
+                                          <p:spTgt spid="4">
+                                            <p:txEl>
+                                              <p:pRg st="6" end="6"/>
+                                            </p:txEl>
+                                          </p:spTgt>
+                                        </p:tgtEl>
+                                        <p:attrNameLst>
+                                          <p:attrName>style.visibility</p:attrName>
+                                        </p:attrNameLst>
+                                      </p:cBhvr>
+                                      <p:to>
+                                        <p:strVal val="visible"/>
+                                      </p:to>
+                                    </p:set>
+                                    <p:animEffect transition="in" filter="fade">
+                                      <p:cBhvr>
+                                        <p:cTn id="42" dur="1000"/>
+                                        <p:tgtEl>
+                                          <p:spTgt spid="4">
+                                            <p:txEl>
+                                              <p:pRg st="6" end="6"/>
+                                            </p:txEl>
+                                          </p:spTgt>
+                                        </p:tgtEl>
+                                      </p:cBhvr>
+                                    </p:animEffect>
+                                    <p:anim calcmode="lin" valueType="num">
+                                      <p:cBhvr>
+                                        <p:cTn id="43" dur="1000" fill="hold"/>
+                                        <p:tgtEl>
+                                          <p:spTgt spid="4">
+                                            <p:txEl>
+                                              <p:pRg st="6" end="6"/>
+                                            </p:txEl>
+                                          </p:spTgt>
+                                        </p:tgtEl>
+                                        <p:attrNameLst>
+                                          <p:attrName>ppt_x</p:attrName>
+                                        </p:attrNameLst>
+                                      </p:cBhvr>
+                                      <p:tavLst>
+                                        <p:tav tm="0">
+                                          <p:val>
+                                            <p:strVal val="#ppt_x"/>
+                                          </p:val>
+                                        </p:tav>
+                                        <p:tav tm="100000">
+                                          <p:val>
+                                            <p:strVal val="#ppt_x"/>
+                                          </p:val>
+                                        </p:tav>
+                                      </p:tavLst>
+                                    </p:anim>
+                                    <p:anim calcmode="lin" valueType="num">
+                                      <p:cBhvr>
+                                        <p:cTn id="44" dur="1000" fill="hold"/>
+                                        <p:tgtEl>
+                                          <p:spTgt spid="4">
+                                            <p:txEl>
+                                              <p:pRg st="6" end="6"/>
+                                            </p:txEl>
+                                          </p:spTgt>
+                                        </p:tgtEl>
+                                        <p:attrNameLst>
+                                          <p:attrName>ppt_y</p:attrName>
+                                        </p:attrNameLst>
+                                      </p:cBhvr>
+                                      <p:tavLst>
+                                        <p:tav tm="0">
+                                          <p:val>
+                                            <p:strVal val="#ppt_y+.1"/>
+                                          </p:val>
+                                        </p:tav>
+                                        <p:tav tm="100000">
+                                          <p:val>
+                                            <p:strVal val="#ppt_y"/>
+                                          </p:val>
+                                        </p:tav>
+                                      </p:tavLst>
+                                    </p:anim>
+                                  </p:childTnLst>
+                                </p:cTn>
+                              </p:par>
+                            </p:childTnLst>
+                          </p:cTn>
+                        </p:par>
+                      </p:childTnLst>
+                    </p:cTn>
+                  </p:par>
+                  <p:par>
+                    <p:cTn id="45" fill="hold">
+                      <p:stCondLst>
+                        <p:cond delay="indefinite"/>
+                      </p:stCondLst>
+                      <p:childTnLst>
+                        <p:par>
+                          <p:cTn id="46" fill="hold">
+                            <p:stCondLst>
+                              <p:cond delay="0"/>
+                            </p:stCondLst>
+                            <p:childTnLst>
+                              <p:par>
+                                <p:cTn id="47" presetID="42" presetClass="entr" presetSubtype="0" fill="hold" nodeType="clickEffect">
+                                  <p:stCondLst>
+                                    <p:cond delay="0"/>
+                                  </p:stCondLst>
+                                  <p:childTnLst>
+                                    <p:set>
+                                      <p:cBhvr>
+                                        <p:cTn id="48" dur="1" fill="hold">
+                                          <p:stCondLst>
+                                            <p:cond delay="0"/>
+                                          </p:stCondLst>
+                                        </p:cTn>
+                                        <p:tgtEl>
+                                          <p:spTgt spid="4">
+                                            <p:txEl>
+                                              <p:pRg st="8" end="8"/>
+                                            </p:txEl>
+                                          </p:spTgt>
+                                        </p:tgtEl>
+                                        <p:attrNameLst>
+                                          <p:attrName>style.visibility</p:attrName>
+                                        </p:attrNameLst>
+                                      </p:cBhvr>
+                                      <p:to>
+                                        <p:strVal val="visible"/>
+                                      </p:to>
+                                    </p:set>
+                                    <p:animEffect transition="in" filter="fade">
+                                      <p:cBhvr>
+                                        <p:cTn id="49" dur="1000"/>
+                                        <p:tgtEl>
+                                          <p:spTgt spid="4">
+                                            <p:txEl>
+                                              <p:pRg st="8" end="8"/>
+                                            </p:txEl>
+                                          </p:spTgt>
+                                        </p:tgtEl>
+                                      </p:cBhvr>
+                                    </p:animEffect>
+                                    <p:anim calcmode="lin" valueType="num">
+                                      <p:cBhvr>
+                                        <p:cTn id="50" dur="1000" fill="hold"/>
+                                        <p:tgtEl>
+                                          <p:spTgt spid="4">
+                                            <p:txEl>
+                                              <p:pRg st="8" end="8"/>
+                                            </p:txEl>
+                                          </p:spTgt>
+                                        </p:tgtEl>
+                                        <p:attrNameLst>
+                                          <p:attrName>ppt_x</p:attrName>
+                                        </p:attrNameLst>
+                                      </p:cBhvr>
+                                      <p:tavLst>
+                                        <p:tav tm="0">
+                                          <p:val>
+                                            <p:strVal val="#ppt_x"/>
+                                          </p:val>
+                                        </p:tav>
+                                        <p:tav tm="100000">
+                                          <p:val>
+                                            <p:strVal val="#ppt_x"/>
+                                          </p:val>
+                                        </p:tav>
+                                      </p:tavLst>
+                                    </p:anim>
+                                    <p:anim calcmode="lin" valueType="num">
+                                      <p:cBhvr>
+                                        <p:cTn id="51" dur="1000" fill="hold"/>
+                                        <p:tgtEl>
+                                          <p:spTgt spid="4">
+                                            <p:txEl>
+                                              <p:pRg st="8" end="8"/>
+                                            </p:txEl>
+                                          </p:spTgt>
+                                        </p:tgtEl>
+                                        <p:attrNameLst>
+                                          <p:attrName>ppt_y</p:attrName>
+                                        </p:attrNameLst>
+                                      </p:cBhvr>
+                                      <p:tavLst>
+                                        <p:tav tm="0">
+                                          <p:val>
+                                            <p:strVal val="#ppt_y+.1"/>
+                                          </p:val>
+                                        </p:tav>
+                                        <p:tav tm="100000">
+                                          <p:val>
+                                            <p:strVal val="#ppt_y"/>
+                                          </p:val>
+                                        </p:tav>
+                                      </p:tavLst>
+                                    </p:anim>
+                                  </p:childTnLst>
+                                </p:cTn>
+                              </p:par>
+                            </p:childTnLst>
+                          </p:cTn>
+                        </p:par>
+                      </p:childTnLst>
+                    </p:cTn>
+                  </p:par>
                 </p:childTnLst>
               </p:cTn>
               <p:prevCondLst>
@@ -22551,18 +20198,12 @@
 </p:sld>
 </file>
 
-<file path=ppt/slides/slide7.xml><?xml version="1.0" encoding="utf-8"?>
+<file path=ppt/slides/slide5.xml><?xml version="1.0" encoding="utf-8"?>
 <p:sld xmlns:a="http://schemas.openxmlformats.org/drawingml/2006/main" xmlns:r="http://schemas.openxmlformats.org/officeDocument/2006/relationships" xmlns:p="http://schemas.openxmlformats.org/presentationml/2006/main">
   <p:cSld>
     <p:spTree>
       <p:nvGrpSpPr>
-        <p:cNvPr id="1" name="">
-          <a:extLst>
-            <a:ext uri="{FF2B5EF4-FFF2-40B4-BE49-F238E27FC236}">
-              <a16:creationId xmlns:a16="http://schemas.microsoft.com/office/drawing/2014/main" id="{FCFC7CEE-CD2B-3104-D106-97BA0F387691}"/>
-            </a:ext>
-          </a:extLst>
-        </p:cNvPr>
+        <p:cNvPr id="1" name=""/>
         <p:cNvGrpSpPr/>
         <p:nvPr/>
       </p:nvGrpSpPr>
@@ -22576,10 +20217,199 @@
       </p:grpSpPr>
       <p:sp>
         <p:nvSpPr>
-          <p:cNvPr id="2" name="Title 1">
+          <p:cNvPr id="3" name="Content Placeholder 2">
             <a:extLst>
               <a:ext uri="{FF2B5EF4-FFF2-40B4-BE49-F238E27FC236}">
-                <a16:creationId xmlns:a16="http://schemas.microsoft.com/office/drawing/2014/main" id="{FA33D1A3-FD7C-E008-7382-CD8713358C4E}"/>
+                <a16:creationId xmlns:a16="http://schemas.microsoft.com/office/drawing/2014/main" id="{ABB37065-F1F1-37BA-D78B-5906927B612C}"/>
+              </a:ext>
+            </a:extLst>
+          </p:cNvPr>
+          <p:cNvSpPr>
+            <a:spLocks noGrp="1"/>
+          </p:cNvSpPr>
+          <p:nvPr>
+            <p:ph idx="1"/>
+          </p:nvPr>
+        </p:nvSpPr>
+        <p:spPr>
+          <a:xfrm>
+            <a:off x="457200" y="926253"/>
+            <a:ext cx="8229600" cy="5105400"/>
+          </a:xfrm>
+        </p:spPr>
+        <p:txBody>
+          <a:bodyPr/>
+          <a:lstStyle/>
+          <a:p>
+            <a:pPr marL="285750" indent="-285750">
+              <a:buFont typeface="Arial" panose="020B0604020202020204" pitchFamily="34" charset="0"/>
+              <a:buChar char="•"/>
+            </a:pPr>
+            <a:r>
+              <a:rPr lang="en-US" sz="2000" i="1" u="sng" dirty="0"/>
+              <a:t>What is man that You are mindful of him</a:t>
+            </a:r>
+            <a:r>
+              <a:rPr lang="en-US" sz="2000" i="1" dirty="0"/>
+              <a:t>, And the son of man that You visit him? For You have made him a little lower than the angels, And You have crowned him with glory and honor.</a:t>
+            </a:r>
+            <a:r>
+              <a:rPr lang="en-US" sz="2000" dirty="0"/>
+              <a:t> </a:t>
+            </a:r>
+            <a:r>
+              <a:rPr lang="en-US" sz="2000" i="1" dirty="0"/>
+              <a:t>You have made him to have dominion over the works of Your hands; You have put all things under his feet… (</a:t>
+            </a:r>
+            <a:r>
+              <a:rPr lang="en-US" sz="2000" i="1" dirty="0" err="1"/>
+              <a:t>Psa</a:t>
+            </a:r>
+            <a:r>
+              <a:rPr lang="en-US" sz="2000" i="1" dirty="0"/>
+              <a:t> 8:4-6)</a:t>
+            </a:r>
+          </a:p>
+          <a:p>
+            <a:pPr marL="285750" indent="-285750">
+              <a:buFont typeface="Arial" panose="020B0604020202020204" pitchFamily="34" charset="0"/>
+              <a:buChar char="•"/>
+            </a:pPr>
+            <a:r>
+              <a:rPr lang="en-US" sz="2000" dirty="0"/>
+              <a:t>Then God said, "</a:t>
+            </a:r>
+            <a:r>
+              <a:rPr lang="en-US" sz="2000" i="1" u="sng" dirty="0"/>
+              <a:t>Let Us make man in Our image, according to Our likeness; </a:t>
+            </a:r>
+            <a:r>
+              <a:rPr lang="en-US" sz="2000" i="1" dirty="0"/>
+              <a:t>let them have dominion</a:t>
+            </a:r>
+            <a:r>
+              <a:rPr lang="en-US" sz="2000" dirty="0"/>
+              <a:t> over the fish of the sea, over the birds of the air, and over the cattle, over all the earth and over every creeping thing that creeps on the earth." </a:t>
+            </a:r>
+            <a:r>
+              <a:rPr lang="en-US" sz="2000" i="1" dirty="0"/>
+              <a:t>So God created man in His own image; in the image of God He created him; male and female He created them</a:t>
+            </a:r>
+            <a:r>
+              <a:rPr lang="en-US" sz="2000" dirty="0"/>
+              <a:t>.  (Gen 1:26-27)</a:t>
+            </a:r>
+            <a:endParaRPr lang="en-US" sz="2000" i="1" dirty="0"/>
+          </a:p>
+          <a:p>
+            <a:pPr marL="285750" indent="-285750">
+              <a:buFont typeface="Arial" panose="020B0604020202020204" pitchFamily="34" charset="0"/>
+              <a:buChar char="•"/>
+            </a:pPr>
+            <a:r>
+              <a:rPr lang="en-US" sz="2000" i="1" u="sng" dirty="0"/>
+              <a:t>For You formed my inward parts</a:t>
+            </a:r>
+            <a:r>
+              <a:rPr lang="en-US" sz="2000" dirty="0"/>
+              <a:t>; You covered me in my mother's womb. I will praise You, for </a:t>
+            </a:r>
+            <a:r>
+              <a:rPr lang="en-US" sz="2000" i="1" u="sng" dirty="0"/>
+              <a:t>I am fearfully and wonderfully made</a:t>
+            </a:r>
+            <a:r>
+              <a:rPr lang="en-US" sz="2000" dirty="0"/>
+              <a:t>; Marvelous are Your works, And that my soul knows very well.  (</a:t>
+            </a:r>
+            <a:r>
+              <a:rPr lang="en-US" sz="2000" dirty="0" err="1"/>
+              <a:t>Psa</a:t>
+            </a:r>
+            <a:r>
+              <a:rPr lang="en-US" sz="2000" dirty="0"/>
+              <a:t> 139:13-14)</a:t>
+            </a:r>
+          </a:p>
+          <a:p>
+            <a:pPr marL="285750" indent="-285750">
+              <a:buFont typeface="Arial" panose="020B0604020202020204" pitchFamily="34" charset="0"/>
+              <a:buChar char="•"/>
+            </a:pPr>
+            <a:r>
+              <a:rPr lang="en-US" sz="2000" i="1" u="sng" dirty="0"/>
+              <a:t>As a father</a:t>
+            </a:r>
+            <a:r>
+              <a:rPr lang="en-US" sz="2000" dirty="0"/>
+              <a:t> </a:t>
+            </a:r>
+            <a:r>
+              <a:rPr lang="en-US" sz="2000" i="1" dirty="0"/>
+              <a:t>pities his children</a:t>
+            </a:r>
+            <a:r>
+              <a:rPr lang="en-US" sz="2000" dirty="0"/>
+              <a:t>, </a:t>
+            </a:r>
+            <a:r>
+              <a:rPr lang="en-US" sz="2000" i="1" dirty="0"/>
+              <a:t>So the LORD pities those who fear Him</a:t>
+            </a:r>
+            <a:r>
+              <a:rPr lang="en-US" sz="2000" dirty="0"/>
+              <a:t>. For He knows our frame; He remembers that we are dust. (</a:t>
+            </a:r>
+            <a:r>
+              <a:rPr lang="en-US" sz="2000" dirty="0" err="1"/>
+              <a:t>Psa</a:t>
+            </a:r>
+            <a:r>
+              <a:rPr lang="en-US" sz="2000" dirty="0"/>
+              <a:t> 103:13-14)</a:t>
+            </a:r>
+          </a:p>
+          <a:p>
+            <a:pPr marL="285750" indent="-285750">
+              <a:buFont typeface="Arial" panose="020B0604020202020204" pitchFamily="34" charset="0"/>
+              <a:buChar char="•"/>
+            </a:pPr>
+            <a:r>
+              <a:rPr lang="en-US" sz="2000" dirty="0"/>
+              <a:t>My lovingkindness and my fortress, My high tower and my deliverer, My shield and the One in whom I take refuge, Who subdues my people under me. </a:t>
+            </a:r>
+            <a:r>
+              <a:rPr lang="en-US" sz="2000" i="1" u="sng" dirty="0"/>
+              <a:t>LORD, what is man, that You take knowledge of him</a:t>
+            </a:r>
+            <a:r>
+              <a:rPr lang="en-US" sz="2000" i="1" dirty="0"/>
+              <a:t>? Or the son of man, that You are mindful of him? </a:t>
+            </a:r>
+            <a:r>
+              <a:rPr lang="en-US" sz="2000" dirty="0"/>
+              <a:t>Man is like a breath; His days are like a passing shadow. (</a:t>
+            </a:r>
+            <a:r>
+              <a:rPr lang="en-US" sz="2000" dirty="0" err="1"/>
+              <a:t>Psa</a:t>
+            </a:r>
+            <a:r>
+              <a:rPr lang="en-US" sz="2000" dirty="0"/>
+              <a:t> 144:2-4)</a:t>
+            </a:r>
+          </a:p>
+          <a:p>
+            <a:endParaRPr lang="en-US" dirty="0"/>
+          </a:p>
+        </p:txBody>
+      </p:sp>
+      <p:sp>
+        <p:nvSpPr>
+          <p:cNvPr id="5" name="Title 1">
+            <a:extLst>
+              <a:ext uri="{FF2B5EF4-FFF2-40B4-BE49-F238E27FC236}">
+                <a16:creationId xmlns:a16="http://schemas.microsoft.com/office/drawing/2014/main" id="{91641240-C7DF-5EDF-4A68-FFF118C484D7}"/>
               </a:ext>
             </a:extLst>
           </p:cNvPr>
@@ -22644,230 +20474,10 @@
           </a:p>
         </p:txBody>
       </p:sp>
-      <p:sp>
-        <p:nvSpPr>
-          <p:cNvPr id="5" name="Scroll: Horizontal 3">
-            <a:extLst>
-              <a:ext uri="{FF2B5EF4-FFF2-40B4-BE49-F238E27FC236}">
-                <a16:creationId xmlns:a16="http://schemas.microsoft.com/office/drawing/2014/main" id="{02DDD5B4-1CF9-20A6-B5D1-BC5189A17634}"/>
-              </a:ext>
-            </a:extLst>
-          </p:cNvPr>
-          <p:cNvSpPr/>
-          <p:nvPr/>
-        </p:nvSpPr>
-        <p:spPr>
-          <a:xfrm>
-            <a:off x="457200" y="229618"/>
-            <a:ext cx="8307977" cy="6628382"/>
-          </a:xfrm>
-          <a:prstGeom prst="horizontalScroll">
-            <a:avLst/>
-          </a:prstGeom>
-          <a:solidFill>
-            <a:schemeClr val="accent6">
-              <a:lumMod val="75000"/>
-            </a:schemeClr>
-          </a:solidFill>
-        </p:spPr>
-        <p:style>
-          <a:lnRef idx="2">
-            <a:schemeClr val="accent1">
-              <a:shade val="50000"/>
-            </a:schemeClr>
-          </a:lnRef>
-          <a:fillRef idx="1">
-            <a:schemeClr val="accent1"/>
-          </a:fillRef>
-          <a:effectRef idx="0">
-            <a:schemeClr val="accent1"/>
-          </a:effectRef>
-          <a:fontRef idx="minor">
-            <a:schemeClr val="lt1"/>
-          </a:fontRef>
-        </p:style>
-        <p:txBody>
-          <a:bodyPr rtlCol="0" anchor="ctr"/>
-          <a:lstStyle/>
-          <a:p>
-            <a:pPr marL="285750" indent="-285750">
-              <a:buFont typeface="Arial" panose="020B0604020202020204" pitchFamily="34" charset="0"/>
-              <a:buChar char="•"/>
-            </a:pPr>
-            <a:endParaRPr lang="en-US" dirty="0"/>
-          </a:p>
-          <a:p>
-            <a:endParaRPr lang="en-US" dirty="0"/>
-          </a:p>
-          <a:p>
-            <a:pPr marL="285750" indent="-285750">
-              <a:buFont typeface="Arial" panose="020B0604020202020204" pitchFamily="34" charset="0"/>
-              <a:buChar char="•"/>
-            </a:pPr>
-            <a:r>
-              <a:rPr lang="en-US" dirty="0"/>
-              <a:t>The </a:t>
-            </a:r>
-            <a:r>
-              <a:rPr lang="en-US" b="1" dirty="0"/>
-              <a:t>Natural Man</a:t>
-            </a:r>
-            <a:r>
-              <a:rPr lang="en-US" dirty="0"/>
-              <a:t> recognizes God’s creativity and intelligence in the created order; </a:t>
-            </a:r>
-            <a:r>
-              <a:rPr lang="en-US" i="1" dirty="0"/>
-              <a:t>but suppresses the truth in unrighteousness</a:t>
-            </a:r>
-            <a:r>
-              <a:rPr lang="en-US" dirty="0"/>
-              <a:t>. (Romans 1)</a:t>
-            </a:r>
-          </a:p>
-          <a:p>
-            <a:pPr marL="285750" indent="-285750">
-              <a:buFont typeface="Arial" panose="020B0604020202020204" pitchFamily="34" charset="0"/>
-              <a:buChar char="•"/>
-            </a:pPr>
-            <a:endParaRPr lang="en-US" dirty="0"/>
-          </a:p>
-          <a:p>
-            <a:pPr marL="285750" indent="-285750">
-              <a:buFont typeface="Arial" panose="020B0604020202020204" pitchFamily="34" charset="0"/>
-              <a:buChar char="•"/>
-            </a:pPr>
-            <a:r>
-              <a:rPr lang="en-US" dirty="0"/>
-              <a:t>The </a:t>
-            </a:r>
-            <a:r>
-              <a:rPr lang="en-US" b="1" dirty="0"/>
-              <a:t>Moral Man</a:t>
-            </a:r>
-            <a:r>
-              <a:rPr lang="en-US" dirty="0"/>
-              <a:t> recognizes how things ought to be; </a:t>
-            </a:r>
-            <a:r>
-              <a:rPr lang="en-US" i="1" dirty="0"/>
-              <a:t>but falls short of God’s goodness revealed via his own conscience and rationality</a:t>
-            </a:r>
-            <a:r>
-              <a:rPr lang="en-US" dirty="0"/>
-              <a:t>. (Romans 2)</a:t>
-            </a:r>
-          </a:p>
-          <a:p>
-            <a:pPr marL="285750" indent="-285750">
-              <a:buFont typeface="Arial" panose="020B0604020202020204" pitchFamily="34" charset="0"/>
-              <a:buChar char="•"/>
-            </a:pPr>
-            <a:endParaRPr lang="en-US" dirty="0"/>
-          </a:p>
-          <a:p>
-            <a:pPr marL="285750" indent="-285750">
-              <a:buFont typeface="Arial" panose="020B0604020202020204" pitchFamily="34" charset="0"/>
-              <a:buChar char="•"/>
-            </a:pPr>
-            <a:r>
-              <a:rPr lang="en-US" dirty="0"/>
-              <a:t>The </a:t>
-            </a:r>
-            <a:r>
-              <a:rPr lang="en-US" b="1" dirty="0"/>
-              <a:t>Religious Man</a:t>
-            </a:r>
-            <a:r>
-              <a:rPr lang="en-US" dirty="0"/>
-              <a:t> recognizes that God exists, and that God has expectations; </a:t>
-            </a:r>
-            <a:r>
-              <a:rPr lang="en-US" i="1" dirty="0"/>
-              <a:t>but succumbs to selfish pride, artificial authority, arrogance, and hypocrisy</a:t>
-            </a:r>
-            <a:r>
-              <a:rPr lang="en-US" dirty="0"/>
-              <a:t>. (Romans 3)</a:t>
-            </a:r>
-          </a:p>
-          <a:p>
-            <a:endParaRPr lang="en-US" dirty="0"/>
-          </a:p>
-          <a:p>
-            <a:pPr marL="285750" indent="-285750">
-              <a:buFont typeface="Arial" panose="020B0604020202020204" pitchFamily="34" charset="0"/>
-              <a:buChar char="•"/>
-            </a:pPr>
-            <a:r>
-              <a:rPr lang="en-US" dirty="0"/>
-              <a:t>The </a:t>
-            </a:r>
-            <a:r>
-              <a:rPr lang="en-US" b="1" dirty="0"/>
-              <a:t>Just Man </a:t>
-            </a:r>
-            <a:r>
-              <a:rPr lang="en-US" dirty="0"/>
-              <a:t>relies upon God’s promise, lives by faith; </a:t>
-            </a:r>
-            <a:r>
-              <a:rPr lang="en-US" i="1" dirty="0"/>
-              <a:t>and receives the blessing of imputed righteousness. </a:t>
-            </a:r>
-            <a:r>
-              <a:rPr lang="en-US" dirty="0"/>
-              <a:t>(Romans 4) </a:t>
-            </a:r>
-          </a:p>
-          <a:p>
-            <a:pPr marL="285750" indent="-285750">
-              <a:buFont typeface="Arial" panose="020B0604020202020204" pitchFamily="34" charset="0"/>
-              <a:buChar char="•"/>
-            </a:pPr>
-            <a:endParaRPr lang="en-US" dirty="0"/>
-          </a:p>
-        </p:txBody>
-      </p:sp>
-      <p:sp>
-        <p:nvSpPr>
-          <p:cNvPr id="3" name="TextBox 2">
-            <a:extLst>
-              <a:ext uri="{FF2B5EF4-FFF2-40B4-BE49-F238E27FC236}">
-                <a16:creationId xmlns:a16="http://schemas.microsoft.com/office/drawing/2014/main" id="{9D459C5A-1CAF-CA70-CDCC-9B95C6C83DB9}"/>
-              </a:ext>
-            </a:extLst>
-          </p:cNvPr>
-          <p:cNvSpPr txBox="1"/>
-          <p:nvPr/>
-        </p:nvSpPr>
-        <p:spPr>
-          <a:xfrm>
-            <a:off x="8251152" y="6496970"/>
-            <a:ext cx="511679" cy="246221"/>
-          </a:xfrm>
-          <a:prstGeom prst="rect">
-            <a:avLst/>
-          </a:prstGeom>
-          <a:noFill/>
-        </p:spPr>
-        <p:txBody>
-          <a:bodyPr wrap="none" rtlCol="0">
-            <a:spAutoFit/>
-          </a:bodyPr>
-          <a:lstStyle/>
-          <a:p>
-            <a:r>
-              <a:rPr lang="en-US" sz="1000" dirty="0"/>
-              <a:t>NKJV</a:t>
-            </a:r>
-          </a:p>
-        </p:txBody>
-      </p:sp>
     </p:spTree>
     <p:extLst>
       <p:ext uri="{BB962C8B-B14F-4D97-AF65-F5344CB8AC3E}">
-        <p14:creationId xmlns:p14="http://schemas.microsoft.com/office/powerpoint/2010/main" val="3594875856"/>
+        <p14:creationId xmlns:p14="http://schemas.microsoft.com/office/powerpoint/2010/main" val="860230986"/>
       </p:ext>
     </p:extLst>
   </p:cSld>
@@ -22895,7 +20505,7 @@
                             </p:stCondLst>
                             <p:childTnLst>
                               <p:par>
-                                <p:cTn id="5" presetID="42" presetClass="entr" presetSubtype="0" fill="hold" grpId="0" nodeType="clickEffect">
+                                <p:cTn id="5" presetID="42" presetClass="entr" presetSubtype="0" fill="hold" nodeType="clickEffect">
                                   <p:stCondLst>
                                     <p:cond delay="0"/>
                                   </p:stCondLst>
@@ -22908,7 +20518,11 @@
                                           </p:stCondLst>
                                         </p:cTn>
                                         <p:tgtEl>
-                                          <p:spTgt spid="5"/>
+                                          <p:spTgt spid="3">
+                                            <p:txEl>
+                                              <p:pRg st="0" end="0"/>
+                                            </p:txEl>
+                                          </p:spTgt>
                                         </p:tgtEl>
                                         <p:attrNameLst>
                                           <p:attrName>style.visibility</p:attrName>
@@ -22922,7 +20536,11 @@
                                       <p:cBhvr>
                                         <p:cTn id="7" dur="1000"/>
                                         <p:tgtEl>
-                                          <p:spTgt spid="5"/>
+                                          <p:spTgt spid="3">
+                                            <p:txEl>
+                                              <p:pRg st="0" end="0"/>
+                                            </p:txEl>
+                                          </p:spTgt>
                                         </p:tgtEl>
                                       </p:cBhvr>
                                     </p:animEffect>
@@ -22930,7 +20548,11 @@
                                       <p:cBhvr>
                                         <p:cTn id="8" dur="1000" fill="hold"/>
                                         <p:tgtEl>
-                                          <p:spTgt spid="5"/>
+                                          <p:spTgt spid="3">
+                                            <p:txEl>
+                                              <p:pRg st="0" end="0"/>
+                                            </p:txEl>
+                                          </p:spTgt>
                                         </p:tgtEl>
                                         <p:attrNameLst>
                                           <p:attrName>ppt_x</p:attrName>
@@ -22953,7 +20575,11 @@
                                       <p:cBhvr>
                                         <p:cTn id="9" dur="1000" fill="hold"/>
                                         <p:tgtEl>
-                                          <p:spTgt spid="5"/>
+                                          <p:spTgt spid="3">
+                                            <p:txEl>
+                                              <p:pRg st="0" end="0"/>
+                                            </p:txEl>
+                                          </p:spTgt>
                                         </p:tgtEl>
                                         <p:attrNameLst>
                                           <p:attrName>ppt_y</p:attrName>
@@ -23007,9 +20633,9 @@
                                           </p:stCondLst>
                                         </p:cTn>
                                         <p:tgtEl>
-                                          <p:spTgt spid="5">
+                                          <p:spTgt spid="3">
                                             <p:txEl>
-                                              <p:pRg st="2" end="2"/>
+                                              <p:pRg st="1" end="1"/>
                                             </p:txEl>
                                           </p:spTgt>
                                         </p:tgtEl>
@@ -23025,9 +20651,9 @@
                                       <p:cBhvr>
                                         <p:cTn id="14" dur="1000"/>
                                         <p:tgtEl>
-                                          <p:spTgt spid="5">
+                                          <p:spTgt spid="3">
                                             <p:txEl>
-                                              <p:pRg st="2" end="2"/>
+                                              <p:pRg st="1" end="1"/>
                                             </p:txEl>
                                           </p:spTgt>
                                         </p:tgtEl>
@@ -23037,9 +20663,9 @@
                                       <p:cBhvr>
                                         <p:cTn id="15" dur="1000" fill="hold"/>
                                         <p:tgtEl>
-                                          <p:spTgt spid="5">
+                                          <p:spTgt spid="3">
                                             <p:txEl>
-                                              <p:pRg st="2" end="2"/>
+                                              <p:pRg st="1" end="1"/>
                                             </p:txEl>
                                           </p:spTgt>
                                         </p:tgtEl>
@@ -23064,9 +20690,9 @@
                                       <p:cBhvr>
                                         <p:cTn id="16" dur="1000" fill="hold"/>
                                         <p:tgtEl>
-                                          <p:spTgt spid="5">
+                                          <p:spTgt spid="3">
                                             <p:txEl>
-                                              <p:pRg st="2" end="2"/>
+                                              <p:pRg st="1" end="1"/>
                                             </p:txEl>
                                           </p:spTgt>
                                         </p:tgtEl>
@@ -23122,9 +20748,9 @@
                                           </p:stCondLst>
                                         </p:cTn>
                                         <p:tgtEl>
-                                          <p:spTgt spid="5">
+                                          <p:spTgt spid="3">
                                             <p:txEl>
-                                              <p:pRg st="4" end="4"/>
+                                              <p:pRg st="2" end="2"/>
                                             </p:txEl>
                                           </p:spTgt>
                                         </p:tgtEl>
@@ -23140,9 +20766,9 @@
                                       <p:cBhvr>
                                         <p:cTn id="21" dur="1000"/>
                                         <p:tgtEl>
-                                          <p:spTgt spid="5">
+                                          <p:spTgt spid="3">
                                             <p:txEl>
-                                              <p:pRg st="4" end="4"/>
+                                              <p:pRg st="2" end="2"/>
                                             </p:txEl>
                                           </p:spTgt>
                                         </p:tgtEl>
@@ -23152,9 +20778,9 @@
                                       <p:cBhvr>
                                         <p:cTn id="22" dur="1000" fill="hold"/>
                                         <p:tgtEl>
-                                          <p:spTgt spid="5">
+                                          <p:spTgt spid="3">
                                             <p:txEl>
-                                              <p:pRg st="4" end="4"/>
+                                              <p:pRg st="2" end="2"/>
                                             </p:txEl>
                                           </p:spTgt>
                                         </p:tgtEl>
@@ -23179,9 +20805,9 @@
                                       <p:cBhvr>
                                         <p:cTn id="23" dur="1000" fill="hold"/>
                                         <p:tgtEl>
-                                          <p:spTgt spid="5">
+                                          <p:spTgt spid="3">
                                             <p:txEl>
-                                              <p:pRg st="4" end="4"/>
+                                              <p:pRg st="2" end="2"/>
                                             </p:txEl>
                                           </p:spTgt>
                                         </p:tgtEl>
@@ -23237,9 +20863,9 @@
                                           </p:stCondLst>
                                         </p:cTn>
                                         <p:tgtEl>
-                                          <p:spTgt spid="5">
+                                          <p:spTgt spid="3">
                                             <p:txEl>
-                                              <p:pRg st="6" end="6"/>
+                                              <p:pRg st="3" end="3"/>
                                             </p:txEl>
                                           </p:spTgt>
                                         </p:tgtEl>
@@ -23255,9 +20881,9 @@
                                       <p:cBhvr>
                                         <p:cTn id="28" dur="1000"/>
                                         <p:tgtEl>
-                                          <p:spTgt spid="5">
+                                          <p:spTgt spid="3">
                                             <p:txEl>
-                                              <p:pRg st="6" end="6"/>
+                                              <p:pRg st="3" end="3"/>
                                             </p:txEl>
                                           </p:spTgt>
                                         </p:tgtEl>
@@ -23267,9 +20893,9 @@
                                       <p:cBhvr>
                                         <p:cTn id="29" dur="1000" fill="hold"/>
                                         <p:tgtEl>
-                                          <p:spTgt spid="5">
+                                          <p:spTgt spid="3">
                                             <p:txEl>
-                                              <p:pRg st="6" end="6"/>
+                                              <p:pRg st="3" end="3"/>
                                             </p:txEl>
                                           </p:spTgt>
                                         </p:tgtEl>
@@ -23294,9 +20920,9 @@
                                       <p:cBhvr>
                                         <p:cTn id="30" dur="1000" fill="hold"/>
                                         <p:tgtEl>
-                                          <p:spTgt spid="5">
+                                          <p:spTgt spid="3">
                                             <p:txEl>
-                                              <p:pRg st="6" end="6"/>
+                                              <p:pRg st="3" end="3"/>
                                             </p:txEl>
                                           </p:spTgt>
                                         </p:tgtEl>
@@ -23352,9 +20978,9 @@
                                           </p:stCondLst>
                                         </p:cTn>
                                         <p:tgtEl>
-                                          <p:spTgt spid="5">
+                                          <p:spTgt spid="3">
                                             <p:txEl>
-                                              <p:pRg st="8" end="8"/>
+                                              <p:pRg st="4" end="4"/>
                                             </p:txEl>
                                           </p:spTgt>
                                         </p:tgtEl>
@@ -23370,9 +20996,9 @@
                                       <p:cBhvr>
                                         <p:cTn id="35" dur="1000"/>
                                         <p:tgtEl>
-                                          <p:spTgt spid="5">
+                                          <p:spTgt spid="3">
                                             <p:txEl>
-                                              <p:pRg st="8" end="8"/>
+                                              <p:pRg st="4" end="4"/>
                                             </p:txEl>
                                           </p:spTgt>
                                         </p:tgtEl>
@@ -23382,9 +21008,9 @@
                                       <p:cBhvr>
                                         <p:cTn id="36" dur="1000" fill="hold"/>
                                         <p:tgtEl>
-                                          <p:spTgt spid="5">
+                                          <p:spTgt spid="3">
                                             <p:txEl>
-                                              <p:pRg st="8" end="8"/>
+                                              <p:pRg st="4" end="4"/>
                                             </p:txEl>
                                           </p:spTgt>
                                         </p:tgtEl>
@@ -23409,9 +21035,9 @@
                                       <p:cBhvr>
                                         <p:cTn id="37" dur="1000" fill="hold"/>
                                         <p:tgtEl>
-                                          <p:spTgt spid="5">
+                                          <p:spTgt spid="3">
                                             <p:txEl>
-                                              <p:pRg st="8" end="8"/>
+                                              <p:pRg st="4" end="4"/>
                                             </p:txEl>
                                           </p:spTgt>
                                         </p:tgtEl>
@@ -23462,14 +21088,988 @@
         </p:cTn>
       </p:par>
     </p:tnLst>
-    <p:bldLst>
-      <p:bldP spid="5" grpId="0" animBg="1"/>
-    </p:bldLst>
   </p:timing>
 </p:sld>
 </file>
 
-<file path=ppt/slides/slide8.xml><?xml version="1.0" encoding="utf-8"?>
+<file path=ppt/slides/slide6.xml><?xml version="1.0" encoding="utf-8"?>
+<p:sld xmlns:a="http://schemas.openxmlformats.org/drawingml/2006/main" xmlns:r="http://schemas.openxmlformats.org/officeDocument/2006/relationships" xmlns:p="http://schemas.openxmlformats.org/presentationml/2006/main">
+  <p:cSld>
+    <p:spTree>
+      <p:nvGrpSpPr>
+        <p:cNvPr id="1" name="">
+          <a:extLst>
+            <a:ext uri="{FF2B5EF4-FFF2-40B4-BE49-F238E27FC236}">
+              <a16:creationId xmlns:a16="http://schemas.microsoft.com/office/drawing/2014/main" id="{3597F7DD-9DA0-4CFF-1DDC-70B89211C410}"/>
+            </a:ext>
+          </a:extLst>
+        </p:cNvPr>
+        <p:cNvGrpSpPr/>
+        <p:nvPr/>
+      </p:nvGrpSpPr>
+      <p:grpSpPr>
+        <a:xfrm>
+          <a:off x="0" y="0"/>
+          <a:ext cx="0" cy="0"/>
+          <a:chOff x="0" y="0"/>
+          <a:chExt cx="0" cy="0"/>
+        </a:xfrm>
+      </p:grpSpPr>
+      <p:sp>
+        <p:nvSpPr>
+          <p:cNvPr id="3" name="Content Placeholder 2">
+            <a:extLst>
+              <a:ext uri="{FF2B5EF4-FFF2-40B4-BE49-F238E27FC236}">
+                <a16:creationId xmlns:a16="http://schemas.microsoft.com/office/drawing/2014/main" id="{97F173C0-B40E-A7DF-ADDE-5AA5E21D82E5}"/>
+              </a:ext>
+            </a:extLst>
+          </p:cNvPr>
+          <p:cNvSpPr>
+            <a:spLocks noGrp="1"/>
+          </p:cNvSpPr>
+          <p:nvPr>
+            <p:ph idx="1"/>
+          </p:nvPr>
+        </p:nvSpPr>
+        <p:spPr>
+          <a:xfrm>
+            <a:off x="457200" y="926252"/>
+            <a:ext cx="8229600" cy="5626947"/>
+          </a:xfrm>
+        </p:spPr>
+        <p:txBody>
+          <a:bodyPr/>
+          <a:lstStyle/>
+          <a:p>
+            <a:r>
+              <a:rPr lang="en-US" sz="1800" dirty="0">
+                <a:latin typeface="+mn-lt"/>
+              </a:rPr>
+              <a:t>The wicked in his proud countenance does not seek God; God is in none of his thoughts. His ways are always prospering; Your judgments are far above, out of his sight; As for all his enemies, he sneers at them. (Ps10:4-5)</a:t>
+            </a:r>
+          </a:p>
+          <a:p>
+            <a:pPr marL="285750" indent="-285750">
+              <a:buFont typeface="Arial" panose="020B0604020202020204" pitchFamily="34" charset="0"/>
+              <a:buChar char="•"/>
+            </a:pPr>
+            <a:r>
+              <a:rPr lang="en-US" sz="1800" dirty="0">
+                <a:latin typeface="+mn-lt"/>
+              </a:rPr>
+              <a:t>They speak idly everyone with his neighbor; With flattering lips and a double heart they speak. (</a:t>
+            </a:r>
+            <a:r>
+              <a:rPr lang="en-US" sz="1800" dirty="0" err="1">
+                <a:latin typeface="+mn-lt"/>
+              </a:rPr>
+              <a:t>Psa</a:t>
+            </a:r>
+            <a:r>
+              <a:rPr lang="en-US" sz="1800" dirty="0">
+                <a:latin typeface="+mn-lt"/>
+              </a:rPr>
+              <a:t> 12:2)</a:t>
+            </a:r>
+          </a:p>
+          <a:p>
+            <a:r>
+              <a:rPr lang="en-US" sz="1800" dirty="0">
+                <a:latin typeface="+mn-lt"/>
+              </a:rPr>
+              <a:t>The LORD looks down from heaven upon the children of men, To see if there are any who understand, who seek God. They have all turned aside, They have together become corrupt; There is none who does good, No, not one. (</a:t>
+            </a:r>
+            <a:r>
+              <a:rPr lang="en-US" sz="1800" dirty="0" err="1">
+                <a:latin typeface="+mn-lt"/>
+              </a:rPr>
+              <a:t>Psa</a:t>
+            </a:r>
+            <a:r>
+              <a:rPr lang="en-US" sz="1800" dirty="0">
+                <a:latin typeface="+mn-lt"/>
+              </a:rPr>
+              <a:t> 14:2-3)</a:t>
+            </a:r>
+          </a:p>
+          <a:p>
+            <a:pPr marL="285750" indent="-285750">
+              <a:buFont typeface="Arial" panose="020B0604020202020204" pitchFamily="34" charset="0"/>
+              <a:buChar char="•"/>
+            </a:pPr>
+            <a:r>
+              <a:rPr lang="en-US" sz="1800" dirty="0">
+                <a:latin typeface="+mn-lt"/>
+              </a:rPr>
+              <a:t>The LORD looks down from heaven upon the children of men, To see if there are any who understand, who seek God. They have all turned aside, They have together become corrupt; There is none who does good, No, not one. (</a:t>
+            </a:r>
+            <a:r>
+              <a:rPr lang="en-US" sz="1800" dirty="0" err="1">
+                <a:latin typeface="+mn-lt"/>
+              </a:rPr>
+              <a:t>Psa</a:t>
+            </a:r>
+            <a:r>
+              <a:rPr lang="en-US" sz="1800" dirty="0">
+                <a:latin typeface="+mn-lt"/>
+              </a:rPr>
+              <a:t> 14:2-3)</a:t>
+            </a:r>
+          </a:p>
+          <a:p>
+            <a:pPr marL="285750" indent="-285750">
+              <a:buFont typeface="Arial" panose="020B0604020202020204" pitchFamily="34" charset="0"/>
+              <a:buChar char="•"/>
+            </a:pPr>
+            <a:r>
+              <a:rPr lang="en-US" sz="1800" dirty="0">
+                <a:latin typeface="+mn-lt"/>
+              </a:rPr>
+              <a:t>For he flatters himself in his own eyes, When he finds out his iniquity and when he hates. The words of his mouth are wickedness and deceit; He has ceased to be wise and to do good. (</a:t>
+            </a:r>
+            <a:r>
+              <a:rPr lang="en-US" sz="1800" dirty="0" err="1">
+                <a:latin typeface="+mn-lt"/>
+              </a:rPr>
+              <a:t>Psa</a:t>
+            </a:r>
+            <a:r>
+              <a:rPr lang="en-US" sz="1800" dirty="0">
+                <a:latin typeface="+mn-lt"/>
+              </a:rPr>
+              <a:t> 36:2-3)</a:t>
+            </a:r>
+          </a:p>
+          <a:p>
+            <a:pPr marL="285750" indent="-285750">
+              <a:buFont typeface="Arial" panose="020B0604020202020204" pitchFamily="34" charset="0"/>
+              <a:buChar char="•"/>
+            </a:pPr>
+            <a:r>
+              <a:rPr lang="en-US" sz="1800" dirty="0">
+                <a:latin typeface="+mn-lt"/>
+              </a:rPr>
+              <a:t>For I was envious of the boastful, When I saw the prosperity of the wicked. For there are no pangs in their death, But their strength is firm. They are not in trouble as other men, Nor are they plagued like other men. (</a:t>
+            </a:r>
+            <a:r>
+              <a:rPr lang="en-US" sz="1800" dirty="0" err="1">
+                <a:latin typeface="+mn-lt"/>
+              </a:rPr>
+              <a:t>Psa</a:t>
+            </a:r>
+            <a:r>
+              <a:rPr lang="en-US" sz="1800" dirty="0">
+                <a:latin typeface="+mn-lt"/>
+              </a:rPr>
+              <a:t> 73:3-5)</a:t>
+            </a:r>
+          </a:p>
+        </p:txBody>
+      </p:sp>
+      <p:sp>
+        <p:nvSpPr>
+          <p:cNvPr id="5" name="Title 1">
+            <a:extLst>
+              <a:ext uri="{FF2B5EF4-FFF2-40B4-BE49-F238E27FC236}">
+                <a16:creationId xmlns:a16="http://schemas.microsoft.com/office/drawing/2014/main" id="{5F79D34C-C7D8-63E9-1506-8508E0B59DEF}"/>
+              </a:ext>
+            </a:extLst>
+          </p:cNvPr>
+          <p:cNvSpPr>
+            <a:spLocks noGrp="1"/>
+          </p:cNvSpPr>
+          <p:nvPr>
+            <p:ph type="title"/>
+          </p:nvPr>
+        </p:nvSpPr>
+        <p:spPr>
+          <a:xfrm>
+            <a:off x="457200" y="0"/>
+            <a:ext cx="8534400" cy="914400"/>
+          </a:xfrm>
+        </p:spPr>
+        <p:txBody>
+          <a:bodyPr>
+            <a:normAutofit fontScale="90000"/>
+          </a:bodyPr>
+          <a:lstStyle/>
+          <a:p>
+            <a:pPr algn="l"/>
+            <a:r>
+              <a:rPr lang="en-US" sz="3600" dirty="0"/>
+              <a:t>What does Man (Society) think of God…?</a:t>
+            </a:r>
+            <a:br>
+              <a:rPr lang="en-US" dirty="0"/>
+            </a:br>
+            <a:r>
+              <a:rPr lang="en-US" sz="2400" dirty="0">
+                <a:solidFill>
+                  <a:schemeClr val="tx2">
+                    <a:lumMod val="60000"/>
+                    <a:lumOff val="40000"/>
+                  </a:schemeClr>
+                </a:solidFill>
+              </a:rPr>
+              <a:t>Origins </a:t>
+            </a:r>
+            <a:r>
+              <a:rPr lang="en-US" sz="2400" dirty="0">
+                <a:solidFill>
+                  <a:schemeClr val="tx2">
+                    <a:lumMod val="60000"/>
+                    <a:lumOff val="40000"/>
+                  </a:schemeClr>
+                </a:solidFill>
+                <a:sym typeface="Wingdings" pitchFamily="2" charset="2"/>
+              </a:rPr>
+              <a:t> Meaning  Morality  Destiny</a:t>
+            </a:r>
+            <a:endParaRPr lang="en-US" sz="2400" dirty="0">
+              <a:solidFill>
+                <a:schemeClr val="tx2">
+                  <a:lumMod val="60000"/>
+                  <a:lumOff val="40000"/>
+                </a:schemeClr>
+              </a:solidFill>
+            </a:endParaRPr>
+          </a:p>
+        </p:txBody>
+      </p:sp>
+    </p:spTree>
+    <p:extLst>
+      <p:ext uri="{BB962C8B-B14F-4D97-AF65-F5344CB8AC3E}">
+        <p14:creationId xmlns:p14="http://schemas.microsoft.com/office/powerpoint/2010/main" val="2255061801"/>
+      </p:ext>
+    </p:extLst>
+  </p:cSld>
+  <p:clrMapOvr>
+    <a:masterClrMapping/>
+  </p:clrMapOvr>
+  <p:timing>
+    <p:tnLst>
+      <p:par>
+        <p:cTn id="1" dur="indefinite" restart="never" nodeType="tmRoot">
+          <p:childTnLst>
+            <p:seq concurrent="1" nextAc="seek">
+              <p:cTn id="2" dur="indefinite" nodeType="mainSeq">
+                <p:childTnLst>
+                  <p:par>
+                    <p:cTn id="3" fill="hold">
+                      <p:stCondLst>
+                        <p:cond delay="indefinite"/>
+                      </p:stCondLst>
+                      <p:childTnLst>
+                        <p:par>
+                          <p:cTn id="4" fill="hold">
+                            <p:stCondLst>
+                              <p:cond delay="0"/>
+                            </p:stCondLst>
+                            <p:childTnLst>
+                              <p:par>
+                                <p:cTn id="5" presetID="42" presetClass="entr" presetSubtype="0" fill="hold" nodeType="clickEffect">
+                                  <p:stCondLst>
+                                    <p:cond delay="0"/>
+                                  </p:stCondLst>
+                                  <p:childTnLst>
+                                    <p:set>
+                                      <p:cBhvr>
+                                        <p:cTn id="6" dur="1" fill="hold">
+                                          <p:stCondLst>
+                                            <p:cond delay="0"/>
+                                          </p:stCondLst>
+                                        </p:cTn>
+                                        <p:tgtEl>
+                                          <p:spTgt spid="3">
+                                            <p:txEl>
+                                              <p:pRg st="0" end="0"/>
+                                            </p:txEl>
+                                          </p:spTgt>
+                                        </p:tgtEl>
+                                        <p:attrNameLst>
+                                          <p:attrName>style.visibility</p:attrName>
+                                        </p:attrNameLst>
+                                      </p:cBhvr>
+                                      <p:to>
+                                        <p:strVal val="visible"/>
+                                      </p:to>
+                                    </p:set>
+                                    <p:animEffect transition="in" filter="fade">
+                                      <p:cBhvr>
+                                        <p:cTn id="7" dur="1000"/>
+                                        <p:tgtEl>
+                                          <p:spTgt spid="3">
+                                            <p:txEl>
+                                              <p:pRg st="0" end="0"/>
+                                            </p:txEl>
+                                          </p:spTgt>
+                                        </p:tgtEl>
+                                      </p:cBhvr>
+                                    </p:animEffect>
+                                    <p:anim calcmode="lin" valueType="num">
+                                      <p:cBhvr>
+                                        <p:cTn id="8" dur="1000" fill="hold"/>
+                                        <p:tgtEl>
+                                          <p:spTgt spid="3">
+                                            <p:txEl>
+                                              <p:pRg st="0" end="0"/>
+                                            </p:txEl>
+                                          </p:spTgt>
+                                        </p:tgtEl>
+                                        <p:attrNameLst>
+                                          <p:attrName>ppt_x</p:attrName>
+                                        </p:attrNameLst>
+                                      </p:cBhvr>
+                                      <p:tavLst>
+                                        <p:tav tm="0">
+                                          <p:val>
+                                            <p:strVal val="#ppt_x"/>
+                                          </p:val>
+                                        </p:tav>
+                                        <p:tav tm="100000">
+                                          <p:val>
+                                            <p:strVal val="#ppt_x"/>
+                                          </p:val>
+                                        </p:tav>
+                                      </p:tavLst>
+                                    </p:anim>
+                                    <p:anim calcmode="lin" valueType="num">
+                                      <p:cBhvr>
+                                        <p:cTn id="9" dur="1000" fill="hold"/>
+                                        <p:tgtEl>
+                                          <p:spTgt spid="3">
+                                            <p:txEl>
+                                              <p:pRg st="0" end="0"/>
+                                            </p:txEl>
+                                          </p:spTgt>
+                                        </p:tgtEl>
+                                        <p:attrNameLst>
+                                          <p:attrName>ppt_y</p:attrName>
+                                        </p:attrNameLst>
+                                      </p:cBhvr>
+                                      <p:tavLst>
+                                        <p:tav tm="0">
+                                          <p:val>
+                                            <p:strVal val="#ppt_y+.1"/>
+                                          </p:val>
+                                        </p:tav>
+                                        <p:tav tm="100000">
+                                          <p:val>
+                                            <p:strVal val="#ppt_y"/>
+                                          </p:val>
+                                        </p:tav>
+                                      </p:tavLst>
+                                    </p:anim>
+                                  </p:childTnLst>
+                                </p:cTn>
+                              </p:par>
+                            </p:childTnLst>
+                          </p:cTn>
+                        </p:par>
+                      </p:childTnLst>
+                    </p:cTn>
+                  </p:par>
+                  <p:par>
+                    <p:cTn id="10" fill="hold">
+                      <p:stCondLst>
+                        <p:cond delay="indefinite"/>
+                      </p:stCondLst>
+                      <p:childTnLst>
+                        <p:par>
+                          <p:cTn id="11" fill="hold">
+                            <p:stCondLst>
+                              <p:cond delay="0"/>
+                            </p:stCondLst>
+                            <p:childTnLst>
+                              <p:par>
+                                <p:cTn id="12" presetID="42" presetClass="entr" presetSubtype="0" fill="hold" nodeType="clickEffect">
+                                  <p:stCondLst>
+                                    <p:cond delay="0"/>
+                                  </p:stCondLst>
+                                  <p:childTnLst>
+                                    <p:set>
+                                      <p:cBhvr>
+                                        <p:cTn id="13" dur="1" fill="hold">
+                                          <p:stCondLst>
+                                            <p:cond delay="0"/>
+                                          </p:stCondLst>
+                                        </p:cTn>
+                                        <p:tgtEl>
+                                          <p:spTgt spid="3">
+                                            <p:txEl>
+                                              <p:pRg st="1" end="1"/>
+                                            </p:txEl>
+                                          </p:spTgt>
+                                        </p:tgtEl>
+                                        <p:attrNameLst>
+                                          <p:attrName>style.visibility</p:attrName>
+                                        </p:attrNameLst>
+                                      </p:cBhvr>
+                                      <p:to>
+                                        <p:strVal val="visible"/>
+                                      </p:to>
+                                    </p:set>
+                                    <p:animEffect transition="in" filter="fade">
+                                      <p:cBhvr>
+                                        <p:cTn id="14" dur="1000"/>
+                                        <p:tgtEl>
+                                          <p:spTgt spid="3">
+                                            <p:txEl>
+                                              <p:pRg st="1" end="1"/>
+                                            </p:txEl>
+                                          </p:spTgt>
+                                        </p:tgtEl>
+                                      </p:cBhvr>
+                                    </p:animEffect>
+                                    <p:anim calcmode="lin" valueType="num">
+                                      <p:cBhvr>
+                                        <p:cTn id="15" dur="1000" fill="hold"/>
+                                        <p:tgtEl>
+                                          <p:spTgt spid="3">
+                                            <p:txEl>
+                                              <p:pRg st="1" end="1"/>
+                                            </p:txEl>
+                                          </p:spTgt>
+                                        </p:tgtEl>
+                                        <p:attrNameLst>
+                                          <p:attrName>ppt_x</p:attrName>
+                                        </p:attrNameLst>
+                                      </p:cBhvr>
+                                      <p:tavLst>
+                                        <p:tav tm="0">
+                                          <p:val>
+                                            <p:strVal val="#ppt_x"/>
+                                          </p:val>
+                                        </p:tav>
+                                        <p:tav tm="100000">
+                                          <p:val>
+                                            <p:strVal val="#ppt_x"/>
+                                          </p:val>
+                                        </p:tav>
+                                      </p:tavLst>
+                                    </p:anim>
+                                    <p:anim calcmode="lin" valueType="num">
+                                      <p:cBhvr>
+                                        <p:cTn id="16" dur="1000" fill="hold"/>
+                                        <p:tgtEl>
+                                          <p:spTgt spid="3">
+                                            <p:txEl>
+                                              <p:pRg st="1" end="1"/>
+                                            </p:txEl>
+                                          </p:spTgt>
+                                        </p:tgtEl>
+                                        <p:attrNameLst>
+                                          <p:attrName>ppt_y</p:attrName>
+                                        </p:attrNameLst>
+                                      </p:cBhvr>
+                                      <p:tavLst>
+                                        <p:tav tm="0">
+                                          <p:val>
+                                            <p:strVal val="#ppt_y+.1"/>
+                                          </p:val>
+                                        </p:tav>
+                                        <p:tav tm="100000">
+                                          <p:val>
+                                            <p:strVal val="#ppt_y"/>
+                                          </p:val>
+                                        </p:tav>
+                                      </p:tavLst>
+                                    </p:anim>
+                                  </p:childTnLst>
+                                </p:cTn>
+                              </p:par>
+                            </p:childTnLst>
+                          </p:cTn>
+                        </p:par>
+                      </p:childTnLst>
+                    </p:cTn>
+                  </p:par>
+                  <p:par>
+                    <p:cTn id="17" fill="hold">
+                      <p:stCondLst>
+                        <p:cond delay="indefinite"/>
+                      </p:stCondLst>
+                      <p:childTnLst>
+                        <p:par>
+                          <p:cTn id="18" fill="hold">
+                            <p:stCondLst>
+                              <p:cond delay="0"/>
+                            </p:stCondLst>
+                            <p:childTnLst>
+                              <p:par>
+                                <p:cTn id="19" presetID="42" presetClass="entr" presetSubtype="0" fill="hold" nodeType="clickEffect">
+                                  <p:stCondLst>
+                                    <p:cond delay="0"/>
+                                  </p:stCondLst>
+                                  <p:childTnLst>
+                                    <p:set>
+                                      <p:cBhvr>
+                                        <p:cTn id="20" dur="1" fill="hold">
+                                          <p:stCondLst>
+                                            <p:cond delay="0"/>
+                                          </p:stCondLst>
+                                        </p:cTn>
+                                        <p:tgtEl>
+                                          <p:spTgt spid="3">
+                                            <p:txEl>
+                                              <p:pRg st="2" end="2"/>
+                                            </p:txEl>
+                                          </p:spTgt>
+                                        </p:tgtEl>
+                                        <p:attrNameLst>
+                                          <p:attrName>style.visibility</p:attrName>
+                                        </p:attrNameLst>
+                                      </p:cBhvr>
+                                      <p:to>
+                                        <p:strVal val="visible"/>
+                                      </p:to>
+                                    </p:set>
+                                    <p:animEffect transition="in" filter="fade">
+                                      <p:cBhvr>
+                                        <p:cTn id="21" dur="1000"/>
+                                        <p:tgtEl>
+                                          <p:spTgt spid="3">
+                                            <p:txEl>
+                                              <p:pRg st="2" end="2"/>
+                                            </p:txEl>
+                                          </p:spTgt>
+                                        </p:tgtEl>
+                                      </p:cBhvr>
+                                    </p:animEffect>
+                                    <p:anim calcmode="lin" valueType="num">
+                                      <p:cBhvr>
+                                        <p:cTn id="22" dur="1000" fill="hold"/>
+                                        <p:tgtEl>
+                                          <p:spTgt spid="3">
+                                            <p:txEl>
+                                              <p:pRg st="2" end="2"/>
+                                            </p:txEl>
+                                          </p:spTgt>
+                                        </p:tgtEl>
+                                        <p:attrNameLst>
+                                          <p:attrName>ppt_x</p:attrName>
+                                        </p:attrNameLst>
+                                      </p:cBhvr>
+                                      <p:tavLst>
+                                        <p:tav tm="0">
+                                          <p:val>
+                                            <p:strVal val="#ppt_x"/>
+                                          </p:val>
+                                        </p:tav>
+                                        <p:tav tm="100000">
+                                          <p:val>
+                                            <p:strVal val="#ppt_x"/>
+                                          </p:val>
+                                        </p:tav>
+                                      </p:tavLst>
+                                    </p:anim>
+                                    <p:anim calcmode="lin" valueType="num">
+                                      <p:cBhvr>
+                                        <p:cTn id="23" dur="1000" fill="hold"/>
+                                        <p:tgtEl>
+                                          <p:spTgt spid="3">
+                                            <p:txEl>
+                                              <p:pRg st="2" end="2"/>
+                                            </p:txEl>
+                                          </p:spTgt>
+                                        </p:tgtEl>
+                                        <p:attrNameLst>
+                                          <p:attrName>ppt_y</p:attrName>
+                                        </p:attrNameLst>
+                                      </p:cBhvr>
+                                      <p:tavLst>
+                                        <p:tav tm="0">
+                                          <p:val>
+                                            <p:strVal val="#ppt_y+.1"/>
+                                          </p:val>
+                                        </p:tav>
+                                        <p:tav tm="100000">
+                                          <p:val>
+                                            <p:strVal val="#ppt_y"/>
+                                          </p:val>
+                                        </p:tav>
+                                      </p:tavLst>
+                                    </p:anim>
+                                  </p:childTnLst>
+                                </p:cTn>
+                              </p:par>
+                            </p:childTnLst>
+                          </p:cTn>
+                        </p:par>
+                      </p:childTnLst>
+                    </p:cTn>
+                  </p:par>
+                  <p:par>
+                    <p:cTn id="24" fill="hold">
+                      <p:stCondLst>
+                        <p:cond delay="indefinite"/>
+                      </p:stCondLst>
+                      <p:childTnLst>
+                        <p:par>
+                          <p:cTn id="25" fill="hold">
+                            <p:stCondLst>
+                              <p:cond delay="0"/>
+                            </p:stCondLst>
+                            <p:childTnLst>
+                              <p:par>
+                                <p:cTn id="26" presetID="42" presetClass="entr" presetSubtype="0" fill="hold" nodeType="clickEffect">
+                                  <p:stCondLst>
+                                    <p:cond delay="0"/>
+                                  </p:stCondLst>
+                                  <p:childTnLst>
+                                    <p:set>
+                                      <p:cBhvr>
+                                        <p:cTn id="27" dur="1" fill="hold">
+                                          <p:stCondLst>
+                                            <p:cond delay="0"/>
+                                          </p:stCondLst>
+                                        </p:cTn>
+                                        <p:tgtEl>
+                                          <p:spTgt spid="3">
+                                            <p:txEl>
+                                              <p:pRg st="3" end="3"/>
+                                            </p:txEl>
+                                          </p:spTgt>
+                                        </p:tgtEl>
+                                        <p:attrNameLst>
+                                          <p:attrName>style.visibility</p:attrName>
+                                        </p:attrNameLst>
+                                      </p:cBhvr>
+                                      <p:to>
+                                        <p:strVal val="visible"/>
+                                      </p:to>
+                                    </p:set>
+                                    <p:animEffect transition="in" filter="fade">
+                                      <p:cBhvr>
+                                        <p:cTn id="28" dur="1000"/>
+                                        <p:tgtEl>
+                                          <p:spTgt spid="3">
+                                            <p:txEl>
+                                              <p:pRg st="3" end="3"/>
+                                            </p:txEl>
+                                          </p:spTgt>
+                                        </p:tgtEl>
+                                      </p:cBhvr>
+                                    </p:animEffect>
+                                    <p:anim calcmode="lin" valueType="num">
+                                      <p:cBhvr>
+                                        <p:cTn id="29" dur="1000" fill="hold"/>
+                                        <p:tgtEl>
+                                          <p:spTgt spid="3">
+                                            <p:txEl>
+                                              <p:pRg st="3" end="3"/>
+                                            </p:txEl>
+                                          </p:spTgt>
+                                        </p:tgtEl>
+                                        <p:attrNameLst>
+                                          <p:attrName>ppt_x</p:attrName>
+                                        </p:attrNameLst>
+                                      </p:cBhvr>
+                                      <p:tavLst>
+                                        <p:tav tm="0">
+                                          <p:val>
+                                            <p:strVal val="#ppt_x"/>
+                                          </p:val>
+                                        </p:tav>
+                                        <p:tav tm="100000">
+                                          <p:val>
+                                            <p:strVal val="#ppt_x"/>
+                                          </p:val>
+                                        </p:tav>
+                                      </p:tavLst>
+                                    </p:anim>
+                                    <p:anim calcmode="lin" valueType="num">
+                                      <p:cBhvr>
+                                        <p:cTn id="30" dur="1000" fill="hold"/>
+                                        <p:tgtEl>
+                                          <p:spTgt spid="3">
+                                            <p:txEl>
+                                              <p:pRg st="3" end="3"/>
+                                            </p:txEl>
+                                          </p:spTgt>
+                                        </p:tgtEl>
+                                        <p:attrNameLst>
+                                          <p:attrName>ppt_y</p:attrName>
+                                        </p:attrNameLst>
+                                      </p:cBhvr>
+                                      <p:tavLst>
+                                        <p:tav tm="0">
+                                          <p:val>
+                                            <p:strVal val="#ppt_y+.1"/>
+                                          </p:val>
+                                        </p:tav>
+                                        <p:tav tm="100000">
+                                          <p:val>
+                                            <p:strVal val="#ppt_y"/>
+                                          </p:val>
+                                        </p:tav>
+                                      </p:tavLst>
+                                    </p:anim>
+                                  </p:childTnLst>
+                                </p:cTn>
+                              </p:par>
+                            </p:childTnLst>
+                          </p:cTn>
+                        </p:par>
+                      </p:childTnLst>
+                    </p:cTn>
+                  </p:par>
+                  <p:par>
+                    <p:cTn id="31" fill="hold">
+                      <p:stCondLst>
+                        <p:cond delay="indefinite"/>
+                      </p:stCondLst>
+                      <p:childTnLst>
+                        <p:par>
+                          <p:cTn id="32" fill="hold">
+                            <p:stCondLst>
+                              <p:cond delay="0"/>
+                            </p:stCondLst>
+                            <p:childTnLst>
+                              <p:par>
+                                <p:cTn id="33" presetID="42" presetClass="entr" presetSubtype="0" fill="hold" nodeType="clickEffect">
+                                  <p:stCondLst>
+                                    <p:cond delay="0"/>
+                                  </p:stCondLst>
+                                  <p:childTnLst>
+                                    <p:set>
+                                      <p:cBhvr>
+                                        <p:cTn id="34" dur="1" fill="hold">
+                                          <p:stCondLst>
+                                            <p:cond delay="0"/>
+                                          </p:stCondLst>
+                                        </p:cTn>
+                                        <p:tgtEl>
+                                          <p:spTgt spid="3">
+                                            <p:txEl>
+                                              <p:pRg st="4" end="4"/>
+                                            </p:txEl>
+                                          </p:spTgt>
+                                        </p:tgtEl>
+                                        <p:attrNameLst>
+                                          <p:attrName>style.visibility</p:attrName>
+                                        </p:attrNameLst>
+                                      </p:cBhvr>
+                                      <p:to>
+                                        <p:strVal val="visible"/>
+                                      </p:to>
+                                    </p:set>
+                                    <p:animEffect transition="in" filter="fade">
+                                      <p:cBhvr>
+                                        <p:cTn id="35" dur="1000"/>
+                                        <p:tgtEl>
+                                          <p:spTgt spid="3">
+                                            <p:txEl>
+                                              <p:pRg st="4" end="4"/>
+                                            </p:txEl>
+                                          </p:spTgt>
+                                        </p:tgtEl>
+                                      </p:cBhvr>
+                                    </p:animEffect>
+                                    <p:anim calcmode="lin" valueType="num">
+                                      <p:cBhvr>
+                                        <p:cTn id="36" dur="1000" fill="hold"/>
+                                        <p:tgtEl>
+                                          <p:spTgt spid="3">
+                                            <p:txEl>
+                                              <p:pRg st="4" end="4"/>
+                                            </p:txEl>
+                                          </p:spTgt>
+                                        </p:tgtEl>
+                                        <p:attrNameLst>
+                                          <p:attrName>ppt_x</p:attrName>
+                                        </p:attrNameLst>
+                                      </p:cBhvr>
+                                      <p:tavLst>
+                                        <p:tav tm="0">
+                                          <p:val>
+                                            <p:strVal val="#ppt_x"/>
+                                          </p:val>
+                                        </p:tav>
+                                        <p:tav tm="100000">
+                                          <p:val>
+                                            <p:strVal val="#ppt_x"/>
+                                          </p:val>
+                                        </p:tav>
+                                      </p:tavLst>
+                                    </p:anim>
+                                    <p:anim calcmode="lin" valueType="num">
+                                      <p:cBhvr>
+                                        <p:cTn id="37" dur="1000" fill="hold"/>
+                                        <p:tgtEl>
+                                          <p:spTgt spid="3">
+                                            <p:txEl>
+                                              <p:pRg st="4" end="4"/>
+                                            </p:txEl>
+                                          </p:spTgt>
+                                        </p:tgtEl>
+                                        <p:attrNameLst>
+                                          <p:attrName>ppt_y</p:attrName>
+                                        </p:attrNameLst>
+                                      </p:cBhvr>
+                                      <p:tavLst>
+                                        <p:tav tm="0">
+                                          <p:val>
+                                            <p:strVal val="#ppt_y+.1"/>
+                                          </p:val>
+                                        </p:tav>
+                                        <p:tav tm="100000">
+                                          <p:val>
+                                            <p:strVal val="#ppt_y"/>
+                                          </p:val>
+                                        </p:tav>
+                                      </p:tavLst>
+                                    </p:anim>
+                                  </p:childTnLst>
+                                </p:cTn>
+                              </p:par>
+                            </p:childTnLst>
+                          </p:cTn>
+                        </p:par>
+                      </p:childTnLst>
+                    </p:cTn>
+                  </p:par>
+                  <p:par>
+                    <p:cTn id="38" fill="hold">
+                      <p:stCondLst>
+                        <p:cond delay="indefinite"/>
+                      </p:stCondLst>
+                      <p:childTnLst>
+                        <p:par>
+                          <p:cTn id="39" fill="hold">
+                            <p:stCondLst>
+                              <p:cond delay="0"/>
+                            </p:stCondLst>
+                            <p:childTnLst>
+                              <p:par>
+                                <p:cTn id="40" presetID="42" presetClass="entr" presetSubtype="0" fill="hold" nodeType="clickEffect">
+                                  <p:stCondLst>
+                                    <p:cond delay="0"/>
+                                  </p:stCondLst>
+                                  <p:childTnLst>
+                                    <p:set>
+                                      <p:cBhvr>
+                                        <p:cTn id="41" dur="1" fill="hold">
+                                          <p:stCondLst>
+                                            <p:cond delay="0"/>
+                                          </p:stCondLst>
+                                        </p:cTn>
+                                        <p:tgtEl>
+                                          <p:spTgt spid="3">
+                                            <p:txEl>
+                                              <p:pRg st="5" end="5"/>
+                                            </p:txEl>
+                                          </p:spTgt>
+                                        </p:tgtEl>
+                                        <p:attrNameLst>
+                                          <p:attrName>style.visibility</p:attrName>
+                                        </p:attrNameLst>
+                                      </p:cBhvr>
+                                      <p:to>
+                                        <p:strVal val="visible"/>
+                                      </p:to>
+                                    </p:set>
+                                    <p:animEffect transition="in" filter="fade">
+                                      <p:cBhvr>
+                                        <p:cTn id="42" dur="1000"/>
+                                        <p:tgtEl>
+                                          <p:spTgt spid="3">
+                                            <p:txEl>
+                                              <p:pRg st="5" end="5"/>
+                                            </p:txEl>
+                                          </p:spTgt>
+                                        </p:tgtEl>
+                                      </p:cBhvr>
+                                    </p:animEffect>
+                                    <p:anim calcmode="lin" valueType="num">
+                                      <p:cBhvr>
+                                        <p:cTn id="43" dur="1000" fill="hold"/>
+                                        <p:tgtEl>
+                                          <p:spTgt spid="3">
+                                            <p:txEl>
+                                              <p:pRg st="5" end="5"/>
+                                            </p:txEl>
+                                          </p:spTgt>
+                                        </p:tgtEl>
+                                        <p:attrNameLst>
+                                          <p:attrName>ppt_x</p:attrName>
+                                        </p:attrNameLst>
+                                      </p:cBhvr>
+                                      <p:tavLst>
+                                        <p:tav tm="0">
+                                          <p:val>
+                                            <p:strVal val="#ppt_x"/>
+                                          </p:val>
+                                        </p:tav>
+                                        <p:tav tm="100000">
+                                          <p:val>
+                                            <p:strVal val="#ppt_x"/>
+                                          </p:val>
+                                        </p:tav>
+                                      </p:tavLst>
+                                    </p:anim>
+                                    <p:anim calcmode="lin" valueType="num">
+                                      <p:cBhvr>
+                                        <p:cTn id="44" dur="1000" fill="hold"/>
+                                        <p:tgtEl>
+                                          <p:spTgt spid="3">
+                                            <p:txEl>
+                                              <p:pRg st="5" end="5"/>
+                                            </p:txEl>
+                                          </p:spTgt>
+                                        </p:tgtEl>
+                                        <p:attrNameLst>
+                                          <p:attrName>ppt_y</p:attrName>
+                                        </p:attrNameLst>
+                                      </p:cBhvr>
+                                      <p:tavLst>
+                                        <p:tav tm="0">
+                                          <p:val>
+                                            <p:strVal val="#ppt_y+.1"/>
+                                          </p:val>
+                                        </p:tav>
+                                        <p:tav tm="100000">
+                                          <p:val>
+                                            <p:strVal val="#ppt_y"/>
+                                          </p:val>
+                                        </p:tav>
+                                      </p:tavLst>
+                                    </p:anim>
+                                  </p:childTnLst>
+                                </p:cTn>
+                              </p:par>
+                            </p:childTnLst>
+                          </p:cTn>
+                        </p:par>
+                      </p:childTnLst>
+                    </p:cTn>
+                  </p:par>
+                </p:childTnLst>
+              </p:cTn>
+              <p:prevCondLst>
+                <p:cond evt="onPrev" delay="0">
+                  <p:tgtEl>
+                    <p:sldTgt/>
+                  </p:tgtEl>
+                </p:cond>
+              </p:prevCondLst>
+              <p:nextCondLst>
+                <p:cond evt="onNext" delay="0">
+                  <p:tgtEl>
+                    <p:sldTgt/>
+                  </p:tgtEl>
+                </p:cond>
+              </p:nextCondLst>
+            </p:seq>
+          </p:childTnLst>
+        </p:cTn>
+      </p:par>
+    </p:tnLst>
+  </p:timing>
+</p:sld>
+</file>
+
+<file path=ppt/slides/slide7.xml><?xml version="1.0" encoding="utf-8"?>
 <p:sld xmlns:a="http://schemas.openxmlformats.org/drawingml/2006/main" xmlns:r="http://schemas.openxmlformats.org/officeDocument/2006/relationships" xmlns:p="http://schemas.openxmlformats.org/presentationml/2006/main">
   <p:cSld>
     <p:spTree>
@@ -23708,7 +22308,7 @@
               <a:t>Is </a:t>
             </a:r>
             <a:r>
-              <a:rPr lang="en-US" b="1" dirty="0"/>
+              <a:rPr lang="en-US" b="1" u="sng" dirty="0"/>
               <a:t>compassion</a:t>
             </a:r>
             <a:r>
@@ -23731,16 +22331,7 @@
           <a:p>
             <a:r>
               <a:rPr lang="en-US" dirty="0"/>
-              <a:t>Why do men suffer?</a:t>
-            </a:r>
-          </a:p>
-          <a:p>
-            <a:endParaRPr lang="en-US" dirty="0"/>
-          </a:p>
-          <a:p>
-            <a:r>
-              <a:rPr lang="en-US" dirty="0"/>
-              <a:t>What does Judgement reveal?</a:t>
+              <a:t>Why do men suffer? What does Judgement reveal? (Ezekiel 33)</a:t>
             </a:r>
           </a:p>
           <a:p>
@@ -24574,35 +23165,271 @@
                       </p:childTnLst>
                     </p:cTn>
                   </p:par>
+                </p:childTnLst>
+              </p:cTn>
+              <p:prevCondLst>
+                <p:cond evt="onPrev" delay="0">
+                  <p:tgtEl>
+                    <p:sldTgt/>
+                  </p:tgtEl>
+                </p:cond>
+              </p:prevCondLst>
+              <p:nextCondLst>
+                <p:cond evt="onNext" delay="0">
+                  <p:tgtEl>
+                    <p:sldTgt/>
+                  </p:tgtEl>
+                </p:cond>
+              </p:nextCondLst>
+            </p:seq>
+          </p:childTnLst>
+        </p:cTn>
+      </p:par>
+    </p:tnLst>
+    <p:bldLst>
+      <p:bldP spid="5" grpId="0" animBg="1"/>
+      <p:bldP spid="4" grpId="0" animBg="1"/>
+    </p:bldLst>
+  </p:timing>
+</p:sld>
+</file>
+
+<file path=ppt/slides/slide8.xml><?xml version="1.0" encoding="utf-8"?>
+<p:sld xmlns:a="http://schemas.openxmlformats.org/drawingml/2006/main" xmlns:r="http://schemas.openxmlformats.org/officeDocument/2006/relationships" xmlns:p="http://schemas.openxmlformats.org/presentationml/2006/main">
+  <p:cSld>
+    <p:spTree>
+      <p:nvGrpSpPr>
+        <p:cNvPr id="1" name="">
+          <a:extLst>
+            <a:ext uri="{FF2B5EF4-FFF2-40B4-BE49-F238E27FC236}">
+              <a16:creationId xmlns:a16="http://schemas.microsoft.com/office/drawing/2014/main" id="{ED0DD499-F812-C9C4-FF64-ABCE96776055}"/>
+            </a:ext>
+          </a:extLst>
+        </p:cNvPr>
+        <p:cNvGrpSpPr/>
+        <p:nvPr/>
+      </p:nvGrpSpPr>
+      <p:grpSpPr>
+        <a:xfrm>
+          <a:off x="0" y="0"/>
+          <a:ext cx="0" cy="0"/>
+          <a:chOff x="0" y="0"/>
+          <a:chExt cx="0" cy="0"/>
+        </a:xfrm>
+      </p:grpSpPr>
+      <p:sp>
+        <p:nvSpPr>
+          <p:cNvPr id="3" name="Content Placeholder 2">
+            <a:extLst>
+              <a:ext uri="{FF2B5EF4-FFF2-40B4-BE49-F238E27FC236}">
+                <a16:creationId xmlns:a16="http://schemas.microsoft.com/office/drawing/2014/main" id="{9DE5DE22-BA56-B287-C684-7111FDDBE367}"/>
+              </a:ext>
+            </a:extLst>
+          </p:cNvPr>
+          <p:cNvSpPr>
+            <a:spLocks noGrp="1"/>
+          </p:cNvSpPr>
+          <p:nvPr>
+            <p:ph idx="1"/>
+          </p:nvPr>
+        </p:nvSpPr>
+        <p:spPr>
+          <a:xfrm>
+            <a:off x="457200" y="1371599"/>
+            <a:ext cx="8229600" cy="4660053"/>
+          </a:xfrm>
+        </p:spPr>
+        <p:txBody>
+          <a:bodyPr/>
+          <a:lstStyle/>
+          <a:p>
+            <a:pPr marL="285750" indent="-285750">
+              <a:buFont typeface="Arial" panose="020B0604020202020204" pitchFamily="34" charset="0"/>
+              <a:buChar char="•"/>
+            </a:pPr>
+            <a:r>
+              <a:rPr lang="en-US" sz="2000" dirty="0">
+                <a:latin typeface="+mn-lt"/>
+              </a:rPr>
+              <a:t>Materialism – Matter is all that there is…  The ultimate reality.</a:t>
+            </a:r>
+          </a:p>
+          <a:p>
+            <a:pPr marL="285750" indent="-285750">
+              <a:buFont typeface="Arial" panose="020B0604020202020204" pitchFamily="34" charset="0"/>
+              <a:buChar char="•"/>
+            </a:pPr>
+            <a:r>
+              <a:rPr lang="en-US" sz="2000" dirty="0">
+                <a:latin typeface="+mn-lt"/>
+              </a:rPr>
+              <a:t>Rationalism – Human Reason is the standard of all truth.</a:t>
+            </a:r>
+          </a:p>
+          <a:p>
+            <a:pPr marL="285750" indent="-285750">
+              <a:buFont typeface="Arial" panose="020B0604020202020204" pitchFamily="34" charset="0"/>
+              <a:buChar char="•"/>
+            </a:pPr>
+            <a:r>
+              <a:rPr lang="en-US" sz="2000" dirty="0">
+                <a:latin typeface="+mn-lt"/>
+              </a:rPr>
+              <a:t>Empiricism – Claims that the ultimate foundation of knowledge is sensation.</a:t>
+            </a:r>
+          </a:p>
+          <a:p>
+            <a:pPr marL="285750" indent="-285750">
+              <a:buFont typeface="Arial" panose="020B0604020202020204" pitchFamily="34" charset="0"/>
+              <a:buChar char="•"/>
+            </a:pPr>
+            <a:r>
+              <a:rPr lang="en-US" sz="2000" dirty="0">
+                <a:latin typeface="+mn-lt"/>
+              </a:rPr>
+              <a:t>How do each of the above “roots of human philosophies” view mankind?</a:t>
+            </a:r>
+          </a:p>
+          <a:p>
+            <a:pPr marL="0" indent="0">
+              <a:buNone/>
+            </a:pPr>
+            <a:endParaRPr lang="en-US" sz="2000" dirty="0">
+              <a:latin typeface="+mn-lt"/>
+            </a:endParaRPr>
+          </a:p>
+          <a:p>
+            <a:pPr marL="0" indent="0">
+              <a:buNone/>
+            </a:pPr>
+            <a:endParaRPr lang="en-US" sz="2000" dirty="0"/>
+          </a:p>
+          <a:p>
+            <a:pPr marL="285750" indent="-285750">
+              <a:buFont typeface="Arial" panose="020B0604020202020204" pitchFamily="34" charset="0"/>
+              <a:buChar char="•"/>
+            </a:pPr>
+            <a:endParaRPr lang="en-US" dirty="0"/>
+          </a:p>
+        </p:txBody>
+      </p:sp>
+      <p:sp>
+        <p:nvSpPr>
+          <p:cNvPr id="5" name="Title 1">
+            <a:extLst>
+              <a:ext uri="{FF2B5EF4-FFF2-40B4-BE49-F238E27FC236}">
+                <a16:creationId xmlns:a16="http://schemas.microsoft.com/office/drawing/2014/main" id="{E6B200FC-7017-CB9C-143D-A0F515149F60}"/>
+              </a:ext>
+            </a:extLst>
+          </p:cNvPr>
+          <p:cNvSpPr>
+            <a:spLocks noGrp="1"/>
+          </p:cNvSpPr>
+          <p:nvPr>
+            <p:ph type="title"/>
+          </p:nvPr>
+        </p:nvSpPr>
+        <p:spPr>
+          <a:xfrm>
+            <a:off x="457200" y="0"/>
+            <a:ext cx="8229600" cy="914400"/>
+          </a:xfrm>
+        </p:spPr>
+        <p:txBody>
+          <a:bodyPr>
+            <a:normAutofit fontScale="90000"/>
+          </a:bodyPr>
+          <a:lstStyle/>
+          <a:p>
+            <a:pPr algn="l"/>
+            <a:r>
+              <a:rPr lang="en-US" sz="3600" dirty="0"/>
+              <a:t>Examples of Mankind’s ‘Righteousness’</a:t>
+            </a:r>
+            <a:br>
+              <a:rPr lang="en-US" dirty="0"/>
+            </a:br>
+            <a:r>
+              <a:rPr lang="en-US" sz="2400" dirty="0">
+                <a:solidFill>
+                  <a:schemeClr val="tx2">
+                    <a:lumMod val="60000"/>
+                    <a:lumOff val="40000"/>
+                  </a:schemeClr>
+                </a:solidFill>
+              </a:rPr>
+              <a:t>Origins </a:t>
+            </a:r>
+            <a:r>
+              <a:rPr lang="en-US" sz="2400" dirty="0">
+                <a:solidFill>
+                  <a:schemeClr val="tx2">
+                    <a:lumMod val="60000"/>
+                    <a:lumOff val="40000"/>
+                  </a:schemeClr>
+                </a:solidFill>
+                <a:sym typeface="Wingdings" pitchFamily="2" charset="2"/>
+              </a:rPr>
+              <a:t> Meaning  Morality  Destiny</a:t>
+            </a:r>
+            <a:endParaRPr lang="en-US" sz="2400" dirty="0">
+              <a:solidFill>
+                <a:schemeClr val="tx2">
+                  <a:lumMod val="60000"/>
+                  <a:lumOff val="40000"/>
+                </a:schemeClr>
+              </a:solidFill>
+            </a:endParaRPr>
+          </a:p>
+        </p:txBody>
+      </p:sp>
+    </p:spTree>
+    <p:extLst>
+      <p:ext uri="{BB962C8B-B14F-4D97-AF65-F5344CB8AC3E}">
+        <p14:creationId xmlns:p14="http://schemas.microsoft.com/office/powerpoint/2010/main" val="2080261862"/>
+      </p:ext>
+    </p:extLst>
+  </p:cSld>
+  <p:clrMapOvr>
+    <a:masterClrMapping/>
+  </p:clrMapOvr>
+  <p:timing>
+    <p:tnLst>
+      <p:par>
+        <p:cTn id="1" dur="indefinite" restart="never" nodeType="tmRoot">
+          <p:childTnLst>
+            <p:seq concurrent="1" nextAc="seek">
+              <p:cTn id="2" dur="indefinite" nodeType="mainSeq">
+                <p:childTnLst>
                   <p:par>
-                    <p:cTn id="52" fill="hold">
+                    <p:cTn id="3" fill="hold">
                       <p:stCondLst>
                         <p:cond delay="indefinite"/>
                       </p:stCondLst>
                       <p:childTnLst>
                         <p:par>
-                          <p:cTn id="53" fill="hold">
+                          <p:cTn id="4" fill="hold">
                             <p:stCondLst>
                               <p:cond delay="0"/>
                             </p:stCondLst>
                             <p:childTnLst>
                               <p:par>
-                                <p:cTn id="54" presetID="42" presetClass="entr" presetSubtype="0" fill="hold" nodeType="clickEffect">
+                                <p:cTn id="5" presetID="42" presetClass="entr" presetSubtype="0" fill="hold" nodeType="clickEffect">
                                   <p:stCondLst>
                                     <p:cond delay="0"/>
                                   </p:stCondLst>
                                   <p:childTnLst>
                                     <p:set>
                                       <p:cBhvr>
-                                        <p:cTn id="55" dur="1" fill="hold">
+                                        <p:cTn id="6" dur="1" fill="hold">
                                           <p:stCondLst>
                                             <p:cond delay="0"/>
                                           </p:stCondLst>
                                         </p:cTn>
                                         <p:tgtEl>
-                                          <p:spTgt spid="4">
+                                          <p:spTgt spid="3">
                                             <p:txEl>
-                                              <p:pRg st="10" end="10"/>
+                                              <p:pRg st="0" end="0"/>
                                             </p:txEl>
                                           </p:spTgt>
                                         </p:tgtEl>
@@ -24616,11 +23443,11 @@
                                     </p:set>
                                     <p:animEffect transition="in" filter="fade">
                                       <p:cBhvr>
-                                        <p:cTn id="56" dur="1000"/>
+                                        <p:cTn id="7" dur="1000"/>
                                         <p:tgtEl>
-                                          <p:spTgt spid="4">
+                                          <p:spTgt spid="3">
                                             <p:txEl>
-                                              <p:pRg st="10" end="10"/>
+                                              <p:pRg st="0" end="0"/>
                                             </p:txEl>
                                           </p:spTgt>
                                         </p:tgtEl>
@@ -24628,11 +23455,11 @@
                                     </p:animEffect>
                                     <p:anim calcmode="lin" valueType="num">
                                       <p:cBhvr>
-                                        <p:cTn id="57" dur="1000" fill="hold"/>
+                                        <p:cTn id="8" dur="1000" fill="hold"/>
                                         <p:tgtEl>
-                                          <p:spTgt spid="4">
+                                          <p:spTgt spid="3">
                                             <p:txEl>
-                                              <p:pRg st="10" end="10"/>
+                                              <p:pRg st="0" end="0"/>
                                             </p:txEl>
                                           </p:spTgt>
                                         </p:tgtEl>
@@ -24655,11 +23482,356 @@
                                     </p:anim>
                                     <p:anim calcmode="lin" valueType="num">
                                       <p:cBhvr>
-                                        <p:cTn id="58" dur="1000" fill="hold"/>
+                                        <p:cTn id="9" dur="1000" fill="hold"/>
                                         <p:tgtEl>
-                                          <p:spTgt spid="4">
+                                          <p:spTgt spid="3">
                                             <p:txEl>
-                                              <p:pRg st="10" end="10"/>
+                                              <p:pRg st="0" end="0"/>
+                                            </p:txEl>
+                                          </p:spTgt>
+                                        </p:tgtEl>
+                                        <p:attrNameLst>
+                                          <p:attrName>ppt_y</p:attrName>
+                                        </p:attrNameLst>
+                                      </p:cBhvr>
+                                      <p:tavLst>
+                                        <p:tav tm="0">
+                                          <p:val>
+                                            <p:strVal val="#ppt_y+.1"/>
+                                          </p:val>
+                                        </p:tav>
+                                        <p:tav tm="100000">
+                                          <p:val>
+                                            <p:strVal val="#ppt_y"/>
+                                          </p:val>
+                                        </p:tav>
+                                      </p:tavLst>
+                                    </p:anim>
+                                  </p:childTnLst>
+                                </p:cTn>
+                              </p:par>
+                            </p:childTnLst>
+                          </p:cTn>
+                        </p:par>
+                      </p:childTnLst>
+                    </p:cTn>
+                  </p:par>
+                  <p:par>
+                    <p:cTn id="10" fill="hold">
+                      <p:stCondLst>
+                        <p:cond delay="indefinite"/>
+                      </p:stCondLst>
+                      <p:childTnLst>
+                        <p:par>
+                          <p:cTn id="11" fill="hold">
+                            <p:stCondLst>
+                              <p:cond delay="0"/>
+                            </p:stCondLst>
+                            <p:childTnLst>
+                              <p:par>
+                                <p:cTn id="12" presetID="42" presetClass="entr" presetSubtype="0" fill="hold" nodeType="clickEffect">
+                                  <p:stCondLst>
+                                    <p:cond delay="0"/>
+                                  </p:stCondLst>
+                                  <p:childTnLst>
+                                    <p:set>
+                                      <p:cBhvr>
+                                        <p:cTn id="13" dur="1" fill="hold">
+                                          <p:stCondLst>
+                                            <p:cond delay="0"/>
+                                          </p:stCondLst>
+                                        </p:cTn>
+                                        <p:tgtEl>
+                                          <p:spTgt spid="3">
+                                            <p:txEl>
+                                              <p:pRg st="1" end="1"/>
+                                            </p:txEl>
+                                          </p:spTgt>
+                                        </p:tgtEl>
+                                        <p:attrNameLst>
+                                          <p:attrName>style.visibility</p:attrName>
+                                        </p:attrNameLst>
+                                      </p:cBhvr>
+                                      <p:to>
+                                        <p:strVal val="visible"/>
+                                      </p:to>
+                                    </p:set>
+                                    <p:animEffect transition="in" filter="fade">
+                                      <p:cBhvr>
+                                        <p:cTn id="14" dur="1000"/>
+                                        <p:tgtEl>
+                                          <p:spTgt spid="3">
+                                            <p:txEl>
+                                              <p:pRg st="1" end="1"/>
+                                            </p:txEl>
+                                          </p:spTgt>
+                                        </p:tgtEl>
+                                      </p:cBhvr>
+                                    </p:animEffect>
+                                    <p:anim calcmode="lin" valueType="num">
+                                      <p:cBhvr>
+                                        <p:cTn id="15" dur="1000" fill="hold"/>
+                                        <p:tgtEl>
+                                          <p:spTgt spid="3">
+                                            <p:txEl>
+                                              <p:pRg st="1" end="1"/>
+                                            </p:txEl>
+                                          </p:spTgt>
+                                        </p:tgtEl>
+                                        <p:attrNameLst>
+                                          <p:attrName>ppt_x</p:attrName>
+                                        </p:attrNameLst>
+                                      </p:cBhvr>
+                                      <p:tavLst>
+                                        <p:tav tm="0">
+                                          <p:val>
+                                            <p:strVal val="#ppt_x"/>
+                                          </p:val>
+                                        </p:tav>
+                                        <p:tav tm="100000">
+                                          <p:val>
+                                            <p:strVal val="#ppt_x"/>
+                                          </p:val>
+                                        </p:tav>
+                                      </p:tavLst>
+                                    </p:anim>
+                                    <p:anim calcmode="lin" valueType="num">
+                                      <p:cBhvr>
+                                        <p:cTn id="16" dur="1000" fill="hold"/>
+                                        <p:tgtEl>
+                                          <p:spTgt spid="3">
+                                            <p:txEl>
+                                              <p:pRg st="1" end="1"/>
+                                            </p:txEl>
+                                          </p:spTgt>
+                                        </p:tgtEl>
+                                        <p:attrNameLst>
+                                          <p:attrName>ppt_y</p:attrName>
+                                        </p:attrNameLst>
+                                      </p:cBhvr>
+                                      <p:tavLst>
+                                        <p:tav tm="0">
+                                          <p:val>
+                                            <p:strVal val="#ppt_y+.1"/>
+                                          </p:val>
+                                        </p:tav>
+                                        <p:tav tm="100000">
+                                          <p:val>
+                                            <p:strVal val="#ppt_y"/>
+                                          </p:val>
+                                        </p:tav>
+                                      </p:tavLst>
+                                    </p:anim>
+                                  </p:childTnLst>
+                                </p:cTn>
+                              </p:par>
+                            </p:childTnLst>
+                          </p:cTn>
+                        </p:par>
+                      </p:childTnLst>
+                    </p:cTn>
+                  </p:par>
+                  <p:par>
+                    <p:cTn id="17" fill="hold">
+                      <p:stCondLst>
+                        <p:cond delay="indefinite"/>
+                      </p:stCondLst>
+                      <p:childTnLst>
+                        <p:par>
+                          <p:cTn id="18" fill="hold">
+                            <p:stCondLst>
+                              <p:cond delay="0"/>
+                            </p:stCondLst>
+                            <p:childTnLst>
+                              <p:par>
+                                <p:cTn id="19" presetID="42" presetClass="entr" presetSubtype="0" fill="hold" nodeType="clickEffect">
+                                  <p:stCondLst>
+                                    <p:cond delay="0"/>
+                                  </p:stCondLst>
+                                  <p:childTnLst>
+                                    <p:set>
+                                      <p:cBhvr>
+                                        <p:cTn id="20" dur="1" fill="hold">
+                                          <p:stCondLst>
+                                            <p:cond delay="0"/>
+                                          </p:stCondLst>
+                                        </p:cTn>
+                                        <p:tgtEl>
+                                          <p:spTgt spid="3">
+                                            <p:txEl>
+                                              <p:pRg st="2" end="2"/>
+                                            </p:txEl>
+                                          </p:spTgt>
+                                        </p:tgtEl>
+                                        <p:attrNameLst>
+                                          <p:attrName>style.visibility</p:attrName>
+                                        </p:attrNameLst>
+                                      </p:cBhvr>
+                                      <p:to>
+                                        <p:strVal val="visible"/>
+                                      </p:to>
+                                    </p:set>
+                                    <p:animEffect transition="in" filter="fade">
+                                      <p:cBhvr>
+                                        <p:cTn id="21" dur="1000"/>
+                                        <p:tgtEl>
+                                          <p:spTgt spid="3">
+                                            <p:txEl>
+                                              <p:pRg st="2" end="2"/>
+                                            </p:txEl>
+                                          </p:spTgt>
+                                        </p:tgtEl>
+                                      </p:cBhvr>
+                                    </p:animEffect>
+                                    <p:anim calcmode="lin" valueType="num">
+                                      <p:cBhvr>
+                                        <p:cTn id="22" dur="1000" fill="hold"/>
+                                        <p:tgtEl>
+                                          <p:spTgt spid="3">
+                                            <p:txEl>
+                                              <p:pRg st="2" end="2"/>
+                                            </p:txEl>
+                                          </p:spTgt>
+                                        </p:tgtEl>
+                                        <p:attrNameLst>
+                                          <p:attrName>ppt_x</p:attrName>
+                                        </p:attrNameLst>
+                                      </p:cBhvr>
+                                      <p:tavLst>
+                                        <p:tav tm="0">
+                                          <p:val>
+                                            <p:strVal val="#ppt_x"/>
+                                          </p:val>
+                                        </p:tav>
+                                        <p:tav tm="100000">
+                                          <p:val>
+                                            <p:strVal val="#ppt_x"/>
+                                          </p:val>
+                                        </p:tav>
+                                      </p:tavLst>
+                                    </p:anim>
+                                    <p:anim calcmode="lin" valueType="num">
+                                      <p:cBhvr>
+                                        <p:cTn id="23" dur="1000" fill="hold"/>
+                                        <p:tgtEl>
+                                          <p:spTgt spid="3">
+                                            <p:txEl>
+                                              <p:pRg st="2" end="2"/>
+                                            </p:txEl>
+                                          </p:spTgt>
+                                        </p:tgtEl>
+                                        <p:attrNameLst>
+                                          <p:attrName>ppt_y</p:attrName>
+                                        </p:attrNameLst>
+                                      </p:cBhvr>
+                                      <p:tavLst>
+                                        <p:tav tm="0">
+                                          <p:val>
+                                            <p:strVal val="#ppt_y+.1"/>
+                                          </p:val>
+                                        </p:tav>
+                                        <p:tav tm="100000">
+                                          <p:val>
+                                            <p:strVal val="#ppt_y"/>
+                                          </p:val>
+                                        </p:tav>
+                                      </p:tavLst>
+                                    </p:anim>
+                                  </p:childTnLst>
+                                </p:cTn>
+                              </p:par>
+                            </p:childTnLst>
+                          </p:cTn>
+                        </p:par>
+                      </p:childTnLst>
+                    </p:cTn>
+                  </p:par>
+                  <p:par>
+                    <p:cTn id="24" fill="hold">
+                      <p:stCondLst>
+                        <p:cond delay="indefinite"/>
+                      </p:stCondLst>
+                      <p:childTnLst>
+                        <p:par>
+                          <p:cTn id="25" fill="hold">
+                            <p:stCondLst>
+                              <p:cond delay="0"/>
+                            </p:stCondLst>
+                            <p:childTnLst>
+                              <p:par>
+                                <p:cTn id="26" presetID="42" presetClass="entr" presetSubtype="0" fill="hold" nodeType="clickEffect">
+                                  <p:stCondLst>
+                                    <p:cond delay="0"/>
+                                  </p:stCondLst>
+                                  <p:childTnLst>
+                                    <p:set>
+                                      <p:cBhvr>
+                                        <p:cTn id="27" dur="1" fill="hold">
+                                          <p:stCondLst>
+                                            <p:cond delay="0"/>
+                                          </p:stCondLst>
+                                        </p:cTn>
+                                        <p:tgtEl>
+                                          <p:spTgt spid="3">
+                                            <p:txEl>
+                                              <p:pRg st="3" end="3"/>
+                                            </p:txEl>
+                                          </p:spTgt>
+                                        </p:tgtEl>
+                                        <p:attrNameLst>
+                                          <p:attrName>style.visibility</p:attrName>
+                                        </p:attrNameLst>
+                                      </p:cBhvr>
+                                      <p:to>
+                                        <p:strVal val="visible"/>
+                                      </p:to>
+                                    </p:set>
+                                    <p:animEffect transition="in" filter="fade">
+                                      <p:cBhvr>
+                                        <p:cTn id="28" dur="1000"/>
+                                        <p:tgtEl>
+                                          <p:spTgt spid="3">
+                                            <p:txEl>
+                                              <p:pRg st="3" end="3"/>
+                                            </p:txEl>
+                                          </p:spTgt>
+                                        </p:tgtEl>
+                                      </p:cBhvr>
+                                    </p:animEffect>
+                                    <p:anim calcmode="lin" valueType="num">
+                                      <p:cBhvr>
+                                        <p:cTn id="29" dur="1000" fill="hold"/>
+                                        <p:tgtEl>
+                                          <p:spTgt spid="3">
+                                            <p:txEl>
+                                              <p:pRg st="3" end="3"/>
+                                            </p:txEl>
+                                          </p:spTgt>
+                                        </p:tgtEl>
+                                        <p:attrNameLst>
+                                          <p:attrName>ppt_x</p:attrName>
+                                        </p:attrNameLst>
+                                      </p:cBhvr>
+                                      <p:tavLst>
+                                        <p:tav tm="0">
+                                          <p:val>
+                                            <p:strVal val="#ppt_x"/>
+                                          </p:val>
+                                        </p:tav>
+                                        <p:tav tm="100000">
+                                          <p:val>
+                                            <p:strVal val="#ppt_x"/>
+                                          </p:val>
+                                        </p:tav>
+                                      </p:tavLst>
+                                    </p:anim>
+                                    <p:anim calcmode="lin" valueType="num">
+                                      <p:cBhvr>
+                                        <p:cTn id="30" dur="1000" fill="hold"/>
+                                        <p:tgtEl>
+                                          <p:spTgt spid="3">
+                                            <p:txEl>
+                                              <p:pRg st="3" end="3"/>
                                             </p:txEl>
                                           </p:spTgt>
                                         </p:tgtEl>
@@ -24710,10 +23882,6 @@
         </p:cTn>
       </p:par>
     </p:tnLst>
-    <p:bldLst>
-      <p:bldP spid="5" grpId="0" animBg="1"/>
-      <p:bldP spid="4" grpId="0" animBg="1"/>
-    </p:bldLst>
   </p:timing>
 </p:sld>
 </file>
@@ -25019,13 +24187,13 @@
           <p:nvPr>
             <p:extLst>
               <p:ext uri="{D42A27DB-BD31-4B8C-83A1-F6EECF244321}">
-                <p14:modId xmlns:p14="http://schemas.microsoft.com/office/powerpoint/2010/main" val="3013333411"/>
+                <p14:modId xmlns:p14="http://schemas.microsoft.com/office/powerpoint/2010/main" val="4037339453"/>
               </p:ext>
             </p:extLst>
           </p:nvPr>
         </p:nvGraphicFramePr>
         <p:xfrm>
-          <a:off x="1255643" y="2140226"/>
+          <a:off x="1245704" y="2133599"/>
           <a:ext cx="6705600" cy="3140075"/>
         </p:xfrm>
         <a:graphic>
